--- a/Presentations/AI Training Syllabus.pptx
+++ b/Presentations/AI Training Syllabus.pptx
@@ -5,13 +5,14 @@
     <p:sldMasterId id="2147483648" r:id="rId1"/>
   </p:sldMasterIdLst>
   <p:notesMasterIdLst>
-    <p:notesMasterId r:id="rId6"/>
+    <p:notesMasterId r:id="rId7"/>
   </p:notesMasterIdLst>
   <p:sldIdLst>
     <p:sldId id="256" r:id="rId2"/>
     <p:sldId id="281" r:id="rId3"/>
     <p:sldId id="282" r:id="rId4"/>
     <p:sldId id="283" r:id="rId5"/>
+    <p:sldId id="284" r:id="rId6"/>
   </p:sldIdLst>
   <p:sldSz cx="9144000" cy="6858000" type="screen4x3"/>
   <p:notesSz cx="6858000" cy="9144000"/>
@@ -195,7 +196,7 @@
           <a:p>
             <a:fld id="{FAF957FC-5175-49AC-8D2B-2F056FFFC1DD}" type="datetimeFigureOut">
               <a:rPr lang="en-US" smtClean="0"/>
-              <a:t>10/24/2017</a:t>
+              <a:t>10/26/2017</a:t>
             </a:fld>
             <a:endParaRPr lang="en-US"/>
           </a:p>
@@ -645,7 +646,7 @@
             <a:fld id="{1D8BD707-D9CF-40AE-B4C6-C98DA3205C09}" type="datetimeFigureOut">
               <a:rPr lang="en-US" smtClean="0"/>
               <a:pPr/>
-              <a:t>10/24/2017</a:t>
+              <a:t>10/26/2017</a:t>
             </a:fld>
             <a:endParaRPr lang="en-US"/>
           </a:p>
@@ -812,7 +813,7 @@
             <a:fld id="{1D8BD707-D9CF-40AE-B4C6-C98DA3205C09}" type="datetimeFigureOut">
               <a:rPr lang="en-US" smtClean="0"/>
               <a:pPr/>
-              <a:t>10/24/2017</a:t>
+              <a:t>10/26/2017</a:t>
             </a:fld>
             <a:endParaRPr lang="en-US"/>
           </a:p>
@@ -989,7 +990,7 @@
             <a:fld id="{1D8BD707-D9CF-40AE-B4C6-C98DA3205C09}" type="datetimeFigureOut">
               <a:rPr lang="en-US" smtClean="0"/>
               <a:pPr/>
-              <a:t>10/24/2017</a:t>
+              <a:t>10/26/2017</a:t>
             </a:fld>
             <a:endParaRPr lang="en-US"/>
           </a:p>
@@ -1156,7 +1157,7 @@
             <a:fld id="{1D8BD707-D9CF-40AE-B4C6-C98DA3205C09}" type="datetimeFigureOut">
               <a:rPr lang="en-US" smtClean="0"/>
               <a:pPr/>
-              <a:t>10/24/2017</a:t>
+              <a:t>10/26/2017</a:t>
             </a:fld>
             <a:endParaRPr lang="en-US"/>
           </a:p>
@@ -1399,7 +1400,7 @@
             <a:fld id="{1D8BD707-D9CF-40AE-B4C6-C98DA3205C09}" type="datetimeFigureOut">
               <a:rPr lang="en-US" smtClean="0"/>
               <a:pPr/>
-              <a:t>10/24/2017</a:t>
+              <a:t>10/26/2017</a:t>
             </a:fld>
             <a:endParaRPr lang="en-US"/>
           </a:p>
@@ -1684,7 +1685,7 @@
             <a:fld id="{1D8BD707-D9CF-40AE-B4C6-C98DA3205C09}" type="datetimeFigureOut">
               <a:rPr lang="en-US" smtClean="0"/>
               <a:pPr/>
-              <a:t>10/24/2017</a:t>
+              <a:t>10/26/2017</a:t>
             </a:fld>
             <a:endParaRPr lang="en-US"/>
           </a:p>
@@ -2103,7 +2104,7 @@
             <a:fld id="{1D8BD707-D9CF-40AE-B4C6-C98DA3205C09}" type="datetimeFigureOut">
               <a:rPr lang="en-US" smtClean="0"/>
               <a:pPr/>
-              <a:t>10/24/2017</a:t>
+              <a:t>10/26/2017</a:t>
             </a:fld>
             <a:endParaRPr lang="en-US"/>
           </a:p>
@@ -2218,7 +2219,7 @@
             <a:fld id="{1D8BD707-D9CF-40AE-B4C6-C98DA3205C09}" type="datetimeFigureOut">
               <a:rPr lang="en-US" smtClean="0"/>
               <a:pPr/>
-              <a:t>10/24/2017</a:t>
+              <a:t>10/26/2017</a:t>
             </a:fld>
             <a:endParaRPr lang="en-US"/>
           </a:p>
@@ -2310,7 +2311,7 @@
             <a:fld id="{1D8BD707-D9CF-40AE-B4C6-C98DA3205C09}" type="datetimeFigureOut">
               <a:rPr lang="en-US" smtClean="0"/>
               <a:pPr/>
-              <a:t>10/24/2017</a:t>
+              <a:t>10/26/2017</a:t>
             </a:fld>
             <a:endParaRPr lang="en-US"/>
           </a:p>
@@ -2584,7 +2585,7 @@
             <a:fld id="{1D8BD707-D9CF-40AE-B4C6-C98DA3205C09}" type="datetimeFigureOut">
               <a:rPr lang="en-US" smtClean="0"/>
               <a:pPr/>
-              <a:t>10/24/2017</a:t>
+              <a:t>10/26/2017</a:t>
             </a:fld>
             <a:endParaRPr lang="en-US"/>
           </a:p>
@@ -2834,7 +2835,7 @@
             <a:fld id="{1D8BD707-D9CF-40AE-B4C6-C98DA3205C09}" type="datetimeFigureOut">
               <a:rPr lang="en-US" smtClean="0"/>
               <a:pPr/>
-              <a:t>10/24/2017</a:t>
+              <a:t>10/26/2017</a:t>
             </a:fld>
             <a:endParaRPr lang="en-US"/>
           </a:p>
@@ -3044,7 +3045,7 @@
             <a:fld id="{1D8BD707-D9CF-40AE-B4C6-C98DA3205C09}" type="datetimeFigureOut">
               <a:rPr lang="en-US" smtClean="0"/>
               <a:pPr/>
-              <a:t>10/24/2017</a:t>
+              <a:t>10/26/2017</a:t>
             </a:fld>
             <a:endParaRPr lang="en-US"/>
           </a:p>
@@ -3871,13 +3872,6 @@
               </a:rPr>
               <a:t>and immerse interaction.</a:t>
             </a:r>
-            <a:endParaRPr lang="en-US" sz="2800" b="1" dirty="0" smtClean="0">
-              <a:solidFill>
-                <a:schemeClr val="accent5">
-                  <a:lumMod val="75000"/>
-                </a:schemeClr>
-              </a:solidFill>
-            </a:endParaRPr>
           </a:p>
           <a:p>
             <a:endParaRPr lang="en-US" sz="2800" b="1" dirty="0">
@@ -4187,11 +4181,6 @@
               </a:rPr>
               <a:t>   under any governing board.</a:t>
             </a:r>
-            <a:endParaRPr lang="en-US" sz="2800" b="1" dirty="0" smtClean="0">
-              <a:solidFill>
-                <a:srgbClr val="C00000"/>
-              </a:solidFill>
-            </a:endParaRPr>
           </a:p>
           <a:p>
             <a:endParaRPr lang="en-US" sz="2800" b="1" dirty="0">
@@ -4306,13 +4295,6 @@
               </a:rPr>
               <a:t>Will keep on website and continuously update.</a:t>
             </a:r>
-            <a:endParaRPr lang="en-US" sz="2800" b="1" dirty="0" smtClean="0">
-              <a:solidFill>
-                <a:schemeClr val="accent5">
-                  <a:lumMod val="75000"/>
-                </a:schemeClr>
-              </a:solidFill>
-            </a:endParaRPr>
           </a:p>
           <a:p>
             <a:pPr marL="285750" indent="-285750">
@@ -4449,7 +4431,7 @@
         <p:spPr>
           <a:xfrm>
             <a:off x="152400" y="1164134"/>
-            <a:ext cx="7003840" cy="3108543"/>
+            <a:ext cx="9140259" cy="5632311"/>
           </a:xfrm>
           <a:prstGeom prst="rect">
             <a:avLst/>
@@ -4491,9 +4473,44 @@
                   <a:srgbClr val="00B050"/>
                 </a:solidFill>
               </a:rPr>
-              <a:t>Graph Search Theory</a:t>
-            </a:r>
-            <a:endParaRPr lang="en-US" sz="2800" b="1" dirty="0" smtClean="0">
+              <a:t>Graph Search </a:t>
+            </a:r>
+            <a:r>
+              <a:rPr lang="en-US" sz="2800" b="1" dirty="0" smtClean="0">
+                <a:solidFill>
+                  <a:srgbClr val="00B050"/>
+                </a:solidFill>
+              </a:rPr>
+              <a:t>Theory</a:t>
+            </a:r>
+          </a:p>
+          <a:p>
+            <a:endParaRPr lang="en-US" sz="1600" dirty="0" smtClean="0"/>
+          </a:p>
+          <a:p>
+            <a:r>
+              <a:rPr lang="en-US" sz="1600" dirty="0"/>
+              <a:t>	</a:t>
+            </a:r>
+            <a:r>
+              <a:rPr lang="en-US" sz="1600" dirty="0" smtClean="0"/>
+              <a:t>This session covers the basic foundations of graph theory algorithms, covering Breadth First </a:t>
+            </a:r>
+            <a:br>
+              <a:rPr lang="en-US" sz="1600" dirty="0" smtClean="0"/>
+            </a:br>
+            <a:r>
+              <a:rPr lang="en-US" sz="1600" dirty="0" smtClean="0"/>
+              <a:t>	Search (BFS), Depth First Search ( DFS), Depth Limited Search (DLS), Iterative Depth Search (IDS), </a:t>
+            </a:r>
+            <a:br>
+              <a:rPr lang="en-US" sz="1600" dirty="0" smtClean="0"/>
+            </a:br>
+            <a:r>
+              <a:rPr lang="en-US" sz="1600" dirty="0" smtClean="0"/>
+              <a:t>	Greedy Algorithm, and A-STAR Algorithm.</a:t>
+            </a:r>
+            <a:endParaRPr lang="en-US" sz="1600" b="1" dirty="0" smtClean="0">
               <a:solidFill>
                 <a:srgbClr val="00B050"/>
               </a:solidFill>
@@ -4529,8 +4546,82 @@
                   <a:srgbClr val="00B050"/>
                 </a:solidFill>
               </a:rPr>
-              <a:t>Basic Principles of Robotics</a:t>
-            </a:r>
+              <a:t>Basic Principles of </a:t>
+            </a:r>
+            <a:r>
+              <a:rPr lang="en-US" sz="2800" b="1" dirty="0" smtClean="0">
+                <a:solidFill>
+                  <a:srgbClr val="00B050"/>
+                </a:solidFill>
+              </a:rPr>
+              <a:t>Robotics</a:t>
+            </a:r>
+            <a:endParaRPr lang="en-US" sz="1600" b="1" dirty="0" smtClean="0">
+              <a:solidFill>
+                <a:srgbClr val="00B050"/>
+              </a:solidFill>
+            </a:endParaRPr>
+          </a:p>
+          <a:p>
+            <a:endParaRPr lang="en-US" sz="1600" b="1" dirty="0">
+              <a:solidFill>
+                <a:srgbClr val="00B050"/>
+              </a:solidFill>
+            </a:endParaRPr>
+          </a:p>
+          <a:p>
+            <a:r>
+              <a:rPr lang="en-US" sz="1600" dirty="0" smtClean="0"/>
+              <a:t>	This </a:t>
+            </a:r>
+            <a:r>
+              <a:rPr lang="en-US" sz="1600" dirty="0"/>
+              <a:t>week we will cover the basic foundations of robotics, covering </a:t>
+            </a:r>
+            <a:r>
+              <a:rPr lang="en-US" sz="1600" dirty="0" smtClean="0"/>
+              <a:t>Dynamic Programming</a:t>
+            </a:r>
+            <a:r>
+              <a:rPr lang="en-US" sz="1600" dirty="0"/>
+              <a:t>, </a:t>
+            </a:r>
+            <a:r>
+              <a:rPr lang="en-US" sz="1600" dirty="0" smtClean="0"/>
+              <a:t/>
+            </a:r>
+            <a:br>
+              <a:rPr lang="en-US" sz="1600" dirty="0" smtClean="0"/>
+            </a:br>
+            <a:r>
+              <a:rPr lang="en-US" sz="1600" dirty="0" smtClean="0"/>
+              <a:t>	Reinforcement Learning</a:t>
+            </a:r>
+            <a:r>
+              <a:rPr lang="en-US" sz="1600" dirty="0"/>
+              <a:t>, Markov </a:t>
+            </a:r>
+            <a:r>
+              <a:rPr lang="en-US" sz="1600" dirty="0" smtClean="0"/>
+              <a:t>Principles </a:t>
+            </a:r>
+            <a:r>
+              <a:rPr lang="en-US" sz="1600" dirty="0"/>
+              <a:t>and Bellman </a:t>
+            </a:r>
+            <a:r>
+              <a:rPr lang="en-US" sz="1600" dirty="0" smtClean="0"/>
+              <a:t>Equations</a:t>
+            </a:r>
+            <a:r>
+              <a:rPr lang="en-US" sz="1600" dirty="0"/>
+              <a:t>. </a:t>
+            </a:r>
+            <a:endParaRPr lang="en-US" sz="1600" b="1" dirty="0" smtClean="0">
+              <a:solidFill>
+                <a:srgbClr val="00B050"/>
+              </a:solidFill>
+            </a:endParaRPr>
           </a:p>
           <a:p>
             <a:endParaRPr lang="en-US" sz="2800" b="1" dirty="0" smtClean="0">
@@ -4562,16 +4653,365 @@
                   <a:srgbClr val="00B050"/>
                 </a:solidFill>
               </a:rPr>
-              <a:t>Titanic Data – Dat</a:t>
-            </a:r>
+              <a:t>Titanic Data – Data Preprocessing</a:t>
+            </a:r>
+            <a:endParaRPr lang="en-US" sz="1600" b="1" dirty="0" smtClean="0">
+              <a:solidFill>
+                <a:srgbClr val="00B050"/>
+              </a:solidFill>
+            </a:endParaRPr>
+          </a:p>
+          <a:p>
+            <a:r>
+              <a:rPr lang="en-US" sz="1600" dirty="0" smtClean="0"/>
+              <a:t/>
+            </a:r>
+            <a:br>
+              <a:rPr lang="en-US" sz="1600" dirty="0" smtClean="0"/>
+            </a:br>
+            <a:r>
+              <a:rPr lang="en-US" sz="1600" dirty="0" smtClean="0"/>
+              <a:t>	This </a:t>
+            </a:r>
+            <a:r>
+              <a:rPr lang="en-US" sz="1600" dirty="0"/>
+              <a:t>week we will cover data preparation, feature engineering and machine learning with the </a:t>
+            </a:r>
+            <a:r>
+              <a:rPr lang="en-US" sz="1600" dirty="0" smtClean="0"/>
+              <a:t/>
+            </a:r>
+            <a:br>
+              <a:rPr lang="en-US" sz="1600" dirty="0" smtClean="0"/>
+            </a:br>
+            <a:r>
+              <a:rPr lang="en-US" sz="1600" dirty="0" smtClean="0"/>
+              <a:t>	Titanic </a:t>
+            </a:r>
+            <a:r>
+              <a:rPr lang="en-US" sz="1600" dirty="0"/>
+              <a:t>data from </a:t>
+            </a:r>
+            <a:r>
+              <a:rPr lang="en-US" sz="1600" dirty="0" err="1" smtClean="0"/>
+              <a:t>Kaggle</a:t>
+            </a:r>
+            <a:r>
+              <a:rPr lang="en-US" sz="1600" dirty="0" smtClean="0"/>
+              <a:t>. We </a:t>
+            </a:r>
+            <a:r>
+              <a:rPr lang="en-US" sz="1600" dirty="0"/>
+              <a:t>will cover each step in the data preparation and training  model </a:t>
+            </a:r>
+            <a:r>
+              <a:rPr lang="en-US" sz="1600" dirty="0" smtClean="0"/>
+              <a:t/>
+            </a:r>
+            <a:br>
+              <a:rPr lang="en-US" sz="1600" dirty="0" smtClean="0"/>
+            </a:br>
+            <a:r>
+              <a:rPr lang="en-US" sz="1600" dirty="0" smtClean="0"/>
+              <a:t>	using </a:t>
+            </a:r>
+            <a:r>
+              <a:rPr lang="en-US" sz="1600" dirty="0"/>
+              <a:t>Random Forest technique. This is a hands on as well as a presentation. We will be using </a:t>
+            </a:r>
+            <a:r>
+              <a:rPr lang="en-US" sz="1600" dirty="0" smtClean="0"/>
+              <a:t/>
+            </a:r>
+            <a:br>
+              <a:rPr lang="en-US" sz="1600" dirty="0" smtClean="0"/>
+            </a:br>
+            <a:r>
+              <a:rPr lang="en-US" sz="1600" dirty="0" smtClean="0"/>
+              <a:t>	</a:t>
+            </a:r>
+            <a:r>
+              <a:rPr lang="en-US" sz="1600" dirty="0" err="1" smtClean="0"/>
+              <a:t>Jupyter</a:t>
+            </a:r>
+            <a:r>
+              <a:rPr lang="en-US" sz="1600" dirty="0" smtClean="0"/>
+              <a:t> notebook</a:t>
+            </a:r>
+            <a:r>
+              <a:rPr lang="en-US" sz="1600" dirty="0"/>
+              <a:t>, python 3, </a:t>
+            </a:r>
+            <a:r>
+              <a:rPr lang="en-US" sz="1600" dirty="0" err="1"/>
+              <a:t>numpy</a:t>
+            </a:r>
+            <a:r>
+              <a:rPr lang="en-US" sz="1600" dirty="0"/>
+              <a:t>, pandas and </a:t>
+            </a:r>
+            <a:r>
+              <a:rPr lang="en-US" sz="1600" dirty="0" err="1"/>
+              <a:t>scilearn</a:t>
+            </a:r>
+            <a:r>
+              <a:rPr lang="en-US" sz="1600" dirty="0"/>
+              <a:t> ML libraries</a:t>
+            </a:r>
+            <a:r>
+              <a:rPr lang="en-US" sz="1600" dirty="0" smtClean="0"/>
+              <a:t>.</a:t>
+            </a:r>
+            <a:endParaRPr lang="en-US" sz="1600" dirty="0"/>
+          </a:p>
+        </p:txBody>
+      </p:sp>
+    </p:spTree>
+    <p:extLst>
+      <p:ext uri="{BB962C8B-B14F-4D97-AF65-F5344CB8AC3E}">
+        <p14:creationId xmlns:p14="http://schemas.microsoft.com/office/powerpoint/2010/main" val="1176952317"/>
+      </p:ext>
+    </p:extLst>
+  </p:cSld>
+  <p:clrMapOvr>
+    <a:masterClrMapping/>
+  </p:clrMapOvr>
+  <p:timing>
+    <p:tnLst>
+      <p:par>
+        <p:cTn id="1" dur="indefinite" restart="never" nodeType="tmRoot"/>
+      </p:par>
+    </p:tnLst>
+  </p:timing>
+</p:sld>
+</file>
+
+<file path=ppt/slides/slide5.xml><?xml version="1.0" encoding="utf-8"?>
+<p:sld xmlns:a="http://schemas.openxmlformats.org/drawingml/2006/main" xmlns:r="http://schemas.openxmlformats.org/officeDocument/2006/relationships" xmlns:p="http://schemas.openxmlformats.org/presentationml/2006/main">
+  <p:cSld>
+    <p:spTree>
+      <p:nvGrpSpPr>
+        <p:cNvPr id="1" name=""/>
+        <p:cNvGrpSpPr/>
+        <p:nvPr/>
+      </p:nvGrpSpPr>
+      <p:grpSpPr>
+        <a:xfrm>
+          <a:off x="0" y="0"/>
+          <a:ext cx="0" cy="0"/>
+          <a:chOff x="0" y="0"/>
+          <a:chExt cx="0" cy="0"/>
+        </a:xfrm>
+      </p:grpSpPr>
+      <p:sp>
+        <p:nvSpPr>
+          <p:cNvPr id="2" name="Title 1"/>
+          <p:cNvSpPr>
+            <a:spLocks noGrp="1"/>
+          </p:cNvSpPr>
+          <p:nvPr>
+            <p:ph type="title"/>
+          </p:nvPr>
+        </p:nvSpPr>
+        <p:spPr>
+          <a:xfrm>
+            <a:off x="457200" y="274638"/>
+            <a:ext cx="8305800" cy="792162"/>
+          </a:xfrm>
+        </p:spPr>
+        <p:txBody>
+          <a:bodyPr>
+            <a:normAutofit/>
+          </a:bodyPr>
+          <a:lstStyle/>
+          <a:p>
+            <a:pPr algn="l"/>
+            <a:r>
+              <a:rPr lang="en-US" dirty="0" smtClean="0">
+                <a:solidFill>
+                  <a:schemeClr val="accent1">
+                    <a:lumMod val="75000"/>
+                  </a:schemeClr>
+                </a:solidFill>
+              </a:rPr>
+              <a:t>Syllabus</a:t>
+            </a:r>
+            <a:endParaRPr lang="en-US" dirty="0">
+              <a:solidFill>
+                <a:schemeClr val="accent1">
+                  <a:lumMod val="75000"/>
+                </a:schemeClr>
+              </a:solidFill>
+            </a:endParaRPr>
+          </a:p>
+        </p:txBody>
+      </p:sp>
+      <p:cxnSp>
+        <p:nvCxnSpPr>
+          <p:cNvPr id="5" name="Straight Connector 4"/>
+          <p:cNvCxnSpPr/>
+          <p:nvPr/>
+        </p:nvCxnSpPr>
+        <p:spPr>
+          <a:xfrm>
+            <a:off x="0" y="990600"/>
+            <a:ext cx="9144000" cy="0"/>
+          </a:xfrm>
+          <a:prstGeom prst="line">
+            <a:avLst/>
+          </a:prstGeom>
+          <a:ln w="19050"/>
+        </p:spPr>
+        <p:style>
+          <a:lnRef idx="1">
+            <a:schemeClr val="accent1"/>
+          </a:lnRef>
+          <a:fillRef idx="0">
+            <a:schemeClr val="accent1"/>
+          </a:fillRef>
+          <a:effectRef idx="0">
+            <a:schemeClr val="accent1"/>
+          </a:effectRef>
+          <a:fontRef idx="minor">
+            <a:schemeClr val="tx1"/>
+          </a:fontRef>
+        </p:style>
+      </p:cxnSp>
+      <p:sp>
+        <p:nvSpPr>
+          <p:cNvPr id="36" name="TextBox 35"/>
+          <p:cNvSpPr txBox="1"/>
+          <p:nvPr/>
+        </p:nvSpPr>
+        <p:spPr>
+          <a:xfrm>
+            <a:off x="152400" y="1164134"/>
+            <a:ext cx="9156674" cy="2369880"/>
+          </a:xfrm>
+          <a:prstGeom prst="rect">
+            <a:avLst/>
+          </a:prstGeom>
+          <a:noFill/>
+        </p:spPr>
+        <p:txBody>
+          <a:bodyPr wrap="none" rtlCol="0">
+            <a:spAutoFit/>
+          </a:bodyPr>
+          <a:lstStyle/>
+          <a:p>
+            <a:pPr marL="285750" indent="-285750">
+              <a:buFont typeface="Arial" panose="020B0604020202020204" pitchFamily="34" charset="0"/>
+              <a:buChar char="•"/>
+            </a:pPr>
             <a:r>
               <a:rPr lang="en-US" sz="2800" b="1" dirty="0" smtClean="0">
                 <a:solidFill>
+                  <a:schemeClr val="accent5">
+                    <a:lumMod val="75000"/>
+                  </a:schemeClr>
+                </a:solidFill>
+              </a:rPr>
+              <a:t>Session 4: </a:t>
+            </a:r>
+            <a:r>
+              <a:rPr lang="en-US" sz="2800" b="1" dirty="0" smtClean="0">
+                <a:solidFill>
                   <a:srgbClr val="00B050"/>
                 </a:solidFill>
               </a:rPr>
-              <a:t>a Preprocessing</a:t>
-            </a:r>
+              <a:t>Fundamentals of Neural Networks</a:t>
+            </a:r>
+            <a:endParaRPr lang="en-US" sz="1600" b="1" dirty="0" smtClean="0">
+              <a:solidFill>
+                <a:srgbClr val="00B050"/>
+              </a:solidFill>
+            </a:endParaRPr>
+          </a:p>
+          <a:p>
+            <a:endParaRPr lang="en-US" sz="1600" b="1" dirty="0">
+              <a:solidFill>
+                <a:srgbClr val="00B050"/>
+              </a:solidFill>
+            </a:endParaRPr>
+          </a:p>
+          <a:p>
+            <a:r>
+              <a:rPr lang="en-US" sz="1600" dirty="0" smtClean="0"/>
+              <a:t>	This session </a:t>
+            </a:r>
+            <a:r>
+              <a:rPr lang="en-US" sz="1600" dirty="0"/>
+              <a:t>we will cover the basic foundations of neural networks, covering introduction to the </a:t>
+            </a:r>
+            <a:r>
+              <a:rPr lang="en-US" sz="1600" dirty="0" smtClean="0"/>
+              <a:t/>
+            </a:r>
+            <a:br>
+              <a:rPr lang="en-US" sz="1600" dirty="0" smtClean="0"/>
+            </a:br>
+            <a:r>
+              <a:rPr lang="en-US" sz="1600" dirty="0" smtClean="0"/>
+              <a:t>	Perceptron</a:t>
+            </a:r>
+            <a:r>
+              <a:rPr lang="en-US" sz="1600" dirty="0"/>
+              <a:t>, </a:t>
+            </a:r>
+            <a:r>
+              <a:rPr lang="en-US" sz="1600" dirty="0" smtClean="0"/>
+              <a:t>Artificial Neural Networks </a:t>
+            </a:r>
+            <a:r>
+              <a:rPr lang="en-US" sz="1600" dirty="0"/>
+              <a:t>(ANN), </a:t>
+            </a:r>
+            <a:r>
+              <a:rPr lang="en-US" sz="1600" dirty="0" smtClean="0"/>
+              <a:t>Convolutional Neural Networks </a:t>
+            </a:r>
+            <a:r>
+              <a:rPr lang="en-US" sz="1600" dirty="0"/>
+              <a:t>(CNN), </a:t>
+            </a:r>
+            <a:r>
+              <a:rPr lang="en-US" sz="1600" dirty="0" smtClean="0"/>
+              <a:t>Recurrent </a:t>
+            </a:r>
+            <a:br>
+              <a:rPr lang="en-US" sz="1600" dirty="0" smtClean="0"/>
+            </a:br>
+            <a:r>
+              <a:rPr lang="en-US" sz="1600" dirty="0" smtClean="0"/>
+              <a:t>	Neural Networks </a:t>
+            </a:r>
+            <a:r>
+              <a:rPr lang="en-US" sz="1600" dirty="0"/>
+              <a:t>(RNN), and wrap up with </a:t>
+            </a:r>
+            <a:r>
+              <a:rPr lang="en-US" sz="1600" dirty="0" smtClean="0"/>
+              <a:t>Adversarial Attacks </a:t>
+            </a:r>
+            <a:r>
+              <a:rPr lang="en-US" sz="1600" dirty="0"/>
+              <a:t>on </a:t>
+            </a:r>
+            <a:r>
+              <a:rPr lang="en-US" sz="1600" smtClean="0"/>
+              <a:t>Neural Networks</a:t>
+            </a:r>
+            <a:r>
+              <a:rPr lang="en-US" sz="1600" dirty="0"/>
+              <a:t>.</a:t>
+            </a:r>
+            <a:endParaRPr lang="en-US" sz="1600" b="1" dirty="0">
+              <a:solidFill>
+                <a:srgbClr val="00B050"/>
+              </a:solidFill>
+            </a:endParaRPr>
+          </a:p>
+          <a:p>
             <a:endParaRPr lang="en-US" sz="2800" b="1" dirty="0" smtClean="0">
               <a:solidFill>
                 <a:srgbClr val="00B050"/>
@@ -4596,7 +5036,7 @@
     </p:spTree>
     <p:extLst>
       <p:ext uri="{BB962C8B-B14F-4D97-AF65-F5344CB8AC3E}">
-        <p14:creationId xmlns:p14="http://schemas.microsoft.com/office/powerpoint/2010/main" val="1176952317"/>
+        <p14:creationId xmlns:p14="http://schemas.microsoft.com/office/powerpoint/2010/main" val="1524590495"/>
       </p:ext>
     </p:extLst>
   </p:cSld>

--- a/Presentations/AI Training Syllabus.pptx
+++ b/Presentations/AI Training Syllabus.pptx
@@ -4473,15 +4473,7 @@
                   <a:srgbClr val="00B050"/>
                 </a:solidFill>
               </a:rPr>
-              <a:t>Graph Search </a:t>
-            </a:r>
-            <a:r>
-              <a:rPr lang="en-US" sz="2800" b="1" dirty="0" smtClean="0">
-                <a:solidFill>
-                  <a:srgbClr val="00B050"/>
-                </a:solidFill>
-              </a:rPr>
-              <a:t>Theory</a:t>
+              <a:t>Graph Search Theory</a:t>
             </a:r>
           </a:p>
           <a:p>
@@ -4546,15 +4538,7 @@
                   <a:srgbClr val="00B050"/>
                 </a:solidFill>
               </a:rPr>
-              <a:t>Basic Principles of </a:t>
-            </a:r>
-            <a:r>
-              <a:rPr lang="en-US" sz="2800" b="1" dirty="0" smtClean="0">
-                <a:solidFill>
-                  <a:srgbClr val="00B050"/>
-                </a:solidFill>
-              </a:rPr>
-              <a:t>Robotics</a:t>
+              <a:t>Basic Principles of Robotics</a:t>
             </a:r>
             <a:endParaRPr lang="en-US" sz="1600" b="1" dirty="0" smtClean="0">
               <a:solidFill>
@@ -4575,8 +4559,12 @@
               <a:t>	This </a:t>
             </a:r>
             <a:r>
+              <a:rPr lang="en-US" sz="1600" dirty="0" smtClean="0"/>
+              <a:t>session covers </a:t>
+            </a:r>
+            <a:r>
               <a:rPr lang="en-US" sz="1600" dirty="0"/>
-              <a:t>week we will cover the basic foundations of robotics, covering </a:t>
+              <a:t>the basic foundations of robotics, covering </a:t>
             </a:r>
             <a:r>
               <a:rPr lang="en-US" sz="1600" dirty="0" smtClean="0"/>
@@ -4674,8 +4662,12 @@
               <a:t>	This </a:t>
             </a:r>
             <a:r>
+              <a:rPr lang="en-US" sz="1600" dirty="0" smtClean="0"/>
+              <a:t>session covers </a:t>
+            </a:r>
+            <a:r>
               <a:rPr lang="en-US" sz="1600" dirty="0"/>
-              <a:t>week we will cover data preparation, feature engineering and machine learning with the </a:t>
+              <a:t>data preparation, feature engineering and machine learning with the </a:t>
             </a:r>
             <a:r>
               <a:rPr lang="en-US" sz="1600" dirty="0" smtClean="0"/>
@@ -4886,7 +4878,7 @@
         <p:spPr>
           <a:xfrm>
             <a:off x="152400" y="1164134"/>
-            <a:ext cx="9156674" cy="2369880"/>
+            <a:ext cx="9156674" cy="4524315"/>
           </a:xfrm>
           <a:prstGeom prst="rect">
             <a:avLst/>
@@ -4998,7 +4990,7 @@
               <a:t>on </a:t>
             </a:r>
             <a:r>
-              <a:rPr lang="en-US" sz="1600" smtClean="0"/>
+              <a:rPr lang="en-US" sz="1600" dirty="0" smtClean="0"/>
               <a:t>Neural Networks</a:t>
             </a:r>
             <a:r>
@@ -5023,11 +5015,101 @@
               <a:buFont typeface="Arial" panose="020B0604020202020204" pitchFamily="34" charset="0"/>
               <a:buChar char="•"/>
             </a:pPr>
-            <a:endParaRPr lang="en-US" sz="2800" b="1" dirty="0" smtClean="0">
+            <a:r>
+              <a:rPr lang="en-US" sz="2800" b="1" dirty="0" smtClean="0">
+                <a:solidFill>
+                  <a:schemeClr val="accent5">
+                    <a:lumMod val="75000"/>
+                  </a:schemeClr>
+                </a:solidFill>
+              </a:rPr>
+              <a:t>Session 5: </a:t>
+            </a:r>
+            <a:r>
+              <a:rPr lang="en-US" sz="2800" b="1" dirty="0" smtClean="0">
+                <a:solidFill>
+                  <a:srgbClr val="00B050"/>
+                </a:solidFill>
+              </a:rPr>
+              <a:t>Machine Learning in Python</a:t>
+            </a:r>
+          </a:p>
+          <a:p>
+            <a:endParaRPr lang="en-US" sz="2800" b="1" dirty="0">
               <a:solidFill>
-                <a:schemeClr val="accent5">
-                  <a:lumMod val="75000"/>
-                </a:schemeClr>
+                <a:srgbClr val="00B050"/>
+              </a:solidFill>
+            </a:endParaRPr>
+          </a:p>
+          <a:p>
+            <a:pPr marL="285750" indent="-285750">
+              <a:buFont typeface="Arial" panose="020B0604020202020204" pitchFamily="34" charset="0"/>
+              <a:buChar char="•"/>
+            </a:pPr>
+            <a:r>
+              <a:rPr lang="en-US" sz="2800" b="1" dirty="0">
+                <a:solidFill>
+                  <a:schemeClr val="accent5">
+                    <a:lumMod val="75000"/>
+                  </a:schemeClr>
+                </a:solidFill>
+              </a:rPr>
+              <a:t>Session </a:t>
+            </a:r>
+            <a:r>
+              <a:rPr lang="en-US" sz="2800" b="1" dirty="0" smtClean="0">
+                <a:solidFill>
+                  <a:schemeClr val="accent5">
+                    <a:lumMod val="75000"/>
+                  </a:schemeClr>
+                </a:solidFill>
+              </a:rPr>
+              <a:t>6: </a:t>
+            </a:r>
+            <a:r>
+              <a:rPr lang="en-US" sz="2800" b="1" dirty="0" smtClean="0">
+                <a:solidFill>
+                  <a:srgbClr val="00B050"/>
+                </a:solidFill>
+              </a:rPr>
+              <a:t>Basic Statistics and Regression Analysis</a:t>
+            </a:r>
+          </a:p>
+          <a:p>
+            <a:endParaRPr lang="en-US" sz="2800" b="1" dirty="0">
+              <a:solidFill>
+                <a:srgbClr val="00B050"/>
+              </a:solidFill>
+            </a:endParaRPr>
+          </a:p>
+          <a:p>
+            <a:pPr marL="285750" indent="-285750">
+              <a:buFont typeface="Arial" panose="020B0604020202020204" pitchFamily="34" charset="0"/>
+              <a:buChar char="•"/>
+            </a:pPr>
+            <a:r>
+              <a:rPr lang="en-US" sz="2800" b="1" dirty="0" smtClean="0">
+                <a:solidFill>
+                  <a:schemeClr val="accent5">
+                    <a:lumMod val="75000"/>
+                  </a:schemeClr>
+                </a:solidFill>
+              </a:rPr>
+              <a:t>Session 7: </a:t>
+            </a:r>
+            <a:r>
+              <a:rPr lang="en-US" sz="2800" b="1" dirty="0" smtClean="0">
+                <a:solidFill>
+                  <a:srgbClr val="00B050"/>
+                </a:solidFill>
+              </a:rPr>
+              <a:t>Natural Language Processing</a:t>
+            </a:r>
+          </a:p>
+          <a:p>
+            <a:endParaRPr lang="en-US" sz="2800" b="1" dirty="0">
+              <a:solidFill>
+                <a:srgbClr val="00B050"/>
               </a:solidFill>
             </a:endParaRPr>
           </a:p>

--- a/Presentations/AI Training Syllabus.pptx
+++ b/Presentations/AI Training Syllabus.pptx
@@ -5,7 +5,7 @@
     <p:sldMasterId id="2147483648" r:id="rId1"/>
   </p:sldMasterIdLst>
   <p:notesMasterIdLst>
-    <p:notesMasterId r:id="rId7"/>
+    <p:notesMasterId r:id="rId8"/>
   </p:notesMasterIdLst>
   <p:sldIdLst>
     <p:sldId id="256" r:id="rId2"/>
@@ -13,6 +13,7 @@
     <p:sldId id="282" r:id="rId4"/>
     <p:sldId id="283" r:id="rId5"/>
     <p:sldId id="284" r:id="rId6"/>
+    <p:sldId id="285" r:id="rId7"/>
   </p:sldIdLst>
   <p:sldSz cx="9144000" cy="6858000" type="screen4x3"/>
   <p:notesSz cx="6858000" cy="9144000"/>
@@ -196,7 +197,7 @@
           <a:p>
             <a:fld id="{FAF957FC-5175-49AC-8D2B-2F056FFFC1DD}" type="datetimeFigureOut">
               <a:rPr lang="en-US" smtClean="0"/>
-              <a:t>10/26/2017</a:t>
+              <a:t>10/27/2017</a:t>
             </a:fld>
             <a:endParaRPr lang="en-US"/>
           </a:p>
@@ -646,7 +647,7 @@
             <a:fld id="{1D8BD707-D9CF-40AE-B4C6-C98DA3205C09}" type="datetimeFigureOut">
               <a:rPr lang="en-US" smtClean="0"/>
               <a:pPr/>
-              <a:t>10/26/2017</a:t>
+              <a:t>10/27/2017</a:t>
             </a:fld>
             <a:endParaRPr lang="en-US"/>
           </a:p>
@@ -813,7 +814,7 @@
             <a:fld id="{1D8BD707-D9CF-40AE-B4C6-C98DA3205C09}" type="datetimeFigureOut">
               <a:rPr lang="en-US" smtClean="0"/>
               <a:pPr/>
-              <a:t>10/26/2017</a:t>
+              <a:t>10/27/2017</a:t>
             </a:fld>
             <a:endParaRPr lang="en-US"/>
           </a:p>
@@ -990,7 +991,7 @@
             <a:fld id="{1D8BD707-D9CF-40AE-B4C6-C98DA3205C09}" type="datetimeFigureOut">
               <a:rPr lang="en-US" smtClean="0"/>
               <a:pPr/>
-              <a:t>10/26/2017</a:t>
+              <a:t>10/27/2017</a:t>
             </a:fld>
             <a:endParaRPr lang="en-US"/>
           </a:p>
@@ -1157,7 +1158,7 @@
             <a:fld id="{1D8BD707-D9CF-40AE-B4C6-C98DA3205C09}" type="datetimeFigureOut">
               <a:rPr lang="en-US" smtClean="0"/>
               <a:pPr/>
-              <a:t>10/26/2017</a:t>
+              <a:t>10/27/2017</a:t>
             </a:fld>
             <a:endParaRPr lang="en-US"/>
           </a:p>
@@ -1400,7 +1401,7 @@
             <a:fld id="{1D8BD707-D9CF-40AE-B4C6-C98DA3205C09}" type="datetimeFigureOut">
               <a:rPr lang="en-US" smtClean="0"/>
               <a:pPr/>
-              <a:t>10/26/2017</a:t>
+              <a:t>10/27/2017</a:t>
             </a:fld>
             <a:endParaRPr lang="en-US"/>
           </a:p>
@@ -1685,7 +1686,7 @@
             <a:fld id="{1D8BD707-D9CF-40AE-B4C6-C98DA3205C09}" type="datetimeFigureOut">
               <a:rPr lang="en-US" smtClean="0"/>
               <a:pPr/>
-              <a:t>10/26/2017</a:t>
+              <a:t>10/27/2017</a:t>
             </a:fld>
             <a:endParaRPr lang="en-US"/>
           </a:p>
@@ -2104,7 +2105,7 @@
             <a:fld id="{1D8BD707-D9CF-40AE-B4C6-C98DA3205C09}" type="datetimeFigureOut">
               <a:rPr lang="en-US" smtClean="0"/>
               <a:pPr/>
-              <a:t>10/26/2017</a:t>
+              <a:t>10/27/2017</a:t>
             </a:fld>
             <a:endParaRPr lang="en-US"/>
           </a:p>
@@ -2219,7 +2220,7 @@
             <a:fld id="{1D8BD707-D9CF-40AE-B4C6-C98DA3205C09}" type="datetimeFigureOut">
               <a:rPr lang="en-US" smtClean="0"/>
               <a:pPr/>
-              <a:t>10/26/2017</a:t>
+              <a:t>10/27/2017</a:t>
             </a:fld>
             <a:endParaRPr lang="en-US"/>
           </a:p>
@@ -2311,7 +2312,7 @@
             <a:fld id="{1D8BD707-D9CF-40AE-B4C6-C98DA3205C09}" type="datetimeFigureOut">
               <a:rPr lang="en-US" smtClean="0"/>
               <a:pPr/>
-              <a:t>10/26/2017</a:t>
+              <a:t>10/27/2017</a:t>
             </a:fld>
             <a:endParaRPr lang="en-US"/>
           </a:p>
@@ -2585,7 +2586,7 @@
             <a:fld id="{1D8BD707-D9CF-40AE-B4C6-C98DA3205C09}" type="datetimeFigureOut">
               <a:rPr lang="en-US" smtClean="0"/>
               <a:pPr/>
-              <a:t>10/26/2017</a:t>
+              <a:t>10/27/2017</a:t>
             </a:fld>
             <a:endParaRPr lang="en-US"/>
           </a:p>
@@ -2835,7 +2836,7 @@
             <a:fld id="{1D8BD707-D9CF-40AE-B4C6-C98DA3205C09}" type="datetimeFigureOut">
               <a:rPr lang="en-US" smtClean="0"/>
               <a:pPr/>
-              <a:t>10/26/2017</a:t>
+              <a:t>10/27/2017</a:t>
             </a:fld>
             <a:endParaRPr lang="en-US"/>
           </a:p>
@@ -3045,7 +3046,7 @@
             <a:fld id="{1D8BD707-D9CF-40AE-B4C6-C98DA3205C09}" type="datetimeFigureOut">
               <a:rPr lang="en-US" smtClean="0"/>
               <a:pPr/>
-              <a:t>10/26/2017</a:t>
+              <a:t>10/27/2017</a:t>
             </a:fld>
             <a:endParaRPr lang="en-US"/>
           </a:p>
@@ -4556,11 +4557,7 @@
           <a:p>
             <a:r>
               <a:rPr lang="en-US" sz="1600" dirty="0" smtClean="0"/>
-              <a:t>	This </a:t>
-            </a:r>
-            <a:r>
-              <a:rPr lang="en-US" sz="1600" dirty="0" smtClean="0"/>
-              <a:t>session covers </a:t>
+              <a:t>	This session covers </a:t>
             </a:r>
             <a:r>
               <a:rPr lang="en-US" sz="1600" dirty="0"/>
@@ -4659,11 +4656,7 @@
             </a:br>
             <a:r>
               <a:rPr lang="en-US" sz="1600" dirty="0" smtClean="0"/>
-              <a:t>	This </a:t>
-            </a:r>
-            <a:r>
-              <a:rPr lang="en-US" sz="1600" dirty="0" smtClean="0"/>
-              <a:t>session covers </a:t>
+              <a:t>	This session covers </a:t>
             </a:r>
             <a:r>
               <a:rPr lang="en-US" sz="1600" dirty="0"/>
@@ -4878,7 +4871,7 @@
         <p:spPr>
           <a:xfrm>
             <a:off x="152400" y="1164134"/>
-            <a:ext cx="9156674" cy="4524315"/>
+            <a:ext cx="9156674" cy="4339650"/>
           </a:xfrm>
           <a:prstGeom prst="rect">
             <a:avLst/>
@@ -5004,37 +4997,6 @@
             </a:endParaRPr>
           </a:p>
           <a:p>
-            <a:endParaRPr lang="en-US" sz="2800" b="1" dirty="0" smtClean="0">
-              <a:solidFill>
-                <a:srgbClr val="00B050"/>
-              </a:solidFill>
-            </a:endParaRPr>
-          </a:p>
-          <a:p>
-            <a:pPr marL="285750" indent="-285750">
-              <a:buFont typeface="Arial" panose="020B0604020202020204" pitchFamily="34" charset="0"/>
-              <a:buChar char="•"/>
-            </a:pPr>
-            <a:r>
-              <a:rPr lang="en-US" sz="2800" b="1" dirty="0" smtClean="0">
-                <a:solidFill>
-                  <a:schemeClr val="accent5">
-                    <a:lumMod val="75000"/>
-                  </a:schemeClr>
-                </a:solidFill>
-              </a:rPr>
-              <a:t>Session 5: </a:t>
-            </a:r>
-            <a:r>
-              <a:rPr lang="en-US" sz="2800" b="1" dirty="0" smtClean="0">
-                <a:solidFill>
-                  <a:srgbClr val="00B050"/>
-                </a:solidFill>
-              </a:rPr>
-              <a:t>Machine Learning in Python</a:t>
-            </a:r>
-          </a:p>
-          <a:p>
             <a:endParaRPr lang="en-US" sz="2800" b="1" dirty="0">
               <a:solidFill>
                 <a:srgbClr val="00B050"/>
@@ -5064,7 +5026,7 @@
                   </a:schemeClr>
                 </a:solidFill>
               </a:rPr>
-              <a:t>6: </a:t>
+              <a:t>5: </a:t>
             </a:r>
             <a:r>
               <a:rPr lang="en-US" sz="2800" b="1" dirty="0" smtClean="0">
@@ -5073,6 +5035,241 @@
                 </a:solidFill>
               </a:rPr>
               <a:t>Basic Statistics and Regression Analysis</a:t>
+            </a:r>
+          </a:p>
+          <a:p>
+            <a:r>
+              <a:rPr lang="en-US" sz="1600" dirty="0" smtClean="0"/>
+              <a:t>	</a:t>
+            </a:r>
+            <a:br>
+              <a:rPr lang="en-US" sz="1600" dirty="0" smtClean="0"/>
+            </a:br>
+            <a:r>
+              <a:rPr lang="en-US" sz="1600" dirty="0" smtClean="0"/>
+              <a:t>	The first part of this session will cover the basic foundations of statistics: standard deviation, </a:t>
+            </a:r>
+            <a:br>
+              <a:rPr lang="en-US" sz="1600" dirty="0" smtClean="0"/>
+            </a:br>
+            <a:r>
+              <a:rPr lang="en-US" sz="1600" dirty="0" smtClean="0"/>
+              <a:t>	normal distribution, sampling distribution, Z-scores, box plots and simple linear regression </a:t>
+            </a:r>
+            <a:br>
+              <a:rPr lang="en-US" sz="1600" dirty="0" smtClean="0"/>
+            </a:br>
+            <a:r>
+              <a:rPr lang="en-US" sz="1600" dirty="0" smtClean="0"/>
+              <a:t>	(also known as the slope of a line). </a:t>
+            </a:r>
+            <a:br>
+              <a:rPr lang="en-US" sz="1600" dirty="0" smtClean="0"/>
+            </a:br>
+            <a:r>
+              <a:rPr lang="en-US" sz="1600" dirty="0" smtClean="0"/>
+              <a:t/>
+            </a:r>
+            <a:br>
+              <a:rPr lang="en-US" sz="1600" dirty="0" smtClean="0"/>
+            </a:br>
+            <a:r>
+              <a:rPr lang="en-US" sz="1600" dirty="0" smtClean="0"/>
+              <a:t>	The second part of this session will cover the basic foundations of preparing datasets, simple </a:t>
+            </a:r>
+            <a:br>
+              <a:rPr lang="en-US" sz="1600" dirty="0" smtClean="0"/>
+            </a:br>
+            <a:r>
+              <a:rPr lang="en-US" sz="1600" dirty="0" smtClean="0"/>
+              <a:t>	and multiple linear regression, decision trees, ensemble methods and confusion matrices.</a:t>
+            </a:r>
+            <a:br>
+              <a:rPr lang="en-US" sz="1600" dirty="0" smtClean="0"/>
+            </a:br>
+            <a:endParaRPr lang="en-US" sz="1600" dirty="0" smtClean="0"/>
+          </a:p>
+        </p:txBody>
+      </p:sp>
+    </p:spTree>
+    <p:extLst>
+      <p:ext uri="{BB962C8B-B14F-4D97-AF65-F5344CB8AC3E}">
+        <p14:creationId xmlns:p14="http://schemas.microsoft.com/office/powerpoint/2010/main" val="1524590495"/>
+      </p:ext>
+    </p:extLst>
+  </p:cSld>
+  <p:clrMapOvr>
+    <a:masterClrMapping/>
+  </p:clrMapOvr>
+  <p:timing>
+    <p:tnLst>
+      <p:par>
+        <p:cTn id="1" dur="indefinite" restart="never" nodeType="tmRoot"/>
+      </p:par>
+    </p:tnLst>
+  </p:timing>
+</p:sld>
+</file>
+
+<file path=ppt/slides/slide6.xml><?xml version="1.0" encoding="utf-8"?>
+<p:sld xmlns:a="http://schemas.openxmlformats.org/drawingml/2006/main" xmlns:r="http://schemas.openxmlformats.org/officeDocument/2006/relationships" xmlns:p="http://schemas.openxmlformats.org/presentationml/2006/main">
+  <p:cSld>
+    <p:spTree>
+      <p:nvGrpSpPr>
+        <p:cNvPr id="1" name=""/>
+        <p:cNvGrpSpPr/>
+        <p:nvPr/>
+      </p:nvGrpSpPr>
+      <p:grpSpPr>
+        <a:xfrm>
+          <a:off x="0" y="0"/>
+          <a:ext cx="0" cy="0"/>
+          <a:chOff x="0" y="0"/>
+          <a:chExt cx="0" cy="0"/>
+        </a:xfrm>
+      </p:grpSpPr>
+      <p:sp>
+        <p:nvSpPr>
+          <p:cNvPr id="2" name="Title 1"/>
+          <p:cNvSpPr>
+            <a:spLocks noGrp="1"/>
+          </p:cNvSpPr>
+          <p:nvPr>
+            <p:ph type="title"/>
+          </p:nvPr>
+        </p:nvSpPr>
+        <p:spPr>
+          <a:xfrm>
+            <a:off x="457200" y="274638"/>
+            <a:ext cx="8305800" cy="792162"/>
+          </a:xfrm>
+        </p:spPr>
+        <p:txBody>
+          <a:bodyPr>
+            <a:normAutofit/>
+          </a:bodyPr>
+          <a:lstStyle/>
+          <a:p>
+            <a:pPr algn="l"/>
+            <a:r>
+              <a:rPr lang="en-US" dirty="0" smtClean="0">
+                <a:solidFill>
+                  <a:schemeClr val="accent1">
+                    <a:lumMod val="75000"/>
+                  </a:schemeClr>
+                </a:solidFill>
+              </a:rPr>
+              <a:t>Syllabus</a:t>
+            </a:r>
+            <a:endParaRPr lang="en-US" dirty="0">
+              <a:solidFill>
+                <a:schemeClr val="accent1">
+                  <a:lumMod val="75000"/>
+                </a:schemeClr>
+              </a:solidFill>
+            </a:endParaRPr>
+          </a:p>
+        </p:txBody>
+      </p:sp>
+      <p:cxnSp>
+        <p:nvCxnSpPr>
+          <p:cNvPr id="5" name="Straight Connector 4"/>
+          <p:cNvCxnSpPr/>
+          <p:nvPr/>
+        </p:nvCxnSpPr>
+        <p:spPr>
+          <a:xfrm>
+            <a:off x="0" y="990600"/>
+            <a:ext cx="9144000" cy="0"/>
+          </a:xfrm>
+          <a:prstGeom prst="line">
+            <a:avLst/>
+          </a:prstGeom>
+          <a:ln w="19050"/>
+        </p:spPr>
+        <p:style>
+          <a:lnRef idx="1">
+            <a:schemeClr val="accent1"/>
+          </a:lnRef>
+          <a:fillRef idx="0">
+            <a:schemeClr val="accent1"/>
+          </a:fillRef>
+          <a:effectRef idx="0">
+            <a:schemeClr val="accent1"/>
+          </a:effectRef>
+          <a:fontRef idx="minor">
+            <a:schemeClr val="tx1"/>
+          </a:fontRef>
+        </p:style>
+      </p:cxnSp>
+      <p:sp>
+        <p:nvSpPr>
+          <p:cNvPr id="36" name="TextBox 35"/>
+          <p:cNvSpPr txBox="1"/>
+          <p:nvPr/>
+        </p:nvSpPr>
+        <p:spPr>
+          <a:xfrm>
+            <a:off x="152400" y="1164134"/>
+            <a:ext cx="20619427" cy="3231654"/>
+          </a:xfrm>
+          <a:prstGeom prst="rect">
+            <a:avLst/>
+          </a:prstGeom>
+          <a:noFill/>
+        </p:spPr>
+        <p:txBody>
+          <a:bodyPr wrap="none" rtlCol="0">
+            <a:spAutoFit/>
+          </a:bodyPr>
+          <a:lstStyle/>
+          <a:p>
+            <a:endParaRPr lang="en-US" sz="1600" b="1" dirty="0" smtClean="0">
+              <a:solidFill>
+                <a:srgbClr val="00B050"/>
+              </a:solidFill>
+            </a:endParaRPr>
+          </a:p>
+          <a:p>
+            <a:pPr marL="285750" indent="-285750">
+              <a:buFont typeface="Arial" panose="020B0604020202020204" pitchFamily="34" charset="0"/>
+              <a:buChar char="•"/>
+            </a:pPr>
+            <a:r>
+              <a:rPr lang="en-US" sz="2800" b="1" dirty="0">
+                <a:solidFill>
+                  <a:schemeClr val="accent5">
+                    <a:lumMod val="75000"/>
+                  </a:schemeClr>
+                </a:solidFill>
+              </a:rPr>
+              <a:t>Session </a:t>
+            </a:r>
+            <a:r>
+              <a:rPr lang="en-US" sz="2800" b="1" dirty="0" smtClean="0">
+                <a:solidFill>
+                  <a:schemeClr val="accent5">
+                    <a:lumMod val="75000"/>
+                  </a:schemeClr>
+                </a:solidFill>
+              </a:rPr>
+              <a:t>6: </a:t>
+            </a:r>
+            <a:r>
+              <a:rPr lang="en-US" sz="2800" b="1" dirty="0">
+                <a:solidFill>
+                  <a:srgbClr val="00B050"/>
+                </a:solidFill>
+              </a:rPr>
+              <a:t>Machine Learning in </a:t>
+            </a:r>
+            <a:r>
+              <a:rPr lang="en-US" sz="2800" b="1" dirty="0" smtClean="0">
+                <a:solidFill>
+                  <a:srgbClr val="00B050"/>
+                </a:solidFill>
+              </a:rPr>
+              <a:t>Python</a:t>
             </a:r>
           </a:p>
           <a:p>
@@ -5083,6 +5280,28 @@
             </a:endParaRPr>
           </a:p>
           <a:p>
+            <a:r>
+              <a:rPr lang="en-US" sz="1600" dirty="0" smtClean="0"/>
+              <a:t>TBA - This </a:t>
+            </a:r>
+            <a:r>
+              <a:rPr lang="en-US" sz="1600" dirty="0"/>
+              <a:t>week we will cover the basic foundations of OOP programming and machine learning libraries in Python. </a:t>
+            </a:r>
+            <a:endParaRPr lang="en-US" sz="1600" b="1" dirty="0">
+              <a:solidFill>
+                <a:srgbClr val="00B050"/>
+              </a:solidFill>
+            </a:endParaRPr>
+          </a:p>
+          <a:p>
+            <a:endParaRPr lang="en-US" sz="1600" b="1" dirty="0" smtClean="0">
+              <a:solidFill>
+                <a:srgbClr val="00B050"/>
+              </a:solidFill>
+            </a:endParaRPr>
+          </a:p>
+          <a:p>
             <a:pPr marL="285750" indent="-285750">
               <a:buFont typeface="Arial" panose="020B0604020202020204" pitchFamily="34" charset="0"/>
               <a:buChar char="•"/>
@@ -5095,15 +5314,33 @@
                   </a:schemeClr>
                 </a:solidFill>
               </a:rPr>
-              <a:t>Session 7: </a:t>
+              <a:t>Session </a:t>
             </a:r>
             <a:r>
               <a:rPr lang="en-US" sz="2800" b="1" dirty="0" smtClean="0">
                 <a:solidFill>
+                  <a:schemeClr val="accent5">
+                    <a:lumMod val="75000"/>
+                  </a:schemeClr>
+                </a:solidFill>
+              </a:rPr>
+              <a:t>7: </a:t>
+            </a:r>
+            <a:r>
+              <a:rPr lang="en-US" sz="2800" b="1" dirty="0" smtClean="0">
+                <a:solidFill>
                   <a:srgbClr val="00B050"/>
                 </a:solidFill>
               </a:rPr>
-              <a:t>Natural Language Processing</a:t>
+              <a:t>Natural Language </a:t>
+            </a:r>
+            <a:r>
+              <a:rPr lang="en-US" sz="2800" b="1" dirty="0" smtClean="0">
+                <a:solidFill>
+                  <a:srgbClr val="00B050"/>
+                </a:solidFill>
+              </a:rPr>
+              <a:t>Processing</a:t>
             </a:r>
           </a:p>
           <a:p>
@@ -5113,12 +5350,42 @@
               </a:solidFill>
             </a:endParaRPr>
           </a:p>
+          <a:p>
+            <a:r>
+              <a:rPr lang="en-US" sz="1600" dirty="0" smtClean="0"/>
+              <a:t>TBA - This </a:t>
+            </a:r>
+            <a:r>
+              <a:rPr lang="en-US" sz="1600" dirty="0"/>
+              <a:t>week we will cover the basic foundations of Natural Language Processing covering bags of words, cleaning, stemming, lemmatization, tern frequencies (TF), </a:t>
+            </a:r>
+            <a:r>
+              <a:rPr lang="en-US" sz="1600" dirty="0" err="1"/>
+              <a:t>interdocument</a:t>
+            </a:r>
+            <a:r>
+              <a:rPr lang="en-US" sz="1600" dirty="0"/>
+              <a:t> frequencies (IDF), and handling narrative (text) fields in datasets.</a:t>
+            </a:r>
+            <a:endParaRPr lang="en-US" sz="1600" b="1" dirty="0" smtClean="0">
+              <a:solidFill>
+                <a:srgbClr val="00B050"/>
+              </a:solidFill>
+            </a:endParaRPr>
+          </a:p>
+          <a:p>
+            <a:endParaRPr lang="en-US" sz="2800" b="1" dirty="0">
+              <a:solidFill>
+                <a:srgbClr val="00B050"/>
+              </a:solidFill>
+            </a:endParaRPr>
+          </a:p>
         </p:txBody>
       </p:sp>
     </p:spTree>
     <p:extLst>
       <p:ext uri="{BB962C8B-B14F-4D97-AF65-F5344CB8AC3E}">
-        <p14:creationId xmlns:p14="http://schemas.microsoft.com/office/powerpoint/2010/main" val="1524590495"/>
+        <p14:creationId xmlns:p14="http://schemas.microsoft.com/office/powerpoint/2010/main" val="3528188456"/>
       </p:ext>
     </p:extLst>
   </p:cSld>

--- a/Presentations/AI Training Syllabus.pptx
+++ b/Presentations/AI Training Syllabus.pptx
@@ -5,7 +5,7 @@
     <p:sldMasterId id="2147483648" r:id="rId1"/>
   </p:sldMasterIdLst>
   <p:notesMasterIdLst>
-    <p:notesMasterId r:id="rId8"/>
+    <p:notesMasterId r:id="rId10"/>
   </p:notesMasterIdLst>
   <p:sldIdLst>
     <p:sldId id="256" r:id="rId2"/>
@@ -14,6 +14,8 @@
     <p:sldId id="283" r:id="rId5"/>
     <p:sldId id="284" r:id="rId6"/>
     <p:sldId id="285" r:id="rId7"/>
+    <p:sldId id="286" r:id="rId8"/>
+    <p:sldId id="287" r:id="rId9"/>
   </p:sldIdLst>
   <p:sldSz cx="9144000" cy="6858000" type="screen4x3"/>
   <p:notesSz cx="6858000" cy="9144000"/>
@@ -5211,7 +5213,7 @@
         <p:spPr>
           <a:xfrm>
             <a:off x="152400" y="1164134"/>
-            <a:ext cx="20619427" cy="3231654"/>
+            <a:ext cx="9000734" cy="4439677"/>
           </a:xfrm>
           <a:prstGeom prst="rect">
             <a:avLst/>
@@ -5282,18 +5284,419 @@
           <a:p>
             <a:r>
               <a:rPr lang="en-US" sz="1600" dirty="0" smtClean="0"/>
-              <a:t>TBA - This </a:t>
+              <a:t>	The first part of this session will </a:t>
             </a:r>
             <a:r>
               <a:rPr lang="en-US" sz="1600" dirty="0"/>
-              <a:t>week we will cover the basic foundations of OOP programming and machine learning libraries in Python. </a:t>
-            </a:r>
+              <a:t>cover the basic foundations of OOP programming </a:t>
+            </a:r>
+            <a:r>
+              <a:rPr lang="en-US" sz="1600" dirty="0" smtClean="0"/>
+              <a:t>in Python.</a:t>
+            </a:r>
+          </a:p>
+          <a:p>
+            <a:endParaRPr lang="en-US" sz="1600" dirty="0"/>
+          </a:p>
+          <a:p>
+            <a:r>
+              <a:rPr lang="en-US" sz="1600" dirty="0" smtClean="0"/>
+              <a:t>	The second part of this session will cover Python machine </a:t>
+            </a:r>
+            <a:r>
+              <a:rPr lang="en-US" sz="1600" dirty="0"/>
+              <a:t>learning libraries </a:t>
+            </a:r>
+            <a:r>
+              <a:rPr lang="en-US" sz="1600" dirty="0" smtClean="0"/>
+              <a:t>from </a:t>
+            </a:r>
+            <a:r>
+              <a:rPr lang="en-US" sz="1600" dirty="0" err="1" smtClean="0"/>
+              <a:t>Sci</a:t>
+            </a:r>
+            <a:r>
+              <a:rPr lang="en-US" sz="1600" dirty="0" smtClean="0"/>
+              <a:t>-Learn and </a:t>
+            </a:r>
+            <a:br>
+              <a:rPr lang="en-US" sz="1600" dirty="0" smtClean="0"/>
+            </a:br>
+            <a:r>
+              <a:rPr lang="en-US" sz="1600" dirty="0" smtClean="0"/>
+              <a:t>	Torch.</a:t>
+            </a:r>
+            <a:endParaRPr lang="en-US" sz="1600" dirty="0"/>
+          </a:p>
+          <a:p>
+            <a:endParaRPr lang="en-US" sz="1600" b="1" dirty="0" smtClean="0">
+              <a:solidFill>
+                <a:srgbClr val="00B050"/>
+              </a:solidFill>
+            </a:endParaRPr>
+          </a:p>
+          <a:p>
+            <a:pPr marL="285750" indent="-285750">
+              <a:buFont typeface="Arial" panose="020B0604020202020204" pitchFamily="34" charset="0"/>
+              <a:buChar char="•"/>
+            </a:pPr>
+            <a:r>
+              <a:rPr lang="en-US" sz="2800" b="1" dirty="0" smtClean="0">
+                <a:solidFill>
+                  <a:schemeClr val="accent5">
+                    <a:lumMod val="75000"/>
+                  </a:schemeClr>
+                </a:solidFill>
+              </a:rPr>
+              <a:t>Session 7: </a:t>
+            </a:r>
+            <a:r>
+              <a:rPr lang="en-US" sz="2800" b="1" dirty="0" smtClean="0">
+                <a:solidFill>
+                  <a:srgbClr val="00B050"/>
+                </a:solidFill>
+              </a:rPr>
+              <a:t>Natural Language Processing</a:t>
+            </a:r>
+          </a:p>
+          <a:p>
+            <a:endParaRPr lang="en-US" sz="2800" b="1" dirty="0">
+              <a:solidFill>
+                <a:srgbClr val="00B050"/>
+              </a:solidFill>
+            </a:endParaRPr>
+          </a:p>
+          <a:p>
+            <a:r>
+              <a:rPr lang="en-US" sz="1600" dirty="0" smtClean="0"/>
+              <a:t>	This session will cover the basic foundations of Natural Language Processing covering bags of </a:t>
+            </a:r>
+            <a:br>
+              <a:rPr lang="en-US" sz="1600" dirty="0" smtClean="0"/>
+            </a:br>
+            <a:r>
+              <a:rPr lang="en-US" sz="1600" dirty="0" smtClean="0"/>
+              <a:t>	words, cleaning, stemming, lemmatization, tern frequencies (TF), </a:t>
+            </a:r>
+            <a:r>
+              <a:rPr lang="en-US" sz="1600" dirty="0" err="1" smtClean="0"/>
+              <a:t>interdocument</a:t>
+            </a:r>
+            <a:r>
+              <a:rPr lang="en-US" sz="1600" dirty="0" smtClean="0"/>
+              <a:t> frequencies </a:t>
+            </a:r>
+            <a:br>
+              <a:rPr lang="en-US" sz="1600" dirty="0" smtClean="0"/>
+            </a:br>
+            <a:r>
+              <a:rPr lang="en-US" sz="1600" dirty="0" smtClean="0"/>
+              <a:t>	(IDF), handling narrative (text) fields in datasets, and word vectors.</a:t>
+            </a:r>
+          </a:p>
+          <a:p>
             <a:endParaRPr lang="en-US" sz="1600" b="1" dirty="0">
               <a:solidFill>
                 <a:srgbClr val="00B050"/>
               </a:solidFill>
             </a:endParaRPr>
           </a:p>
+        </p:txBody>
+      </p:sp>
+    </p:spTree>
+    <p:extLst>
+      <p:ext uri="{BB962C8B-B14F-4D97-AF65-F5344CB8AC3E}">
+        <p14:creationId xmlns:p14="http://schemas.microsoft.com/office/powerpoint/2010/main" val="3528188456"/>
+      </p:ext>
+    </p:extLst>
+  </p:cSld>
+  <p:clrMapOvr>
+    <a:masterClrMapping/>
+  </p:clrMapOvr>
+  <p:timing>
+    <p:tnLst>
+      <p:par>
+        <p:cTn id="1" dur="indefinite" restart="never" nodeType="tmRoot"/>
+      </p:par>
+    </p:tnLst>
+  </p:timing>
+</p:sld>
+</file>
+
+<file path=ppt/slides/slide7.xml><?xml version="1.0" encoding="utf-8"?>
+<p:sld xmlns:a="http://schemas.openxmlformats.org/drawingml/2006/main" xmlns:r="http://schemas.openxmlformats.org/officeDocument/2006/relationships" xmlns:p="http://schemas.openxmlformats.org/presentationml/2006/main">
+  <p:cSld>
+    <p:spTree>
+      <p:nvGrpSpPr>
+        <p:cNvPr id="1" name=""/>
+        <p:cNvGrpSpPr/>
+        <p:nvPr/>
+      </p:nvGrpSpPr>
+      <p:grpSpPr>
+        <a:xfrm>
+          <a:off x="0" y="0"/>
+          <a:ext cx="0" cy="0"/>
+          <a:chOff x="0" y="0"/>
+          <a:chExt cx="0" cy="0"/>
+        </a:xfrm>
+      </p:grpSpPr>
+      <p:sp>
+        <p:nvSpPr>
+          <p:cNvPr id="2" name="Title 1"/>
+          <p:cNvSpPr>
+            <a:spLocks noGrp="1"/>
+          </p:cNvSpPr>
+          <p:nvPr>
+            <p:ph type="title"/>
+          </p:nvPr>
+        </p:nvSpPr>
+        <p:spPr>
+          <a:xfrm>
+            <a:off x="457200" y="274638"/>
+            <a:ext cx="8305800" cy="792162"/>
+          </a:xfrm>
+        </p:spPr>
+        <p:txBody>
+          <a:bodyPr>
+            <a:normAutofit/>
+          </a:bodyPr>
+          <a:lstStyle/>
+          <a:p>
+            <a:pPr algn="l"/>
+            <a:r>
+              <a:rPr lang="en-US" dirty="0" smtClean="0">
+                <a:solidFill>
+                  <a:schemeClr val="accent1">
+                    <a:lumMod val="75000"/>
+                  </a:schemeClr>
+                </a:solidFill>
+              </a:rPr>
+              <a:t>Syllabus</a:t>
+            </a:r>
+            <a:endParaRPr lang="en-US" dirty="0">
+              <a:solidFill>
+                <a:schemeClr val="accent1">
+                  <a:lumMod val="75000"/>
+                </a:schemeClr>
+              </a:solidFill>
+            </a:endParaRPr>
+          </a:p>
+        </p:txBody>
+      </p:sp>
+      <p:cxnSp>
+        <p:nvCxnSpPr>
+          <p:cNvPr id="5" name="Straight Connector 4"/>
+          <p:cNvCxnSpPr/>
+          <p:nvPr/>
+        </p:nvCxnSpPr>
+        <p:spPr>
+          <a:xfrm>
+            <a:off x="0" y="990600"/>
+            <a:ext cx="9144000" cy="0"/>
+          </a:xfrm>
+          <a:prstGeom prst="line">
+            <a:avLst/>
+          </a:prstGeom>
+          <a:ln w="19050"/>
+        </p:spPr>
+        <p:style>
+          <a:lnRef idx="1">
+            <a:schemeClr val="accent1"/>
+          </a:lnRef>
+          <a:fillRef idx="0">
+            <a:schemeClr val="accent1"/>
+          </a:fillRef>
+          <a:effectRef idx="0">
+            <a:schemeClr val="accent1"/>
+          </a:effectRef>
+          <a:fontRef idx="minor">
+            <a:schemeClr val="tx1"/>
+          </a:fontRef>
+        </p:style>
+      </p:cxnSp>
+      <p:sp>
+        <p:nvSpPr>
+          <p:cNvPr id="36" name="TextBox 35"/>
+          <p:cNvSpPr txBox="1"/>
+          <p:nvPr/>
+        </p:nvSpPr>
+        <p:spPr>
+          <a:xfrm>
+            <a:off x="152400" y="1164134"/>
+            <a:ext cx="9029395" cy="5093702"/>
+          </a:xfrm>
+          <a:prstGeom prst="rect">
+            <a:avLst/>
+          </a:prstGeom>
+          <a:noFill/>
+        </p:spPr>
+        <p:txBody>
+          <a:bodyPr wrap="none" rtlCol="0">
+            <a:spAutoFit/>
+          </a:bodyPr>
+          <a:lstStyle/>
+          <a:p>
+            <a:endParaRPr lang="en-US" sz="1050" b="1" dirty="0">
+              <a:solidFill>
+                <a:srgbClr val="00B050"/>
+              </a:solidFill>
+            </a:endParaRPr>
+          </a:p>
+          <a:p>
+            <a:pPr marL="285750" indent="-285750">
+              <a:buFont typeface="Arial" panose="020B0604020202020204" pitchFamily="34" charset="0"/>
+              <a:buChar char="•"/>
+            </a:pPr>
+            <a:r>
+              <a:rPr lang="en-US" sz="2800" b="1" dirty="0">
+                <a:solidFill>
+                  <a:schemeClr val="accent5">
+                    <a:lumMod val="75000"/>
+                  </a:schemeClr>
+                </a:solidFill>
+              </a:rPr>
+              <a:t>Session </a:t>
+            </a:r>
+            <a:r>
+              <a:rPr lang="en-US" sz="2800" b="1" dirty="0" smtClean="0">
+                <a:solidFill>
+                  <a:schemeClr val="accent5">
+                    <a:lumMod val="75000"/>
+                  </a:schemeClr>
+                </a:solidFill>
+              </a:rPr>
+              <a:t>8: </a:t>
+            </a:r>
+            <a:r>
+              <a:rPr lang="en-US" sz="2800" b="1" dirty="0" smtClean="0">
+                <a:solidFill>
+                  <a:srgbClr val="00B050"/>
+                </a:solidFill>
+              </a:rPr>
+              <a:t>Sensor Fusion</a:t>
+            </a:r>
+            <a:endParaRPr lang="en-US" sz="2800" b="1" dirty="0">
+              <a:solidFill>
+                <a:srgbClr val="00B050"/>
+              </a:solidFill>
+            </a:endParaRPr>
+          </a:p>
+          <a:p>
+            <a:endParaRPr lang="en-US" sz="1600" dirty="0" smtClean="0"/>
+          </a:p>
+          <a:p>
+            <a:r>
+              <a:rPr lang="en-US" sz="1600" dirty="0"/>
+              <a:t>	</a:t>
+            </a:r>
+            <a:r>
+              <a:rPr lang="en-US" sz="1600" dirty="0" smtClean="0"/>
+              <a:t>The first part of this </a:t>
+            </a:r>
+            <a:r>
+              <a:rPr lang="en-US" sz="1600" dirty="0"/>
+              <a:t>session will cover the basic </a:t>
+            </a:r>
+            <a:r>
+              <a:rPr lang="en-US" sz="1600" dirty="0" smtClean="0"/>
+              <a:t>foundations of sensor technology in the </a:t>
+            </a:r>
+            <a:br>
+              <a:rPr lang="en-US" sz="1600" dirty="0" smtClean="0"/>
+            </a:br>
+            <a:r>
+              <a:rPr lang="en-US" sz="1600" dirty="0" smtClean="0"/>
+              <a:t>	autonomous world, covering </a:t>
+            </a:r>
+            <a:r>
+              <a:rPr lang="en-US" sz="1600" dirty="0" smtClean="0"/>
+              <a:t>GPS, cameras, IDAR, and sonic sensors.</a:t>
+            </a:r>
+          </a:p>
+          <a:p>
+            <a:endParaRPr lang="en-US" sz="1600" dirty="0"/>
+          </a:p>
+          <a:p>
+            <a:r>
+              <a:rPr lang="en-US" sz="1600" dirty="0" smtClean="0"/>
+              <a:t>	The second part of this session will cover the algorithms, covering sensor fusion, SLAM and</a:t>
+            </a:r>
+          </a:p>
+          <a:p>
+            <a:r>
+              <a:rPr lang="en-US" sz="1600" dirty="0"/>
+              <a:t>	</a:t>
+            </a:r>
+            <a:r>
+              <a:rPr lang="en-US" sz="1600" dirty="0" smtClean="0"/>
+              <a:t>computer vision.</a:t>
+            </a:r>
+            <a:endParaRPr lang="en-US" sz="1600" dirty="0" smtClean="0"/>
+          </a:p>
+          <a:p>
+            <a:endParaRPr lang="en-US" sz="1050" b="1" dirty="0">
+              <a:solidFill>
+                <a:srgbClr val="00B050"/>
+              </a:solidFill>
+            </a:endParaRPr>
+          </a:p>
+          <a:p>
+            <a:pPr marL="285750" indent="-285750">
+              <a:buFont typeface="Arial" panose="020B0604020202020204" pitchFamily="34" charset="0"/>
+              <a:buChar char="•"/>
+            </a:pPr>
+            <a:r>
+              <a:rPr lang="en-US" sz="2800" b="1" dirty="0">
+                <a:solidFill>
+                  <a:schemeClr val="accent5">
+                    <a:lumMod val="75000"/>
+                  </a:schemeClr>
+                </a:solidFill>
+              </a:rPr>
+              <a:t>Session </a:t>
+            </a:r>
+            <a:r>
+              <a:rPr lang="en-US" sz="2800" b="1" dirty="0" smtClean="0">
+                <a:solidFill>
+                  <a:schemeClr val="accent5">
+                    <a:lumMod val="75000"/>
+                  </a:schemeClr>
+                </a:solidFill>
+              </a:rPr>
+              <a:t>9: </a:t>
+            </a:r>
+            <a:r>
+              <a:rPr lang="en-US" sz="2800" b="1" dirty="0" smtClean="0">
+                <a:solidFill>
+                  <a:srgbClr val="00B050"/>
+                </a:solidFill>
+              </a:rPr>
+              <a:t>Workshop – Python</a:t>
+            </a:r>
+          </a:p>
+          <a:p>
+            <a:endParaRPr lang="en-US" sz="1600" dirty="0"/>
+          </a:p>
+          <a:p>
+            <a:r>
+              <a:rPr lang="en-US" sz="1600" dirty="0"/>
+              <a:t>	</a:t>
+            </a:r>
+            <a:r>
+              <a:rPr lang="en-US" sz="1600" dirty="0" smtClean="0"/>
+              <a:t>This workshop will cover programming in Python, covering language basics and constructs, and</a:t>
+            </a:r>
+          </a:p>
+          <a:p>
+            <a:r>
+              <a:rPr lang="en-US" sz="1600" dirty="0"/>
+              <a:t>	</a:t>
+            </a:r>
+            <a:r>
+              <a:rPr lang="en-US" sz="1600" dirty="0" smtClean="0"/>
+              <a:t>common libraries.</a:t>
+            </a:r>
+          </a:p>
           <a:p>
             <a:endParaRPr lang="en-US" sz="1600" b="1" dirty="0" smtClean="0">
               <a:solidFill>
@@ -5314,8 +5717,196 @@
                   </a:schemeClr>
                 </a:solidFill>
               </a:rPr>
-              <a:t>Session </a:t>
-            </a:r>
+              <a:t>Session 10: </a:t>
+            </a:r>
+            <a:r>
+              <a:rPr lang="en-US" sz="2800" b="1" dirty="0" smtClean="0">
+                <a:solidFill>
+                  <a:srgbClr val="00B050"/>
+                </a:solidFill>
+              </a:rPr>
+              <a:t>Workshop – </a:t>
+            </a:r>
+            <a:r>
+              <a:rPr lang="en-US" sz="2800" b="1" dirty="0" err="1" smtClean="0">
+                <a:solidFill>
+                  <a:srgbClr val="00B050"/>
+                </a:solidFill>
+              </a:rPr>
+              <a:t>TensorFlow</a:t>
+            </a:r>
+            <a:endParaRPr lang="en-US" sz="2800" b="1" dirty="0" smtClean="0">
+              <a:solidFill>
+                <a:srgbClr val="00B050"/>
+              </a:solidFill>
+            </a:endParaRPr>
+          </a:p>
+          <a:p>
+            <a:endParaRPr lang="en-US" sz="2800" dirty="0"/>
+          </a:p>
+          <a:p>
+            <a:r>
+              <a:rPr lang="en-US" sz="1600" dirty="0"/>
+              <a:t>	This workshop will cover programming in </a:t>
+            </a:r>
+            <a:r>
+              <a:rPr lang="en-US" sz="1600" dirty="0" err="1" smtClean="0"/>
+              <a:t>TensorFlow</a:t>
+            </a:r>
+            <a:r>
+              <a:rPr lang="en-US" sz="1600" dirty="0" smtClean="0"/>
+              <a:t>, covering the concepts of Design and Run,</a:t>
+            </a:r>
+          </a:p>
+          <a:p>
+            <a:r>
+              <a:rPr lang="en-US" sz="1600" dirty="0"/>
+              <a:t>	</a:t>
+            </a:r>
+            <a:r>
+              <a:rPr lang="en-US" sz="1600" dirty="0" smtClean="0"/>
+              <a:t>syntax, and common approaches and design techniques.</a:t>
+            </a:r>
+          </a:p>
+        </p:txBody>
+      </p:sp>
+    </p:spTree>
+    <p:extLst>
+      <p:ext uri="{BB962C8B-B14F-4D97-AF65-F5344CB8AC3E}">
+        <p14:creationId xmlns:p14="http://schemas.microsoft.com/office/powerpoint/2010/main" val="2047582178"/>
+      </p:ext>
+    </p:extLst>
+  </p:cSld>
+  <p:clrMapOvr>
+    <a:masterClrMapping/>
+  </p:clrMapOvr>
+  <p:timing>
+    <p:tnLst>
+      <p:par>
+        <p:cTn id="1" dur="indefinite" restart="never" nodeType="tmRoot"/>
+      </p:par>
+    </p:tnLst>
+  </p:timing>
+</p:sld>
+</file>
+
+<file path=ppt/slides/slide8.xml><?xml version="1.0" encoding="utf-8"?>
+<p:sld xmlns:a="http://schemas.openxmlformats.org/drawingml/2006/main" xmlns:r="http://schemas.openxmlformats.org/officeDocument/2006/relationships" xmlns:p="http://schemas.openxmlformats.org/presentationml/2006/main">
+  <p:cSld>
+    <p:spTree>
+      <p:nvGrpSpPr>
+        <p:cNvPr id="1" name=""/>
+        <p:cNvGrpSpPr/>
+        <p:nvPr/>
+      </p:nvGrpSpPr>
+      <p:grpSpPr>
+        <a:xfrm>
+          <a:off x="0" y="0"/>
+          <a:ext cx="0" cy="0"/>
+          <a:chOff x="0" y="0"/>
+          <a:chExt cx="0" cy="0"/>
+        </a:xfrm>
+      </p:grpSpPr>
+      <p:sp>
+        <p:nvSpPr>
+          <p:cNvPr id="2" name="Title 1"/>
+          <p:cNvSpPr>
+            <a:spLocks noGrp="1"/>
+          </p:cNvSpPr>
+          <p:nvPr>
+            <p:ph type="title"/>
+          </p:nvPr>
+        </p:nvSpPr>
+        <p:spPr>
+          <a:xfrm>
+            <a:off x="457200" y="274638"/>
+            <a:ext cx="8305800" cy="792162"/>
+          </a:xfrm>
+        </p:spPr>
+        <p:txBody>
+          <a:bodyPr>
+            <a:normAutofit/>
+          </a:bodyPr>
+          <a:lstStyle/>
+          <a:p>
+            <a:pPr algn="l"/>
+            <a:r>
+              <a:rPr lang="en-US" dirty="0" smtClean="0">
+                <a:solidFill>
+                  <a:schemeClr val="accent1">
+                    <a:lumMod val="75000"/>
+                  </a:schemeClr>
+                </a:solidFill>
+              </a:rPr>
+              <a:t>Syllabus</a:t>
+            </a:r>
+            <a:endParaRPr lang="en-US" dirty="0">
+              <a:solidFill>
+                <a:schemeClr val="accent1">
+                  <a:lumMod val="75000"/>
+                </a:schemeClr>
+              </a:solidFill>
+            </a:endParaRPr>
+          </a:p>
+        </p:txBody>
+      </p:sp>
+      <p:cxnSp>
+        <p:nvCxnSpPr>
+          <p:cNvPr id="5" name="Straight Connector 4"/>
+          <p:cNvCxnSpPr/>
+          <p:nvPr/>
+        </p:nvCxnSpPr>
+        <p:spPr>
+          <a:xfrm>
+            <a:off x="0" y="990600"/>
+            <a:ext cx="9144000" cy="0"/>
+          </a:xfrm>
+          <a:prstGeom prst="line">
+            <a:avLst/>
+          </a:prstGeom>
+          <a:ln w="19050"/>
+        </p:spPr>
+        <p:style>
+          <a:lnRef idx="1">
+            <a:schemeClr val="accent1"/>
+          </a:lnRef>
+          <a:fillRef idx="0">
+            <a:schemeClr val="accent1"/>
+          </a:fillRef>
+          <a:effectRef idx="0">
+            <a:schemeClr val="accent1"/>
+          </a:effectRef>
+          <a:fontRef idx="minor">
+            <a:schemeClr val="tx1"/>
+          </a:fontRef>
+        </p:style>
+      </p:cxnSp>
+      <p:sp>
+        <p:nvSpPr>
+          <p:cNvPr id="36" name="TextBox 35"/>
+          <p:cNvSpPr txBox="1"/>
+          <p:nvPr/>
+        </p:nvSpPr>
+        <p:spPr>
+          <a:xfrm>
+            <a:off x="152400" y="1164134"/>
+            <a:ext cx="8416086" cy="2923877"/>
+          </a:xfrm>
+          <a:prstGeom prst="rect">
+            <a:avLst/>
+          </a:prstGeom>
+          <a:noFill/>
+        </p:spPr>
+        <p:txBody>
+          <a:bodyPr wrap="none" rtlCol="0">
+            <a:spAutoFit/>
+          </a:bodyPr>
+          <a:lstStyle/>
+          <a:p>
+            <a:pPr marL="285750" indent="-285750">
+              <a:buFont typeface="Arial" panose="020B0604020202020204" pitchFamily="34" charset="0"/>
+              <a:buChar char="•"/>
+            </a:pPr>
             <a:r>
               <a:rPr lang="en-US" sz="2800" b="1" dirty="0" smtClean="0">
                 <a:solidFill>
@@ -5324,7 +5915,7 @@
                   </a:schemeClr>
                 </a:solidFill>
               </a:rPr>
-              <a:t>7: </a:t>
+              <a:t>Session 11: </a:t>
             </a:r>
             <a:r>
               <a:rPr lang="en-US" sz="2800" b="1" dirty="0" smtClean="0">
@@ -5332,18 +5923,84 @@
                   <a:srgbClr val="00B050"/>
                 </a:solidFill>
               </a:rPr>
-              <a:t>Natural Language </a:t>
-            </a:r>
+              <a:t>Workshop – AWS Machine Learning</a:t>
+            </a:r>
+          </a:p>
+          <a:p>
+            <a:r>
+              <a:rPr lang="en-US" sz="1600" dirty="0" smtClean="0"/>
+              <a:t/>
+            </a:r>
+            <a:br>
+              <a:rPr lang="en-US" sz="1600" dirty="0" smtClean="0"/>
+            </a:br>
+            <a:r>
+              <a:rPr lang="en-US" sz="1600" dirty="0" smtClean="0"/>
+              <a:t>	This </a:t>
+            </a:r>
+            <a:r>
+              <a:rPr lang="en-US" sz="1600" dirty="0"/>
+              <a:t>workshop will cover </a:t>
+            </a:r>
+            <a:r>
+              <a:rPr lang="en-US" sz="1600" dirty="0" smtClean="0"/>
+              <a:t>machine learning programming with the AWS machine</a:t>
+            </a:r>
+            <a:br>
+              <a:rPr lang="en-US" sz="1600" dirty="0" smtClean="0"/>
+            </a:br>
+            <a:r>
+              <a:rPr lang="en-US" sz="1600" dirty="0" smtClean="0"/>
+              <a:t>	learning framework, covering Lex (Natural Language Processing), Polly (text-to-Speech), </a:t>
+            </a:r>
+          </a:p>
+          <a:p>
+            <a:r>
+              <a:rPr lang="en-US" sz="1600" dirty="0" smtClean="0"/>
+              <a:t>	and </a:t>
+            </a:r>
+            <a:r>
+              <a:rPr lang="en-US" sz="1600" dirty="0" err="1" smtClean="0"/>
+              <a:t>Rekognition</a:t>
+            </a:r>
+            <a:r>
+              <a:rPr lang="en-US" sz="1600" dirty="0" smtClean="0"/>
+              <a:t> (Image Recognition).</a:t>
+            </a:r>
+            <a:br>
+              <a:rPr lang="en-US" sz="1600" dirty="0" smtClean="0"/>
+            </a:br>
+            <a:endParaRPr lang="en-US" sz="1600" b="1" dirty="0" smtClean="0">
+              <a:solidFill>
+                <a:schemeClr val="accent5">
+                  <a:lumMod val="75000"/>
+                </a:schemeClr>
+              </a:solidFill>
+            </a:endParaRPr>
+          </a:p>
+          <a:p>
+            <a:pPr marL="285750" indent="-285750">
+              <a:buFont typeface="Arial" panose="020B0604020202020204" pitchFamily="34" charset="0"/>
+              <a:buChar char="•"/>
+            </a:pPr>
             <a:r>
               <a:rPr lang="en-US" sz="2800" b="1" dirty="0" smtClean="0">
                 <a:solidFill>
+                  <a:schemeClr val="accent5">
+                    <a:lumMod val="75000"/>
+                  </a:schemeClr>
+                </a:solidFill>
+              </a:rPr>
+              <a:t>Session 12: </a:t>
+            </a:r>
+            <a:r>
+              <a:rPr lang="en-US" sz="2800" b="1" dirty="0" smtClean="0">
+                <a:solidFill>
                   <a:srgbClr val="00B050"/>
                 </a:solidFill>
               </a:rPr>
-              <a:t>Processing</a:t>
-            </a:r>
-          </a:p>
-          <a:p>
+              <a:t>Workshop – Azure Machine Learning</a:t>
+            </a:r>
             <a:endParaRPr lang="en-US" sz="2800" b="1" dirty="0">
               <a:solidFill>
                 <a:srgbClr val="00B050"/>
@@ -5353,39 +6010,54 @@
           <a:p>
             <a:r>
               <a:rPr lang="en-US" sz="1600" dirty="0" smtClean="0"/>
-              <a:t>TBA - This </a:t>
+              <a:t/>
+            </a:r>
+            <a:br>
+              <a:rPr lang="en-US" sz="1600" dirty="0" smtClean="0"/>
+            </a:br>
+            <a:r>
+              <a:rPr lang="en-US" sz="1600" dirty="0" smtClean="0"/>
+              <a:t>	This </a:t>
             </a:r>
             <a:r>
               <a:rPr lang="en-US" sz="1600" dirty="0"/>
-              <a:t>week we will cover the basic foundations of Natural Language Processing covering bags of words, cleaning, stemming, lemmatization, tern frequencies (TF), </a:t>
-            </a:r>
-            <a:r>
-              <a:rPr lang="en-US" sz="1600" dirty="0" err="1"/>
-              <a:t>interdocument</a:t>
+              <a:t>workshop will cover machine learning programming with the </a:t>
+            </a:r>
+            <a:r>
+              <a:rPr lang="en-US" sz="1600" dirty="0" smtClean="0"/>
+              <a:t>Azure </a:t>
             </a:r>
             <a:r>
               <a:rPr lang="en-US" sz="1600" dirty="0"/>
-              <a:t> frequencies (IDF), and handling narrative (text) fields in datasets.</a:t>
-            </a:r>
-            <a:endParaRPr lang="en-US" sz="1600" b="1" dirty="0" smtClean="0">
+              <a:t>machine</a:t>
+            </a:r>
+            <a:br>
+              <a:rPr lang="en-US" sz="1600" dirty="0"/>
+            </a:br>
+            <a:r>
+              <a:rPr lang="en-US" sz="1600" dirty="0"/>
+              <a:t>	learning framework</a:t>
+            </a:r>
+            <a:r>
+              <a:rPr lang="en-US" sz="1600" dirty="0" smtClean="0"/>
+              <a:t>, covering the Azure </a:t>
+            </a:r>
+            <a:r>
+              <a:rPr lang="en-US" sz="1600" smtClean="0"/>
+              <a:t>Machine Learning Studio.</a:t>
+            </a:r>
+            <a:endParaRPr lang="en-US" sz="1600" b="1" dirty="0">
               <a:solidFill>
                 <a:srgbClr val="00B050"/>
               </a:solidFill>
             </a:endParaRPr>
           </a:p>
-          <a:p>
-            <a:endParaRPr lang="en-US" sz="2800" b="1" dirty="0">
-              <a:solidFill>
-                <a:srgbClr val="00B050"/>
-              </a:solidFill>
-            </a:endParaRPr>
-          </a:p>
         </p:txBody>
       </p:sp>
     </p:spTree>
     <p:extLst>
       <p:ext uri="{BB962C8B-B14F-4D97-AF65-F5344CB8AC3E}">
-        <p14:creationId xmlns:p14="http://schemas.microsoft.com/office/powerpoint/2010/main" val="3528188456"/>
+        <p14:creationId xmlns:p14="http://schemas.microsoft.com/office/powerpoint/2010/main" val="1451393278"/>
       </p:ext>
     </p:extLst>
   </p:cSld>

--- a/Presentations/AI Training Syllabus.pptx
+++ b/Presentations/AI Training Syllabus.pptx
@@ -5,17 +5,18 @@
     <p:sldMasterId id="2147483648" r:id="rId1"/>
   </p:sldMasterIdLst>
   <p:notesMasterIdLst>
-    <p:notesMasterId r:id="rId10"/>
+    <p:notesMasterId r:id="rId11"/>
   </p:notesMasterIdLst>
   <p:sldIdLst>
     <p:sldId id="256" r:id="rId2"/>
     <p:sldId id="281" r:id="rId3"/>
     <p:sldId id="282" r:id="rId4"/>
-    <p:sldId id="283" r:id="rId5"/>
-    <p:sldId id="284" r:id="rId6"/>
-    <p:sldId id="285" r:id="rId7"/>
-    <p:sldId id="286" r:id="rId8"/>
-    <p:sldId id="287" r:id="rId9"/>
+    <p:sldId id="288" r:id="rId5"/>
+    <p:sldId id="283" r:id="rId6"/>
+    <p:sldId id="284" r:id="rId7"/>
+    <p:sldId id="285" r:id="rId8"/>
+    <p:sldId id="286" r:id="rId9"/>
+    <p:sldId id="287" r:id="rId10"/>
   </p:sldIdLst>
   <p:sldSz cx="9144000" cy="6858000" type="screen4x3"/>
   <p:notesSz cx="6858000" cy="9144000"/>
@@ -3445,7 +3446,11 @@
             </a:br>
             <a:r>
               <a:rPr lang="en-US" dirty="0" smtClean="0"/>
-              <a:t>Training</a:t>
+              <a:t>“Crowd Training”</a:t>
+            </a:r>
+            <a:r>
+              <a:rPr lang="en-US" dirty="0" smtClean="0"/>
+              <a:t/>
             </a:r>
             <a:br>
               <a:rPr lang="en-US" dirty="0" smtClean="0"/>
@@ -4382,7 +4387,7 @@
                   </a:schemeClr>
                 </a:solidFill>
               </a:rPr>
-              <a:t>Syllabus</a:t>
+              <a:t>Crowd Training</a:t>
             </a:r>
             <a:endParaRPr lang="en-US" dirty="0">
               <a:solidFill>
@@ -4434,7 +4439,7 @@
         <p:spPr>
           <a:xfrm>
             <a:off x="152400" y="1164134"/>
-            <a:ext cx="9140259" cy="5632311"/>
+            <a:ext cx="8406212" cy="5262979"/>
           </a:xfrm>
           <a:prstGeom prst="rect">
             <a:avLst/>
@@ -4456,75 +4461,20 @@
             </a:endParaRPr>
           </a:p>
           <a:p>
-            <a:pPr marL="285750" indent="-285750">
+            <a:pPr marL="457200" indent="-457200">
               <a:buFont typeface="Arial" panose="020B0604020202020204" pitchFamily="34" charset="0"/>
               <a:buChar char="•"/>
             </a:pPr>
             <a:r>
-              <a:rPr lang="en-US" sz="2800" b="1" dirty="0" smtClean="0">
+              <a:rPr lang="en-US" sz="2800" b="1" dirty="0">
                 <a:solidFill>
                   <a:schemeClr val="accent5">
                     <a:lumMod val="75000"/>
                   </a:schemeClr>
                 </a:solidFill>
               </a:rPr>
-              <a:t>Session 1: </a:t>
-            </a:r>
-            <a:r>
-              <a:rPr lang="en-US" sz="2800" b="1" dirty="0" smtClean="0">
-                <a:solidFill>
-                  <a:srgbClr val="00B050"/>
-                </a:solidFill>
-              </a:rPr>
-              <a:t>Graph Search Theory</a:t>
-            </a:r>
-          </a:p>
-          <a:p>
-            <a:endParaRPr lang="en-US" sz="1600" dirty="0" smtClean="0"/>
-          </a:p>
-          <a:p>
-            <a:r>
-              <a:rPr lang="en-US" sz="1600" dirty="0"/>
-              <a:t>	</a:t>
-            </a:r>
-            <a:r>
-              <a:rPr lang="en-US" sz="1600" dirty="0" smtClean="0"/>
-              <a:t>This session covers the basic foundations of graph theory algorithms, covering Breadth First </a:t>
-            </a:r>
-            <a:br>
-              <a:rPr lang="en-US" sz="1600" dirty="0" smtClean="0"/>
-            </a:br>
-            <a:r>
-              <a:rPr lang="en-US" sz="1600" dirty="0" smtClean="0"/>
-              <a:t>	Search (BFS), Depth First Search ( DFS), Depth Limited Search (DLS), Iterative Depth Search (IDS), </a:t>
-            </a:r>
-            <a:br>
-              <a:rPr lang="en-US" sz="1600" dirty="0" smtClean="0"/>
-            </a:br>
-            <a:r>
-              <a:rPr lang="en-US" sz="1600" dirty="0" smtClean="0"/>
-              <a:t>	Greedy Algorithm, and A-STAR Algorithm.</a:t>
-            </a:r>
-            <a:endParaRPr lang="en-US" sz="1600" b="1" dirty="0" smtClean="0">
-              <a:solidFill>
-                <a:srgbClr val="00B050"/>
-              </a:solidFill>
-            </a:endParaRPr>
-          </a:p>
-          <a:p>
-            <a:endParaRPr lang="en-US" sz="2800" b="1" dirty="0">
-              <a:solidFill>
-                <a:schemeClr val="accent5">
-                  <a:lumMod val="75000"/>
-                </a:schemeClr>
-              </a:solidFill>
-            </a:endParaRPr>
-          </a:p>
-          <a:p>
-            <a:pPr marL="285750" indent="-285750">
-              <a:buFont typeface="Arial" panose="020B0604020202020204" pitchFamily="34" charset="0"/>
-              <a:buChar char="•"/>
-            </a:pPr>
+              <a:t>I</a:t>
+            </a:r>
             <a:r>
               <a:rPr lang="en-US" sz="2800" b="1" dirty="0" smtClean="0">
                 <a:solidFill>
@@ -4533,82 +4483,28 @@
                   </a:schemeClr>
                 </a:solidFill>
               </a:rPr>
-              <a:t>Session 2: </a:t>
+              <a:t>t </a:t>
+            </a:r>
+            <a:r>
+              <a:rPr lang="en-US" sz="2800" b="1" dirty="0">
+                <a:solidFill>
+                  <a:schemeClr val="accent5">
+                    <a:lumMod val="75000"/>
+                  </a:schemeClr>
+                </a:solidFill>
+              </a:rPr>
+              <a:t>is the crowd training the </a:t>
             </a:r>
             <a:r>
               <a:rPr lang="en-US" sz="2800" b="1" dirty="0" smtClean="0">
                 <a:solidFill>
-                  <a:srgbClr val="00B050"/>
-                </a:solidFill>
-              </a:rPr>
-              <a:t>Basic Principles of Robotics</a:t>
-            </a:r>
-            <a:endParaRPr lang="en-US" sz="1600" b="1" dirty="0" smtClean="0">
-              <a:solidFill>
-                <a:srgbClr val="00B050"/>
-              </a:solidFill>
-            </a:endParaRPr>
-          </a:p>
-          <a:p>
-            <a:endParaRPr lang="en-US" sz="1600" b="1" dirty="0">
-              <a:solidFill>
-                <a:srgbClr val="00B050"/>
-              </a:solidFill>
-            </a:endParaRPr>
-          </a:p>
-          <a:p>
-            <a:r>
-              <a:rPr lang="en-US" sz="1600" dirty="0" smtClean="0"/>
-              <a:t>	This session covers </a:t>
-            </a:r>
-            <a:r>
-              <a:rPr lang="en-US" sz="1600" dirty="0"/>
-              <a:t>the basic foundations of robotics, covering </a:t>
-            </a:r>
-            <a:r>
-              <a:rPr lang="en-US" sz="1600" dirty="0" smtClean="0"/>
-              <a:t>Dynamic Programming</a:t>
-            </a:r>
-            <a:r>
-              <a:rPr lang="en-US" sz="1600" dirty="0"/>
-              <a:t>, </a:t>
-            </a:r>
-            <a:r>
-              <a:rPr lang="en-US" sz="1600" dirty="0" smtClean="0"/>
-              <a:t/>
-            </a:r>
-            <a:br>
-              <a:rPr lang="en-US" sz="1600" dirty="0" smtClean="0"/>
-            </a:br>
-            <a:r>
-              <a:rPr lang="en-US" sz="1600" dirty="0" smtClean="0"/>
-              <a:t>	Reinforcement Learning</a:t>
-            </a:r>
-            <a:r>
-              <a:rPr lang="en-US" sz="1600" dirty="0"/>
-              <a:t>, Markov </a:t>
-            </a:r>
-            <a:r>
-              <a:rPr lang="en-US" sz="1600" dirty="0" smtClean="0"/>
-              <a:t>Principles </a:t>
-            </a:r>
-            <a:r>
-              <a:rPr lang="en-US" sz="1600" dirty="0"/>
-              <a:t>and Bellman </a:t>
-            </a:r>
-            <a:r>
-              <a:rPr lang="en-US" sz="1600" dirty="0" smtClean="0"/>
-              <a:t>Equations</a:t>
-            </a:r>
-            <a:r>
-              <a:rPr lang="en-US" sz="1600" dirty="0"/>
-              <a:t>. </a:t>
-            </a:r>
-            <a:endParaRPr lang="en-US" sz="1600" b="1" dirty="0" smtClean="0">
-              <a:solidFill>
-                <a:srgbClr val="00B050"/>
-              </a:solidFill>
-            </a:endParaRPr>
+                  <a:schemeClr val="accent5">
+                    <a:lumMod val="75000"/>
+                  </a:schemeClr>
+                </a:solidFill>
+              </a:rPr>
+              <a:t>crowd.</a:t>
+            </a:r>
           </a:p>
           <a:p>
             <a:endParaRPr lang="en-US" sz="2800" b="1" dirty="0" smtClean="0">
@@ -4620,143 +4516,215 @@
             </a:endParaRPr>
           </a:p>
           <a:p>
+            <a:pPr marL="457200" indent="-457200">
+              <a:buFont typeface="Arial" panose="020B0604020202020204" pitchFamily="34" charset="0"/>
+              <a:buChar char="•"/>
+            </a:pPr>
+            <a:r>
+              <a:rPr lang="en-US" sz="2800" b="1" dirty="0" smtClean="0">
+                <a:solidFill>
+                  <a:schemeClr val="accent5">
+                    <a:lumMod val="75000"/>
+                  </a:schemeClr>
+                </a:solidFill>
+              </a:rPr>
+              <a:t>Popular Trainers earn income (from </a:t>
+            </a:r>
+            <a:r>
+              <a:rPr lang="en-US" sz="2800" b="1" dirty="0">
+                <a:solidFill>
+                  <a:schemeClr val="accent5">
+                    <a:lumMod val="75000"/>
+                  </a:schemeClr>
+                </a:solidFill>
+              </a:rPr>
+              <a:t>the crowd). </a:t>
+            </a:r>
+            <a:endParaRPr lang="en-US" sz="2800" b="1" dirty="0" smtClean="0">
+              <a:solidFill>
+                <a:schemeClr val="accent5">
+                  <a:lumMod val="75000"/>
+                </a:schemeClr>
+              </a:solidFill>
+            </a:endParaRPr>
+          </a:p>
+          <a:p>
+            <a:endParaRPr lang="en-US" sz="2800" dirty="0"/>
+          </a:p>
+          <a:p>
+            <a:pPr marL="457200" indent="-457200">
+              <a:buFont typeface="Arial" panose="020B0604020202020204" pitchFamily="34" charset="0"/>
+              <a:buChar char="•"/>
+            </a:pPr>
+            <a:r>
+              <a:rPr lang="en-US" sz="2800" b="1" dirty="0">
+                <a:solidFill>
+                  <a:schemeClr val="accent5">
+                    <a:lumMod val="75000"/>
+                  </a:schemeClr>
+                </a:solidFill>
+              </a:rPr>
+              <a:t>Sessions </a:t>
+            </a:r>
+            <a:r>
+              <a:rPr lang="en-US" sz="2800" b="1" dirty="0" smtClean="0">
+                <a:solidFill>
+                  <a:schemeClr val="accent5">
+                    <a:lumMod val="75000"/>
+                  </a:schemeClr>
+                </a:solidFill>
+              </a:rPr>
+              <a:t>run </a:t>
+            </a:r>
+            <a:r>
+              <a:rPr lang="en-US" sz="2800" b="1" dirty="0">
+                <a:solidFill>
+                  <a:schemeClr val="accent5">
+                    <a:lumMod val="75000"/>
+                  </a:schemeClr>
+                </a:solidFill>
+              </a:rPr>
+              <a:t>within </a:t>
+            </a:r>
+            <a:r>
+              <a:rPr lang="en-US" sz="2800" b="1" dirty="0" smtClean="0">
+                <a:solidFill>
+                  <a:schemeClr val="accent5">
+                    <a:lumMod val="75000"/>
+                  </a:schemeClr>
+                </a:solidFill>
+              </a:rPr>
+              <a:t>job tracks </a:t>
+            </a:r>
+            <a:r>
+              <a:rPr lang="en-US" sz="2800" b="1" dirty="0">
+                <a:solidFill>
+                  <a:schemeClr val="accent5">
+                    <a:lumMod val="75000"/>
+                  </a:schemeClr>
+                </a:solidFill>
+              </a:rPr>
+              <a:t>that focus on training </a:t>
+            </a:r>
+            <a:endParaRPr lang="en-US" sz="2800" b="1" dirty="0" smtClean="0">
+              <a:solidFill>
+                <a:schemeClr val="accent5">
+                  <a:lumMod val="75000"/>
+                </a:schemeClr>
+              </a:solidFill>
+            </a:endParaRPr>
+          </a:p>
+          <a:p>
+            <a:r>
+              <a:rPr lang="en-US" sz="2800" b="1" dirty="0" smtClean="0">
+                <a:solidFill>
+                  <a:schemeClr val="accent5">
+                    <a:lumMod val="75000"/>
+                  </a:schemeClr>
+                </a:solidFill>
+              </a:rPr>
+              <a:t>      job </a:t>
+            </a:r>
+            <a:r>
+              <a:rPr lang="en-US" sz="2800" b="1" dirty="0">
+                <a:solidFill>
+                  <a:schemeClr val="accent5">
+                    <a:lumMod val="75000"/>
+                  </a:schemeClr>
+                </a:solidFill>
+              </a:rPr>
+              <a:t>skills that </a:t>
+            </a:r>
+            <a:r>
+              <a:rPr lang="en-US" sz="2800" b="1" dirty="0" smtClean="0">
+                <a:solidFill>
+                  <a:schemeClr val="accent5">
+                    <a:lumMod val="75000"/>
+                  </a:schemeClr>
+                </a:solidFill>
+              </a:rPr>
+              <a:t>are:</a:t>
+            </a:r>
+          </a:p>
+          <a:p>
+            <a:pPr marL="914400" lvl="1" indent="-457200">
+              <a:buFont typeface="Arial" panose="020B0604020202020204" pitchFamily="34" charset="0"/>
+              <a:buChar char="•"/>
+            </a:pPr>
+            <a:r>
+              <a:rPr lang="en-US" sz="2800" b="1" dirty="0" smtClean="0">
+                <a:solidFill>
+                  <a:srgbClr val="00B050"/>
+                </a:solidFill>
+              </a:rPr>
+              <a:t>High Demand</a:t>
+            </a:r>
+          </a:p>
+          <a:p>
+            <a:pPr marL="914400" lvl="1" indent="-457200">
+              <a:buFont typeface="Arial" panose="020B0604020202020204" pitchFamily="34" charset="0"/>
+              <a:buChar char="•"/>
+            </a:pPr>
+            <a:r>
+              <a:rPr lang="en-US" sz="2800" b="1" dirty="0" smtClean="0">
+                <a:solidFill>
+                  <a:srgbClr val="00B050"/>
+                </a:solidFill>
+              </a:rPr>
+              <a:t>Emergent Technologies</a:t>
+            </a:r>
+          </a:p>
+          <a:p>
+            <a:pPr marL="914400" lvl="1" indent="-457200">
+              <a:buFont typeface="Arial" panose="020B0604020202020204" pitchFamily="34" charset="0"/>
+              <a:buChar char="•"/>
+            </a:pPr>
+            <a:r>
+              <a:rPr lang="en-US" sz="2800" b="1" u="sng" dirty="0" smtClean="0">
+                <a:solidFill>
+                  <a:srgbClr val="00B050"/>
+                </a:solidFill>
+              </a:rPr>
+              <a:t>Skills can be applied on the job today.</a:t>
+            </a:r>
+            <a:endParaRPr lang="en-US" sz="2800" b="1" u="sng" dirty="0">
+              <a:solidFill>
+                <a:srgbClr val="00B050"/>
+              </a:solidFill>
+            </a:endParaRPr>
+          </a:p>
+          <a:p>
             <a:pPr marL="285750" indent="-285750">
               <a:buFont typeface="Arial" panose="020B0604020202020204" pitchFamily="34" charset="0"/>
               <a:buChar char="•"/>
             </a:pPr>
-            <a:r>
-              <a:rPr lang="en-US" sz="2800" b="1" dirty="0" smtClean="0">
-                <a:solidFill>
-                  <a:schemeClr val="accent5">
-                    <a:lumMod val="75000"/>
-                  </a:schemeClr>
-                </a:solidFill>
-              </a:rPr>
-              <a:t>Session 3: </a:t>
-            </a:r>
-            <a:r>
-              <a:rPr lang="en-US" sz="2800" b="1" dirty="0" smtClean="0">
-                <a:solidFill>
-                  <a:srgbClr val="00B050"/>
-                </a:solidFill>
-              </a:rPr>
-              <a:t>Titanic Data – Data Preprocessing</a:t>
-            </a:r>
-            <a:endParaRPr lang="en-US" sz="1600" b="1" dirty="0" smtClean="0">
+            <a:endParaRPr lang="en-US" sz="2800" b="1" dirty="0" smtClean="0">
               <a:solidFill>
-                <a:srgbClr val="00B050"/>
+                <a:schemeClr val="accent5">
+                  <a:lumMod val="75000"/>
+                </a:schemeClr>
               </a:solidFill>
             </a:endParaRPr>
           </a:p>
           <a:p>
-            <a:r>
-              <a:rPr lang="en-US" sz="1600" dirty="0" smtClean="0"/>
-              <a:t/>
-            </a:r>
-            <a:br>
-              <a:rPr lang="en-US" sz="1600" dirty="0" smtClean="0"/>
-            </a:br>
-            <a:r>
-              <a:rPr lang="en-US" sz="1600" dirty="0" smtClean="0"/>
-              <a:t>	This session covers </a:t>
-            </a:r>
-            <a:r>
-              <a:rPr lang="en-US" sz="1600" dirty="0"/>
-              <a:t>data preparation, feature engineering and machine learning with the </a:t>
-            </a:r>
-            <a:r>
-              <a:rPr lang="en-US" sz="1600" dirty="0" smtClean="0"/>
-              <a:t/>
-            </a:r>
-            <a:br>
-              <a:rPr lang="en-US" sz="1600" dirty="0" smtClean="0"/>
-            </a:br>
-            <a:r>
-              <a:rPr lang="en-US" sz="1600" dirty="0" smtClean="0"/>
-              <a:t>	Titanic </a:t>
-            </a:r>
-            <a:r>
-              <a:rPr lang="en-US" sz="1600" dirty="0"/>
-              <a:t>data from </a:t>
-            </a:r>
-            <a:r>
-              <a:rPr lang="en-US" sz="1600" dirty="0" err="1" smtClean="0"/>
-              <a:t>Kaggle</a:t>
-            </a:r>
-            <a:r>
-              <a:rPr lang="en-US" sz="1600" dirty="0" smtClean="0"/>
-              <a:t>. We </a:t>
-            </a:r>
-            <a:r>
-              <a:rPr lang="en-US" sz="1600" dirty="0"/>
-              <a:t>will cover each step in the data preparation and training  model </a:t>
-            </a:r>
-            <a:r>
-              <a:rPr lang="en-US" sz="1600" dirty="0" smtClean="0"/>
-              <a:t/>
-            </a:r>
-            <a:br>
-              <a:rPr lang="en-US" sz="1600" dirty="0" smtClean="0"/>
-            </a:br>
-            <a:r>
-              <a:rPr lang="en-US" sz="1600" dirty="0" smtClean="0"/>
-              <a:t>	using </a:t>
-            </a:r>
-            <a:r>
-              <a:rPr lang="en-US" sz="1600" dirty="0"/>
-              <a:t>Random Forest technique. This is a hands on as well as a presentation. We will be using </a:t>
-            </a:r>
-            <a:r>
-              <a:rPr lang="en-US" sz="1600" dirty="0" smtClean="0"/>
-              <a:t/>
-            </a:r>
-            <a:br>
-              <a:rPr lang="en-US" sz="1600" dirty="0" smtClean="0"/>
-            </a:br>
-            <a:r>
-              <a:rPr lang="en-US" sz="1600" dirty="0" smtClean="0"/>
-              <a:t>	</a:t>
-            </a:r>
-            <a:r>
-              <a:rPr lang="en-US" sz="1600" dirty="0" err="1" smtClean="0"/>
-              <a:t>Jupyter</a:t>
-            </a:r>
-            <a:r>
-              <a:rPr lang="en-US" sz="1600" dirty="0" smtClean="0"/>
-              <a:t> notebook</a:t>
-            </a:r>
-            <a:r>
-              <a:rPr lang="en-US" sz="1600" dirty="0"/>
-              <a:t>, python 3, </a:t>
-            </a:r>
-            <a:r>
-              <a:rPr lang="en-US" sz="1600" dirty="0" err="1"/>
-              <a:t>numpy</a:t>
-            </a:r>
-            <a:r>
-              <a:rPr lang="en-US" sz="1600" dirty="0"/>
-              <a:t>, pandas and </a:t>
-            </a:r>
-            <a:r>
-              <a:rPr lang="en-US" sz="1600" dirty="0" err="1"/>
-              <a:t>scilearn</a:t>
-            </a:r>
-            <a:r>
-              <a:rPr lang="en-US" sz="1600" dirty="0"/>
-              <a:t> ML libraries</a:t>
-            </a:r>
-            <a:r>
-              <a:rPr lang="en-US" sz="1600" dirty="0" smtClean="0"/>
-              <a:t>.</a:t>
-            </a:r>
-            <a:endParaRPr lang="en-US" sz="1600" dirty="0"/>
+            <a:pPr marL="285750" indent="-285750">
+              <a:buFont typeface="Arial" panose="020B0604020202020204" pitchFamily="34" charset="0"/>
+              <a:buChar char="•"/>
+            </a:pPr>
+            <a:endParaRPr lang="en-US" sz="2800" b="1" dirty="0" smtClean="0">
+              <a:solidFill>
+                <a:schemeClr val="accent5">
+                  <a:lumMod val="75000"/>
+                </a:schemeClr>
+              </a:solidFill>
+            </a:endParaRPr>
           </a:p>
         </p:txBody>
       </p:sp>
     </p:spTree>
     <p:extLst>
       <p:ext uri="{BB962C8B-B14F-4D97-AF65-F5344CB8AC3E}">
-        <p14:creationId xmlns:p14="http://schemas.microsoft.com/office/powerpoint/2010/main" val="1176952317"/>
+        <p14:creationId xmlns:p14="http://schemas.microsoft.com/office/powerpoint/2010/main" val="3059803379"/>
       </p:ext>
     </p:extLst>
   </p:cSld>
@@ -4873,7 +4841,7 @@
         <p:spPr>
           <a:xfrm>
             <a:off x="152400" y="1164134"/>
-            <a:ext cx="9156674" cy="4339650"/>
+            <a:ext cx="9140259" cy="5632311"/>
           </a:xfrm>
           <a:prstGeom prst="rect">
             <a:avLst/>
@@ -4886,6 +4854,15 @@
           </a:bodyPr>
           <a:lstStyle/>
           <a:p>
+            <a:endParaRPr lang="en-US" sz="2800" b="1" dirty="0">
+              <a:solidFill>
+                <a:schemeClr val="accent5">
+                  <a:lumMod val="75000"/>
+                </a:schemeClr>
+              </a:solidFill>
+            </a:endParaRPr>
+          </a:p>
+          <a:p>
             <a:pPr marL="285750" indent="-285750">
               <a:buFont typeface="Arial" panose="020B0604020202020204" pitchFamily="34" charset="0"/>
               <a:buChar char="•"/>
@@ -4898,7 +4875,7 @@
                   </a:schemeClr>
                 </a:solidFill>
               </a:rPr>
-              <a:t>Session 4: </a:t>
+              <a:t>Session 1: </a:t>
             </a:r>
             <a:r>
               <a:rPr lang="en-US" sz="2800" b="1" dirty="0" smtClean="0">
@@ -4906,7 +4883,34 @@
                   <a:srgbClr val="00B050"/>
                 </a:solidFill>
               </a:rPr>
-              <a:t>Fundamentals of Neural Networks</a:t>
+              <a:t>Graph Search Theory</a:t>
+            </a:r>
+          </a:p>
+          <a:p>
+            <a:endParaRPr lang="en-US" sz="1600" dirty="0" smtClean="0"/>
+          </a:p>
+          <a:p>
+            <a:r>
+              <a:rPr lang="en-US" sz="1600" dirty="0"/>
+              <a:t>	</a:t>
+            </a:r>
+            <a:r>
+              <a:rPr lang="en-US" sz="1600" dirty="0" smtClean="0"/>
+              <a:t>This session covers the basic foundations of graph theory algorithms, covering Breadth First </a:t>
+            </a:r>
+            <a:br>
+              <a:rPr lang="en-US" sz="1600" dirty="0" smtClean="0"/>
+            </a:br>
+            <a:r>
+              <a:rPr lang="en-US" sz="1600" dirty="0" smtClean="0"/>
+              <a:t>	Search (BFS), Depth First Search ( DFS), Depth Limited Search (DLS), Iterative Depth Search (IDS), </a:t>
+            </a:r>
+            <a:br>
+              <a:rPr lang="en-US" sz="1600" dirty="0" smtClean="0"/>
+            </a:br>
+            <a:r>
+              <a:rPr lang="en-US" sz="1600" dirty="0" smtClean="0"/>
+              <a:t>	Greedy Algorithm, and A-STAR Algorithm.</a:t>
             </a:r>
             <a:endParaRPr lang="en-US" sz="1600" b="1" dirty="0" smtClean="0">
               <a:solidFill>
@@ -4915,6 +4919,44 @@
             </a:endParaRPr>
           </a:p>
           <a:p>
+            <a:endParaRPr lang="en-US" sz="2800" b="1" dirty="0">
+              <a:solidFill>
+                <a:schemeClr val="accent5">
+                  <a:lumMod val="75000"/>
+                </a:schemeClr>
+              </a:solidFill>
+            </a:endParaRPr>
+          </a:p>
+          <a:p>
+            <a:pPr marL="285750" indent="-285750">
+              <a:buFont typeface="Arial" panose="020B0604020202020204" pitchFamily="34" charset="0"/>
+              <a:buChar char="•"/>
+            </a:pPr>
+            <a:r>
+              <a:rPr lang="en-US" sz="2800" b="1" dirty="0" smtClean="0">
+                <a:solidFill>
+                  <a:schemeClr val="accent5">
+                    <a:lumMod val="75000"/>
+                  </a:schemeClr>
+                </a:solidFill>
+              </a:rPr>
+              <a:t>Session 2: </a:t>
+            </a:r>
+            <a:r>
+              <a:rPr lang="en-US" sz="2800" b="1" dirty="0" smtClean="0">
+                <a:solidFill>
+                  <a:srgbClr val="00B050"/>
+                </a:solidFill>
+              </a:rPr>
+              <a:t>Basic Principles of Robotics</a:t>
+            </a:r>
+            <a:endParaRPr lang="en-US" sz="1600" b="1" dirty="0" smtClean="0">
+              <a:solidFill>
+                <a:srgbClr val="00B050"/>
+              </a:solidFill>
+            </a:endParaRPr>
+          </a:p>
+          <a:p>
             <a:endParaRPr lang="en-US" sz="1600" b="1" dirty="0">
               <a:solidFill>
                 <a:srgbClr val="00B050"/>
@@ -4924,22 +4966,15 @@
           <a:p>
             <a:r>
               <a:rPr lang="en-US" sz="1600" dirty="0" smtClean="0"/>
-              <a:t>	This session </a:t>
+              <a:t>	This session covers </a:t>
             </a:r>
             <a:r>
               <a:rPr lang="en-US" sz="1600" dirty="0"/>
-              <a:t>we will cover the basic foundations of neural networks, covering introduction to the </a:t>
-            </a:r>
-            <a:r>
-              <a:rPr lang="en-US" sz="1600" dirty="0" smtClean="0"/>
-              <a:t/>
-            </a:r>
-            <a:br>
-              <a:rPr lang="en-US" sz="1600" dirty="0" smtClean="0"/>
-            </a:br>
-            <a:r>
-              <a:rPr lang="en-US" sz="1600" dirty="0" smtClean="0"/>
-              <a:t>	Perceptron</a:t>
+              <a:t>the basic foundations of robotics, covering </a:t>
+            </a:r>
+            <a:r>
+              <a:rPr lang="en-US" sz="1600" dirty="0" smtClean="0"/>
+              <a:t>Dynamic Programming</a:t>
             </a:r>
             <a:r>
               <a:rPr lang="en-US" sz="1600" dirty="0"/>
@@ -4947,156 +4982,188 @@
             </a:r>
             <a:r>
               <a:rPr lang="en-US" sz="1600" dirty="0" smtClean="0"/>
-              <a:t>Artificial Neural Networks </a:t>
+              <a:t/>
+            </a:r>
+            <a:br>
+              <a:rPr lang="en-US" sz="1600" dirty="0" smtClean="0"/>
+            </a:br>
+            <a:r>
+              <a:rPr lang="en-US" sz="1600" dirty="0" smtClean="0"/>
+              <a:t>	Reinforcement Learning</a:t>
             </a:r>
             <a:r>
               <a:rPr lang="en-US" sz="1600" dirty="0"/>
-              <a:t>(ANN), </a:t>
-            </a:r>
-            <a:r>
-              <a:rPr lang="en-US" sz="1600" dirty="0" smtClean="0"/>
-              <a:t>Convolutional Neural Networks </a:t>
+              <a:t>, Markov </a:t>
+            </a:r>
+            <a:r>
+              <a:rPr lang="en-US" sz="1600" dirty="0" smtClean="0"/>
+              <a:t>Principles </a:t>
             </a:r>
             <a:r>
               <a:rPr lang="en-US" sz="1600" dirty="0"/>
-              <a:t>(CNN), </a:t>
-            </a:r>
-            <a:r>
-              <a:rPr lang="en-US" sz="1600" dirty="0" smtClean="0"/>
-              <a:t>Recurrent </a:t>
-            </a:r>
-            <a:br>
-              <a:rPr lang="en-US" sz="1600" dirty="0" smtClean="0"/>
-            </a:br>
-            <a:r>
-              <a:rPr lang="en-US" sz="1600" dirty="0" smtClean="0"/>
-              <a:t>	Neural Networks </a:t>
+              <a:t>and Bellman </a:t>
+            </a:r>
+            <a:r>
+              <a:rPr lang="en-US" sz="1600" dirty="0" smtClean="0"/>
+              <a:t>Equations</a:t>
             </a:r>
             <a:r>
               <a:rPr lang="en-US" sz="1600" dirty="0"/>
-              <a:t>(RNN), and wrap up with </a:t>
-            </a:r>
-            <a:r>
-              <a:rPr lang="en-US" sz="1600" dirty="0" smtClean="0"/>
-              <a:t>Adversarial Attacks </a:t>
-            </a:r>
-            <a:r>
-              <a:rPr lang="en-US" sz="1600" dirty="0"/>
-              <a:t>on </a:t>
-            </a:r>
-            <a:r>
-              <a:rPr lang="en-US" sz="1600" dirty="0" smtClean="0"/>
-              <a:t>Neural Networks</a:t>
-            </a:r>
-            <a:r>
-              <a:rPr lang="en-US" sz="1600" dirty="0"/>
-              <a:t>.</a:t>
-            </a:r>
-            <a:endParaRPr lang="en-US" sz="1600" b="1" dirty="0">
+              <a:t>. </a:t>
+            </a:r>
+            <a:endParaRPr lang="en-US" sz="1600" b="1" dirty="0" smtClean="0">
               <a:solidFill>
                 <a:srgbClr val="00B050"/>
               </a:solidFill>
             </a:endParaRPr>
           </a:p>
           <a:p>
-            <a:endParaRPr lang="en-US" sz="2800" b="1" dirty="0">
+            <a:endParaRPr lang="en-US" sz="2800" b="1" dirty="0" smtClean="0">
+              <a:solidFill>
+                <a:schemeClr val="accent5">
+                  <a:lumMod val="75000"/>
+                </a:schemeClr>
+              </a:solidFill>
+            </a:endParaRPr>
+          </a:p>
+          <a:p>
+            <a:pPr marL="285750" indent="-285750">
+              <a:buFont typeface="Arial" panose="020B0604020202020204" pitchFamily="34" charset="0"/>
+              <a:buChar char="•"/>
+            </a:pPr>
+            <a:r>
+              <a:rPr lang="en-US" sz="2800" b="1" dirty="0" smtClean="0">
+                <a:solidFill>
+                  <a:schemeClr val="accent5">
+                    <a:lumMod val="75000"/>
+                  </a:schemeClr>
+                </a:solidFill>
+              </a:rPr>
+              <a:t>Session 3: </a:t>
+            </a:r>
+            <a:r>
+              <a:rPr lang="en-US" sz="2800" b="1" dirty="0" smtClean="0">
+                <a:solidFill>
+                  <a:srgbClr val="00B050"/>
+                </a:solidFill>
+              </a:rPr>
+              <a:t>Titanic Data – Data Preprocessing</a:t>
+            </a:r>
+            <a:endParaRPr lang="en-US" sz="1600" b="1" dirty="0" smtClean="0">
               <a:solidFill>
                 <a:srgbClr val="00B050"/>
               </a:solidFill>
             </a:endParaRPr>
           </a:p>
           <a:p>
-            <a:pPr marL="285750" indent="-285750">
-              <a:buFont typeface="Arial" panose="020B0604020202020204" pitchFamily="34" charset="0"/>
-              <a:buChar char="•"/>
-            </a:pPr>
-            <a:r>
-              <a:rPr lang="en-US" sz="2800" b="1" dirty="0">
-                <a:solidFill>
-                  <a:schemeClr val="accent5">
-                    <a:lumMod val="75000"/>
-                  </a:schemeClr>
-                </a:solidFill>
-              </a:rPr>
-              <a:t>Session </a:t>
-            </a:r>
-            <a:r>
-              <a:rPr lang="en-US" sz="2800" b="1" dirty="0" smtClean="0">
-                <a:solidFill>
-                  <a:schemeClr val="accent5">
-                    <a:lumMod val="75000"/>
-                  </a:schemeClr>
-                </a:solidFill>
-              </a:rPr>
-              <a:t>5: </a:t>
-            </a:r>
-            <a:r>
-              <a:rPr lang="en-US" sz="2800" b="1" dirty="0" smtClean="0">
-                <a:solidFill>
-                  <a:srgbClr val="00B050"/>
-                </a:solidFill>
-              </a:rPr>
-              <a:t>Basic Statistics and Regression Analysis</a:t>
-            </a:r>
-          </a:p>
-          <a:p>
+            <a:r>
+              <a:rPr lang="en-US" sz="1600" dirty="0" smtClean="0"/>
+              <a:t/>
+            </a:r>
+            <a:br>
+              <a:rPr lang="en-US" sz="1600" dirty="0" smtClean="0"/>
+            </a:br>
+            <a:r>
+              <a:rPr lang="en-US" sz="1600" dirty="0" smtClean="0"/>
+              <a:t>	This session covers </a:t>
+            </a:r>
+            <a:r>
+              <a:rPr lang="en-US" sz="1600" dirty="0"/>
+              <a:t>data preparation, feature engineering and machine learning with the </a:t>
+            </a:r>
+            <a:r>
+              <a:rPr lang="en-US" sz="1600" dirty="0" smtClean="0"/>
+              <a:t/>
+            </a:r>
+            <a:br>
+              <a:rPr lang="en-US" sz="1600" dirty="0" smtClean="0"/>
+            </a:br>
+            <a:r>
+              <a:rPr lang="en-US" sz="1600" dirty="0" smtClean="0"/>
+              <a:t>	Titanic </a:t>
+            </a:r>
+            <a:r>
+              <a:rPr lang="en-US" sz="1600" dirty="0"/>
+              <a:t>data from </a:t>
+            </a:r>
+            <a:r>
+              <a:rPr lang="en-US" sz="1600" dirty="0" err="1" smtClean="0"/>
+              <a:t>Kaggle</a:t>
+            </a:r>
+            <a:r>
+              <a:rPr lang="en-US" sz="1600" dirty="0" smtClean="0"/>
+              <a:t>. We </a:t>
+            </a:r>
+            <a:r>
+              <a:rPr lang="en-US" sz="1600" dirty="0"/>
+              <a:t>will cover each step in the data preparation and training  model </a:t>
+            </a:r>
+            <a:r>
+              <a:rPr lang="en-US" sz="1600" dirty="0" smtClean="0"/>
+              <a:t/>
+            </a:r>
+            <a:br>
+              <a:rPr lang="en-US" sz="1600" dirty="0" smtClean="0"/>
+            </a:br>
+            <a:r>
+              <a:rPr lang="en-US" sz="1600" dirty="0" smtClean="0"/>
+              <a:t>	using </a:t>
+            </a:r>
+            <a:r>
+              <a:rPr lang="en-US" sz="1600" dirty="0"/>
+              <a:t>Random Forest technique. This is a hands on as well as a presentation. We will be using </a:t>
+            </a:r>
+            <a:r>
+              <a:rPr lang="en-US" sz="1600" dirty="0" smtClean="0"/>
+              <a:t/>
+            </a:r>
+            <a:br>
+              <a:rPr lang="en-US" sz="1600" dirty="0" smtClean="0"/>
+            </a:br>
             <a:r>
               <a:rPr lang="en-US" sz="1600" dirty="0" smtClean="0"/>
               <a:t>	</a:t>
             </a:r>
-            <a:br>
-              <a:rPr lang="en-US" sz="1600" dirty="0" smtClean="0"/>
-            </a:br>
-            <a:r>
-              <a:rPr lang="en-US" sz="1600" dirty="0" smtClean="0"/>
-              <a:t>	The first part of this session will cover the basic foundations of statistics: standard deviation, </a:t>
-            </a:r>
-            <a:br>
-              <a:rPr lang="en-US" sz="1600" dirty="0" smtClean="0"/>
-            </a:br>
-            <a:r>
-              <a:rPr lang="en-US" sz="1600" dirty="0" smtClean="0"/>
-              <a:t>	normal distribution, sampling distribution, Z-scores, box plots and simple linear regression </a:t>
-            </a:r>
-            <a:br>
-              <a:rPr lang="en-US" sz="1600" dirty="0" smtClean="0"/>
-            </a:br>
-            <a:r>
-              <a:rPr lang="en-US" sz="1600" dirty="0" smtClean="0"/>
-              <a:t>	(also known as the slope of a line). </a:t>
-            </a:r>
-            <a:br>
-              <a:rPr lang="en-US" sz="1600" dirty="0" smtClean="0"/>
-            </a:br>
-            <a:r>
-              <a:rPr lang="en-US" sz="1600" dirty="0" smtClean="0"/>
-              <a:t/>
-            </a:r>
-            <a:br>
-              <a:rPr lang="en-US" sz="1600" dirty="0" smtClean="0"/>
-            </a:br>
-            <a:r>
-              <a:rPr lang="en-US" sz="1600" dirty="0" smtClean="0"/>
-              <a:t>	The second part of this session will cover the basic foundations of preparing datasets, simple </a:t>
-            </a:r>
-            <a:br>
-              <a:rPr lang="en-US" sz="1600" dirty="0" smtClean="0"/>
-            </a:br>
-            <a:r>
-              <a:rPr lang="en-US" sz="1600" dirty="0" smtClean="0"/>
-              <a:t>	and multiple linear regression, decision trees, ensemble methods and confusion matrices.</a:t>
-            </a:r>
-            <a:br>
-              <a:rPr lang="en-US" sz="1600" dirty="0" smtClean="0"/>
-            </a:br>
-            <a:endParaRPr lang="en-US" sz="1600" dirty="0" smtClean="0"/>
+            <a:r>
+              <a:rPr lang="en-US" sz="1600" dirty="0" err="1" smtClean="0"/>
+              <a:t>Jupyter</a:t>
+            </a:r>
+            <a:r>
+              <a:rPr lang="en-US" sz="1600" dirty="0" smtClean="0"/>
+              <a:t> notebook</a:t>
+            </a:r>
+            <a:r>
+              <a:rPr lang="en-US" sz="1600" dirty="0"/>
+              <a:t>, python 3, </a:t>
+            </a:r>
+            <a:r>
+              <a:rPr lang="en-US" sz="1600" dirty="0" err="1"/>
+              <a:t>numpy</a:t>
+            </a:r>
+            <a:r>
+              <a:rPr lang="en-US" sz="1600" dirty="0"/>
+              <a:t>, pandas and </a:t>
+            </a:r>
+            <a:r>
+              <a:rPr lang="en-US" sz="1600" dirty="0" err="1"/>
+              <a:t>scilearn</a:t>
+            </a:r>
+            <a:r>
+              <a:rPr lang="en-US" sz="1600" dirty="0"/>
+              <a:t> ML libraries</a:t>
+            </a:r>
+            <a:r>
+              <a:rPr lang="en-US" sz="1600" dirty="0" smtClean="0"/>
+              <a:t>.</a:t>
+            </a:r>
+            <a:endParaRPr lang="en-US" sz="1600" dirty="0"/>
           </a:p>
         </p:txBody>
       </p:sp>
     </p:spTree>
     <p:extLst>
       <p:ext uri="{BB962C8B-B14F-4D97-AF65-F5344CB8AC3E}">
-        <p14:creationId xmlns:p14="http://schemas.microsoft.com/office/powerpoint/2010/main" val="1524590495"/>
+        <p14:creationId xmlns:p14="http://schemas.microsoft.com/office/powerpoint/2010/main" val="1176952317"/>
       </p:ext>
     </p:extLst>
   </p:cSld>
@@ -5213,7 +5280,7 @@
         <p:spPr>
           <a:xfrm>
             <a:off x="152400" y="1164134"/>
-            <a:ext cx="9000734" cy="4439677"/>
+            <a:ext cx="9156674" cy="4339650"/>
           </a:xfrm>
           <a:prstGeom prst="rect">
             <a:avLst/>
@@ -5226,6 +5293,28 @@
           </a:bodyPr>
           <a:lstStyle/>
           <a:p>
+            <a:pPr marL="285750" indent="-285750">
+              <a:buFont typeface="Arial" panose="020B0604020202020204" pitchFamily="34" charset="0"/>
+              <a:buChar char="•"/>
+            </a:pPr>
+            <a:r>
+              <a:rPr lang="en-US" sz="2800" b="1" dirty="0" smtClean="0">
+                <a:solidFill>
+                  <a:schemeClr val="accent5">
+                    <a:lumMod val="75000"/>
+                  </a:schemeClr>
+                </a:solidFill>
+              </a:rPr>
+              <a:t>Session 4: </a:t>
+            </a:r>
+            <a:r>
+              <a:rPr lang="en-US" sz="2800" b="1" dirty="0" smtClean="0">
+                <a:solidFill>
+                  <a:srgbClr val="00B050"/>
+                </a:solidFill>
+              </a:rPr>
+              <a:t>Fundamentals of Neural Networks</a:t>
+            </a:r>
             <a:endParaRPr lang="en-US" sz="1600" b="1" dirty="0" smtClean="0">
               <a:solidFill>
                 <a:srgbClr val="00B050"/>
@@ -5233,46 +5322,88 @@
             </a:endParaRPr>
           </a:p>
           <a:p>
-            <a:pPr marL="285750" indent="-285750">
-              <a:buFont typeface="Arial" panose="020B0604020202020204" pitchFamily="34" charset="0"/>
-              <a:buChar char="•"/>
-            </a:pPr>
-            <a:r>
-              <a:rPr lang="en-US" sz="2800" b="1" dirty="0">
-                <a:solidFill>
-                  <a:schemeClr val="accent5">
-                    <a:lumMod val="75000"/>
-                  </a:schemeClr>
-                </a:solidFill>
-              </a:rPr>
-              <a:t>Session </a:t>
-            </a:r>
-            <a:r>
-              <a:rPr lang="en-US" sz="2800" b="1" dirty="0" smtClean="0">
-                <a:solidFill>
-                  <a:schemeClr val="accent5">
-                    <a:lumMod val="75000"/>
-                  </a:schemeClr>
-                </a:solidFill>
-              </a:rPr>
-              <a:t>6: </a:t>
-            </a:r>
-            <a:r>
-              <a:rPr lang="en-US" sz="2800" b="1" dirty="0">
-                <a:solidFill>
-                  <a:srgbClr val="00B050"/>
-                </a:solidFill>
-              </a:rPr>
-              <a:t>Machine Learning in </a:t>
-            </a:r>
-            <a:r>
-              <a:rPr lang="en-US" sz="2800" b="1" dirty="0" smtClean="0">
-                <a:solidFill>
-                  <a:srgbClr val="00B050"/>
-                </a:solidFill>
-              </a:rPr>
-              <a:t>Python</a:t>
-            </a:r>
+            <a:endParaRPr lang="en-US" sz="1600" b="1" dirty="0">
+              <a:solidFill>
+                <a:srgbClr val="00B050"/>
+              </a:solidFill>
+            </a:endParaRPr>
+          </a:p>
+          <a:p>
+            <a:r>
+              <a:rPr lang="en-US" sz="1600" dirty="0" smtClean="0"/>
+              <a:t>	This session </a:t>
+            </a:r>
+            <a:r>
+              <a:rPr lang="en-US" sz="1600" dirty="0"/>
+              <a:t>we will cover the basic foundations of neural networks, covering introduction to the </a:t>
+            </a:r>
+            <a:r>
+              <a:rPr lang="en-US" sz="1600" dirty="0" smtClean="0"/>
+              <a:t/>
+            </a:r>
+            <a:br>
+              <a:rPr lang="en-US" sz="1600" dirty="0" smtClean="0"/>
+            </a:br>
+            <a:r>
+              <a:rPr lang="en-US" sz="1600" dirty="0" smtClean="0"/>
+              <a:t>	Perceptron</a:t>
+            </a:r>
+            <a:r>
+              <a:rPr lang="en-US" sz="1600" dirty="0"/>
+              <a:t>, </a:t>
+            </a:r>
+            <a:r>
+              <a:rPr lang="en-US" sz="1600" dirty="0" smtClean="0"/>
+              <a:t>Artificial Neural Networks </a:t>
+            </a:r>
+            <a:r>
+              <a:rPr lang="en-US" sz="1600" dirty="0"/>
+              <a:t>(ANN), </a:t>
+            </a:r>
+            <a:r>
+              <a:rPr lang="en-US" sz="1600" dirty="0" smtClean="0"/>
+              <a:t>Convolutional Neural Networks </a:t>
+            </a:r>
+            <a:r>
+              <a:rPr lang="en-US" sz="1600" dirty="0"/>
+              <a:t>(CNN), </a:t>
+            </a:r>
+            <a:r>
+              <a:rPr lang="en-US" sz="1600" dirty="0" smtClean="0"/>
+              <a:t>Recurrent </a:t>
+            </a:r>
+            <a:br>
+              <a:rPr lang="en-US" sz="1600" dirty="0" smtClean="0"/>
+            </a:br>
+            <a:r>
+              <a:rPr lang="en-US" sz="1600" dirty="0" smtClean="0"/>
+              <a:t>	Neural Networks </a:t>
+            </a:r>
+            <a:r>
+              <a:rPr lang="en-US" sz="1600" dirty="0"/>
+              <a:t>(RNN), and wrap up with </a:t>
+            </a:r>
+            <a:r>
+              <a:rPr lang="en-US" sz="1600" dirty="0" smtClean="0"/>
+              <a:t>Adversarial Attacks </a:t>
+            </a:r>
+            <a:r>
+              <a:rPr lang="en-US" sz="1600" dirty="0"/>
+              <a:t>on </a:t>
+            </a:r>
+            <a:r>
+              <a:rPr lang="en-US" sz="1600" dirty="0" smtClean="0"/>
+              <a:t>Neural Networks</a:t>
+            </a:r>
+            <a:r>
+              <a:rPr lang="en-US" sz="1600" dirty="0"/>
+              <a:t>.</a:t>
+            </a:r>
+            <a:endParaRPr lang="en-US" sz="1600" b="1" dirty="0">
+              <a:solidFill>
+                <a:srgbClr val="00B050"/>
+              </a:solidFill>
+            </a:endParaRPr>
           </a:p>
           <a:p>
             <a:endParaRPr lang="en-US" sz="2800" b="1" dirty="0">
@@ -5282,131 +5413,97 @@
             </a:endParaRPr>
           </a:p>
           <a:p>
-            <a:r>
-              <a:rPr lang="en-US" sz="1600" dirty="0" smtClean="0"/>
-              <a:t>	The first part of this session will </a:t>
-            </a:r>
-            <a:r>
-              <a:rPr lang="en-US" sz="1600" dirty="0"/>
-              <a:t>cover the basic foundations of OOP programming </a:t>
-            </a:r>
-            <a:r>
-              <a:rPr lang="en-US" sz="1600" dirty="0" smtClean="0"/>
-              <a:t>in Python.</a:t>
-            </a:r>
-          </a:p>
-          <a:p>
-            <a:endParaRPr lang="en-US" sz="1600" dirty="0"/>
-          </a:p>
-          <a:p>
-            <a:r>
-              <a:rPr lang="en-US" sz="1600" dirty="0" smtClean="0"/>
-              <a:t>	The second part of this session will cover Python machine </a:t>
-            </a:r>
-            <a:r>
-              <a:rPr lang="en-US" sz="1600" dirty="0"/>
-              <a:t>learning libraries </a:t>
-            </a:r>
-            <a:r>
-              <a:rPr lang="en-US" sz="1600" dirty="0" smtClean="0"/>
-              <a:t>from </a:t>
-            </a:r>
-            <a:r>
-              <a:rPr lang="en-US" sz="1600" dirty="0" err="1" smtClean="0"/>
-              <a:t>Sci</a:t>
-            </a:r>
-            <a:r>
-              <a:rPr lang="en-US" sz="1600" dirty="0" smtClean="0"/>
-              <a:t>-Learn and </a:t>
-            </a:r>
-            <a:br>
-              <a:rPr lang="en-US" sz="1600" dirty="0" smtClean="0"/>
-            </a:br>
-            <a:r>
-              <a:rPr lang="en-US" sz="1600" dirty="0" smtClean="0"/>
-              <a:t>	Torch.</a:t>
-            </a:r>
-            <a:endParaRPr lang="en-US" sz="1600" dirty="0"/>
-          </a:p>
-          <a:p>
-            <a:endParaRPr lang="en-US" sz="1600" b="1" dirty="0" smtClean="0">
-              <a:solidFill>
-                <a:srgbClr val="00B050"/>
-              </a:solidFill>
-            </a:endParaRPr>
-          </a:p>
-          <a:p>
             <a:pPr marL="285750" indent="-285750">
               <a:buFont typeface="Arial" panose="020B0604020202020204" pitchFamily="34" charset="0"/>
               <a:buChar char="•"/>
             </a:pPr>
             <a:r>
-              <a:rPr lang="en-US" sz="2800" b="1" dirty="0" smtClean="0">
+              <a:rPr lang="en-US" sz="2800" b="1" dirty="0">
                 <a:solidFill>
                   <a:schemeClr val="accent5">
                     <a:lumMod val="75000"/>
                   </a:schemeClr>
                 </a:solidFill>
               </a:rPr>
-              <a:t>Session 7: </a:t>
+              <a:t>Session </a:t>
             </a:r>
             <a:r>
               <a:rPr lang="en-US" sz="2800" b="1" dirty="0" smtClean="0">
                 <a:solidFill>
+                  <a:schemeClr val="accent5">
+                    <a:lumMod val="75000"/>
+                  </a:schemeClr>
+                </a:solidFill>
+              </a:rPr>
+              <a:t>5: </a:t>
+            </a:r>
+            <a:r>
+              <a:rPr lang="en-US" sz="2800" b="1" dirty="0" smtClean="0">
+                <a:solidFill>
                   <a:srgbClr val="00B050"/>
                 </a:solidFill>
               </a:rPr>
-              <a:t>Natural Language Processing</a:t>
-            </a:r>
-          </a:p>
-          <a:p>
-            <a:endParaRPr lang="en-US" sz="2800" b="1" dirty="0">
-              <a:solidFill>
-                <a:srgbClr val="00B050"/>
-              </a:solidFill>
-            </a:endParaRPr>
-          </a:p>
-          <a:p>
-            <a:r>
-              <a:rPr lang="en-US" sz="1600" dirty="0" smtClean="0"/>
-              <a:t>	This session will cover the basic foundations of Natural Language Processing covering bags of </a:t>
+              <a:t>Basic Statistics and Regression Analysis</a:t>
+            </a:r>
+          </a:p>
+          <a:p>
+            <a:r>
+              <a:rPr lang="en-US" sz="1600" dirty="0" smtClean="0"/>
+              <a:t>	</a:t>
             </a:r>
             <a:br>
               <a:rPr lang="en-US" sz="1600" dirty="0" smtClean="0"/>
             </a:br>
             <a:r>
               <a:rPr lang="en-US" sz="1600" dirty="0" smtClean="0"/>
-              <a:t>	words, cleaning, stemming, lemmatization, tern frequencies (TF), </a:t>
-            </a:r>
-            <a:r>
-              <a:rPr lang="en-US" sz="1600" dirty="0" err="1" smtClean="0"/>
-              <a:t>interdocument</a:t>
-            </a:r>
-            <a:r>
-              <a:rPr lang="en-US" sz="1600" dirty="0" smtClean="0"/>
-              <a:t> frequencies </a:t>
+              <a:t>	The first part of this session will cover the basic foundations of statistics: standard deviation, </a:t>
             </a:r>
             <a:br>
               <a:rPr lang="en-US" sz="1600" dirty="0" smtClean="0"/>
             </a:br>
             <a:r>
               <a:rPr lang="en-US" sz="1600" dirty="0" smtClean="0"/>
-              <a:t>	(IDF), handling narrative (text) fields in datasets, and word vectors.</a:t>
-            </a:r>
-          </a:p>
-          <a:p>
-            <a:endParaRPr lang="en-US" sz="1600" b="1" dirty="0">
-              <a:solidFill>
-                <a:srgbClr val="00B050"/>
-              </a:solidFill>
-            </a:endParaRPr>
+              <a:t>	normal distribution, sampling distribution, Z-scores, box plots and simple linear regression </a:t>
+            </a:r>
+            <a:br>
+              <a:rPr lang="en-US" sz="1600" dirty="0" smtClean="0"/>
+            </a:br>
+            <a:r>
+              <a:rPr lang="en-US" sz="1600" dirty="0" smtClean="0"/>
+              <a:t>	(also known as the slope of a line). </a:t>
+            </a:r>
+            <a:br>
+              <a:rPr lang="en-US" sz="1600" dirty="0" smtClean="0"/>
+            </a:br>
+            <a:r>
+              <a:rPr lang="en-US" sz="1600" dirty="0" smtClean="0"/>
+              <a:t/>
+            </a:r>
+            <a:br>
+              <a:rPr lang="en-US" sz="1600" dirty="0" smtClean="0"/>
+            </a:br>
+            <a:r>
+              <a:rPr lang="en-US" sz="1600" dirty="0" smtClean="0"/>
+              <a:t>	The second part of this session will cover the basic foundations of preparing datasets, simple </a:t>
+            </a:r>
+            <a:br>
+              <a:rPr lang="en-US" sz="1600" dirty="0" smtClean="0"/>
+            </a:br>
+            <a:r>
+              <a:rPr lang="en-US" sz="1600" dirty="0" smtClean="0"/>
+              <a:t>	and multiple linear regression, decision trees, ensemble methods and confusion matrices.</a:t>
+            </a:r>
+            <a:br>
+              <a:rPr lang="en-US" sz="1600" dirty="0" smtClean="0"/>
+            </a:br>
+            <a:endParaRPr lang="en-US" sz="1600" dirty="0" smtClean="0"/>
           </a:p>
         </p:txBody>
       </p:sp>
     </p:spTree>
     <p:extLst>
       <p:ext uri="{BB962C8B-B14F-4D97-AF65-F5344CB8AC3E}">
-        <p14:creationId xmlns:p14="http://schemas.microsoft.com/office/powerpoint/2010/main" val="3528188456"/>
+        <p14:creationId xmlns:p14="http://schemas.microsoft.com/office/powerpoint/2010/main" val="1524590495"/>
       </p:ext>
     </p:extLst>
   </p:cSld>
@@ -5523,6 +5620,316 @@
         <p:spPr>
           <a:xfrm>
             <a:off x="152400" y="1164134"/>
+            <a:ext cx="9000734" cy="4439677"/>
+          </a:xfrm>
+          <a:prstGeom prst="rect">
+            <a:avLst/>
+          </a:prstGeom>
+          <a:noFill/>
+        </p:spPr>
+        <p:txBody>
+          <a:bodyPr wrap="none" rtlCol="0">
+            <a:spAutoFit/>
+          </a:bodyPr>
+          <a:lstStyle/>
+          <a:p>
+            <a:endParaRPr lang="en-US" sz="1600" b="1" dirty="0" smtClean="0">
+              <a:solidFill>
+                <a:srgbClr val="00B050"/>
+              </a:solidFill>
+            </a:endParaRPr>
+          </a:p>
+          <a:p>
+            <a:pPr marL="285750" indent="-285750">
+              <a:buFont typeface="Arial" panose="020B0604020202020204" pitchFamily="34" charset="0"/>
+              <a:buChar char="•"/>
+            </a:pPr>
+            <a:r>
+              <a:rPr lang="en-US" sz="2800" b="1" dirty="0">
+                <a:solidFill>
+                  <a:schemeClr val="accent5">
+                    <a:lumMod val="75000"/>
+                  </a:schemeClr>
+                </a:solidFill>
+              </a:rPr>
+              <a:t>Session </a:t>
+            </a:r>
+            <a:r>
+              <a:rPr lang="en-US" sz="2800" b="1" dirty="0" smtClean="0">
+                <a:solidFill>
+                  <a:schemeClr val="accent5">
+                    <a:lumMod val="75000"/>
+                  </a:schemeClr>
+                </a:solidFill>
+              </a:rPr>
+              <a:t>6: </a:t>
+            </a:r>
+            <a:r>
+              <a:rPr lang="en-US" sz="2800" b="1" dirty="0">
+                <a:solidFill>
+                  <a:srgbClr val="00B050"/>
+                </a:solidFill>
+              </a:rPr>
+              <a:t>Machine Learning in </a:t>
+            </a:r>
+            <a:r>
+              <a:rPr lang="en-US" sz="2800" b="1" dirty="0" smtClean="0">
+                <a:solidFill>
+                  <a:srgbClr val="00B050"/>
+                </a:solidFill>
+              </a:rPr>
+              <a:t>Python</a:t>
+            </a:r>
+          </a:p>
+          <a:p>
+            <a:endParaRPr lang="en-US" sz="2800" b="1" dirty="0">
+              <a:solidFill>
+                <a:srgbClr val="00B050"/>
+              </a:solidFill>
+            </a:endParaRPr>
+          </a:p>
+          <a:p>
+            <a:r>
+              <a:rPr lang="en-US" sz="1600" dirty="0" smtClean="0"/>
+              <a:t>	The first part of this session will </a:t>
+            </a:r>
+            <a:r>
+              <a:rPr lang="en-US" sz="1600" dirty="0"/>
+              <a:t>cover the basic foundations of OOP programming </a:t>
+            </a:r>
+            <a:r>
+              <a:rPr lang="en-US" sz="1600" dirty="0" smtClean="0"/>
+              <a:t>in Python.</a:t>
+            </a:r>
+          </a:p>
+          <a:p>
+            <a:endParaRPr lang="en-US" sz="1600" dirty="0"/>
+          </a:p>
+          <a:p>
+            <a:r>
+              <a:rPr lang="en-US" sz="1600" dirty="0" smtClean="0"/>
+              <a:t>	The second part of this session will cover Python machine </a:t>
+            </a:r>
+            <a:r>
+              <a:rPr lang="en-US" sz="1600" dirty="0"/>
+              <a:t>learning libraries </a:t>
+            </a:r>
+            <a:r>
+              <a:rPr lang="en-US" sz="1600" dirty="0" smtClean="0"/>
+              <a:t>from </a:t>
+            </a:r>
+            <a:r>
+              <a:rPr lang="en-US" sz="1600" dirty="0" err="1" smtClean="0"/>
+              <a:t>Sci</a:t>
+            </a:r>
+            <a:r>
+              <a:rPr lang="en-US" sz="1600" dirty="0" smtClean="0"/>
+              <a:t>-Learn and </a:t>
+            </a:r>
+            <a:br>
+              <a:rPr lang="en-US" sz="1600" dirty="0" smtClean="0"/>
+            </a:br>
+            <a:r>
+              <a:rPr lang="en-US" sz="1600" dirty="0" smtClean="0"/>
+              <a:t>	Torch.</a:t>
+            </a:r>
+            <a:endParaRPr lang="en-US" sz="1600" dirty="0"/>
+          </a:p>
+          <a:p>
+            <a:endParaRPr lang="en-US" sz="1600" b="1" dirty="0" smtClean="0">
+              <a:solidFill>
+                <a:srgbClr val="00B050"/>
+              </a:solidFill>
+            </a:endParaRPr>
+          </a:p>
+          <a:p>
+            <a:pPr marL="285750" indent="-285750">
+              <a:buFont typeface="Arial" panose="020B0604020202020204" pitchFamily="34" charset="0"/>
+              <a:buChar char="•"/>
+            </a:pPr>
+            <a:r>
+              <a:rPr lang="en-US" sz="2800" b="1" dirty="0" smtClean="0">
+                <a:solidFill>
+                  <a:schemeClr val="accent5">
+                    <a:lumMod val="75000"/>
+                  </a:schemeClr>
+                </a:solidFill>
+              </a:rPr>
+              <a:t>Session 7: </a:t>
+            </a:r>
+            <a:r>
+              <a:rPr lang="en-US" sz="2800" b="1" dirty="0" smtClean="0">
+                <a:solidFill>
+                  <a:srgbClr val="00B050"/>
+                </a:solidFill>
+              </a:rPr>
+              <a:t>Natural Language Processing</a:t>
+            </a:r>
+          </a:p>
+          <a:p>
+            <a:endParaRPr lang="en-US" sz="2800" b="1" dirty="0">
+              <a:solidFill>
+                <a:srgbClr val="00B050"/>
+              </a:solidFill>
+            </a:endParaRPr>
+          </a:p>
+          <a:p>
+            <a:r>
+              <a:rPr lang="en-US" sz="1600" dirty="0" smtClean="0"/>
+              <a:t>	This session will cover the basic foundations of Natural Language Processing covering bags of </a:t>
+            </a:r>
+            <a:br>
+              <a:rPr lang="en-US" sz="1600" dirty="0" smtClean="0"/>
+            </a:br>
+            <a:r>
+              <a:rPr lang="en-US" sz="1600" dirty="0" smtClean="0"/>
+              <a:t>	words, cleaning, stemming, lemmatization, tern frequencies (TF), </a:t>
+            </a:r>
+            <a:r>
+              <a:rPr lang="en-US" sz="1600" dirty="0" err="1" smtClean="0"/>
+              <a:t>interdocument</a:t>
+            </a:r>
+            <a:r>
+              <a:rPr lang="en-US" sz="1600" dirty="0" smtClean="0"/>
+              <a:t> frequencies </a:t>
+            </a:r>
+            <a:br>
+              <a:rPr lang="en-US" sz="1600" dirty="0" smtClean="0"/>
+            </a:br>
+            <a:r>
+              <a:rPr lang="en-US" sz="1600" dirty="0" smtClean="0"/>
+              <a:t>	(IDF), handling narrative (text) fields in datasets, and word vectors.</a:t>
+            </a:r>
+          </a:p>
+          <a:p>
+            <a:endParaRPr lang="en-US" sz="1600" b="1" dirty="0">
+              <a:solidFill>
+                <a:srgbClr val="00B050"/>
+              </a:solidFill>
+            </a:endParaRPr>
+          </a:p>
+        </p:txBody>
+      </p:sp>
+    </p:spTree>
+    <p:extLst>
+      <p:ext uri="{BB962C8B-B14F-4D97-AF65-F5344CB8AC3E}">
+        <p14:creationId xmlns:p14="http://schemas.microsoft.com/office/powerpoint/2010/main" val="3528188456"/>
+      </p:ext>
+    </p:extLst>
+  </p:cSld>
+  <p:clrMapOvr>
+    <a:masterClrMapping/>
+  </p:clrMapOvr>
+  <p:timing>
+    <p:tnLst>
+      <p:par>
+        <p:cTn id="1" dur="indefinite" restart="never" nodeType="tmRoot"/>
+      </p:par>
+    </p:tnLst>
+  </p:timing>
+</p:sld>
+</file>
+
+<file path=ppt/slides/slide8.xml><?xml version="1.0" encoding="utf-8"?>
+<p:sld xmlns:a="http://schemas.openxmlformats.org/drawingml/2006/main" xmlns:r="http://schemas.openxmlformats.org/officeDocument/2006/relationships" xmlns:p="http://schemas.openxmlformats.org/presentationml/2006/main">
+  <p:cSld>
+    <p:spTree>
+      <p:nvGrpSpPr>
+        <p:cNvPr id="1" name=""/>
+        <p:cNvGrpSpPr/>
+        <p:nvPr/>
+      </p:nvGrpSpPr>
+      <p:grpSpPr>
+        <a:xfrm>
+          <a:off x="0" y="0"/>
+          <a:ext cx="0" cy="0"/>
+          <a:chOff x="0" y="0"/>
+          <a:chExt cx="0" cy="0"/>
+        </a:xfrm>
+      </p:grpSpPr>
+      <p:sp>
+        <p:nvSpPr>
+          <p:cNvPr id="2" name="Title 1"/>
+          <p:cNvSpPr>
+            <a:spLocks noGrp="1"/>
+          </p:cNvSpPr>
+          <p:nvPr>
+            <p:ph type="title"/>
+          </p:nvPr>
+        </p:nvSpPr>
+        <p:spPr>
+          <a:xfrm>
+            <a:off x="457200" y="274638"/>
+            <a:ext cx="8305800" cy="792162"/>
+          </a:xfrm>
+        </p:spPr>
+        <p:txBody>
+          <a:bodyPr>
+            <a:normAutofit/>
+          </a:bodyPr>
+          <a:lstStyle/>
+          <a:p>
+            <a:pPr algn="l"/>
+            <a:r>
+              <a:rPr lang="en-US" dirty="0" smtClean="0">
+                <a:solidFill>
+                  <a:schemeClr val="accent1">
+                    <a:lumMod val="75000"/>
+                  </a:schemeClr>
+                </a:solidFill>
+              </a:rPr>
+              <a:t>Syllabus</a:t>
+            </a:r>
+            <a:endParaRPr lang="en-US" dirty="0">
+              <a:solidFill>
+                <a:schemeClr val="accent1">
+                  <a:lumMod val="75000"/>
+                </a:schemeClr>
+              </a:solidFill>
+            </a:endParaRPr>
+          </a:p>
+        </p:txBody>
+      </p:sp>
+      <p:cxnSp>
+        <p:nvCxnSpPr>
+          <p:cNvPr id="5" name="Straight Connector 4"/>
+          <p:cNvCxnSpPr/>
+          <p:nvPr/>
+        </p:nvCxnSpPr>
+        <p:spPr>
+          <a:xfrm>
+            <a:off x="0" y="990600"/>
+            <a:ext cx="9144000" cy="0"/>
+          </a:xfrm>
+          <a:prstGeom prst="line">
+            <a:avLst/>
+          </a:prstGeom>
+          <a:ln w="19050"/>
+        </p:spPr>
+        <p:style>
+          <a:lnRef idx="1">
+            <a:schemeClr val="accent1"/>
+          </a:lnRef>
+          <a:fillRef idx="0">
+            <a:schemeClr val="accent1"/>
+          </a:fillRef>
+          <a:effectRef idx="0">
+            <a:schemeClr val="accent1"/>
+          </a:effectRef>
+          <a:fontRef idx="minor">
+            <a:schemeClr val="tx1"/>
+          </a:fontRef>
+        </p:style>
+      </p:cxnSp>
+      <p:sp>
+        <p:nvSpPr>
+          <p:cNvPr id="36" name="TextBox 35"/>
+          <p:cNvSpPr txBox="1"/>
+          <p:nvPr/>
+        </p:nvSpPr>
+        <p:spPr>
+          <a:xfrm>
+            <a:off x="152400" y="1164134"/>
             <a:ext cx="9029395" cy="5093702"/>
           </a:xfrm>
           <a:prstGeom prst="rect">
@@ -5606,11 +6013,7 @@
             </a:br>
             <a:r>
               <a:rPr lang="en-US" sz="1600" dirty="0" smtClean="0"/>
-              <a:t>	autonomous world, covering </a:t>
-            </a:r>
-            <a:r>
-              <a:rPr lang="en-US" sz="1600" dirty="0" smtClean="0"/>
-              <a:t>GPS, cameras, IDAR, and sonic sensors.</a:t>
+              <a:t>	autonomous world, covering GPS, cameras, IDAR, and sonic sensors.</a:t>
             </a:r>
           </a:p>
           <a:p>
@@ -5631,7 +6034,6 @@
               <a:rPr lang="en-US" sz="1600" dirty="0" smtClean="0"/>
               <a:t>computer vision.</a:t>
             </a:r>
-            <a:endParaRPr lang="en-US" sz="1600" dirty="0" smtClean="0"/>
           </a:p>
           <a:p>
             <a:endParaRPr lang="en-US" sz="1050" b="1" dirty="0">
@@ -5790,7 +6192,7 @@
 </p:sld>
 </file>
 
-<file path=ppt/slides/slide8.xml><?xml version="1.0" encoding="utf-8"?>
+<file path=ppt/slides/slide9.xml><?xml version="1.0" encoding="utf-8"?>
 <p:sld xmlns:a="http://schemas.openxmlformats.org/drawingml/2006/main" xmlns:r="http://schemas.openxmlformats.org/officeDocument/2006/relationships" xmlns:p="http://schemas.openxmlformats.org/presentationml/2006/main">
   <p:cSld>
     <p:spTree>

--- a/Presentations/AI Training Syllabus.pptx
+++ b/Presentations/AI Training Syllabus.pptx
@@ -200,7 +200,7 @@
           <a:p>
             <a:fld id="{FAF957FC-5175-49AC-8D2B-2F056FFFC1DD}" type="datetimeFigureOut">
               <a:rPr lang="en-US" smtClean="0"/>
-              <a:t>10/27/2017</a:t>
+              <a:t>11/23/2017</a:t>
             </a:fld>
             <a:endParaRPr lang="en-US"/>
           </a:p>
@@ -650,7 +650,7 @@
             <a:fld id="{1D8BD707-D9CF-40AE-B4C6-C98DA3205C09}" type="datetimeFigureOut">
               <a:rPr lang="en-US" smtClean="0"/>
               <a:pPr/>
-              <a:t>10/27/2017</a:t>
+              <a:t>11/23/2017</a:t>
             </a:fld>
             <a:endParaRPr lang="en-US"/>
           </a:p>
@@ -817,7 +817,7 @@
             <a:fld id="{1D8BD707-D9CF-40AE-B4C6-C98DA3205C09}" type="datetimeFigureOut">
               <a:rPr lang="en-US" smtClean="0"/>
               <a:pPr/>
-              <a:t>10/27/2017</a:t>
+              <a:t>11/23/2017</a:t>
             </a:fld>
             <a:endParaRPr lang="en-US"/>
           </a:p>
@@ -994,7 +994,7 @@
             <a:fld id="{1D8BD707-D9CF-40AE-B4C6-C98DA3205C09}" type="datetimeFigureOut">
               <a:rPr lang="en-US" smtClean="0"/>
               <a:pPr/>
-              <a:t>10/27/2017</a:t>
+              <a:t>11/23/2017</a:t>
             </a:fld>
             <a:endParaRPr lang="en-US"/>
           </a:p>
@@ -1161,7 +1161,7 @@
             <a:fld id="{1D8BD707-D9CF-40AE-B4C6-C98DA3205C09}" type="datetimeFigureOut">
               <a:rPr lang="en-US" smtClean="0"/>
               <a:pPr/>
-              <a:t>10/27/2017</a:t>
+              <a:t>11/23/2017</a:t>
             </a:fld>
             <a:endParaRPr lang="en-US"/>
           </a:p>
@@ -1404,7 +1404,7 @@
             <a:fld id="{1D8BD707-D9CF-40AE-B4C6-C98DA3205C09}" type="datetimeFigureOut">
               <a:rPr lang="en-US" smtClean="0"/>
               <a:pPr/>
-              <a:t>10/27/2017</a:t>
+              <a:t>11/23/2017</a:t>
             </a:fld>
             <a:endParaRPr lang="en-US"/>
           </a:p>
@@ -1689,7 +1689,7 @@
             <a:fld id="{1D8BD707-D9CF-40AE-B4C6-C98DA3205C09}" type="datetimeFigureOut">
               <a:rPr lang="en-US" smtClean="0"/>
               <a:pPr/>
-              <a:t>10/27/2017</a:t>
+              <a:t>11/23/2017</a:t>
             </a:fld>
             <a:endParaRPr lang="en-US"/>
           </a:p>
@@ -2108,7 +2108,7 @@
             <a:fld id="{1D8BD707-D9CF-40AE-B4C6-C98DA3205C09}" type="datetimeFigureOut">
               <a:rPr lang="en-US" smtClean="0"/>
               <a:pPr/>
-              <a:t>10/27/2017</a:t>
+              <a:t>11/23/2017</a:t>
             </a:fld>
             <a:endParaRPr lang="en-US"/>
           </a:p>
@@ -2223,7 +2223,7 @@
             <a:fld id="{1D8BD707-D9CF-40AE-B4C6-C98DA3205C09}" type="datetimeFigureOut">
               <a:rPr lang="en-US" smtClean="0"/>
               <a:pPr/>
-              <a:t>10/27/2017</a:t>
+              <a:t>11/23/2017</a:t>
             </a:fld>
             <a:endParaRPr lang="en-US"/>
           </a:p>
@@ -2315,7 +2315,7 @@
             <a:fld id="{1D8BD707-D9CF-40AE-B4C6-C98DA3205C09}" type="datetimeFigureOut">
               <a:rPr lang="en-US" smtClean="0"/>
               <a:pPr/>
-              <a:t>10/27/2017</a:t>
+              <a:t>11/23/2017</a:t>
             </a:fld>
             <a:endParaRPr lang="en-US"/>
           </a:p>
@@ -2589,7 +2589,7 @@
             <a:fld id="{1D8BD707-D9CF-40AE-B4C6-C98DA3205C09}" type="datetimeFigureOut">
               <a:rPr lang="en-US" smtClean="0"/>
               <a:pPr/>
-              <a:t>10/27/2017</a:t>
+              <a:t>11/23/2017</a:t>
             </a:fld>
             <a:endParaRPr lang="en-US"/>
           </a:p>
@@ -2839,7 +2839,7 @@
             <a:fld id="{1D8BD707-D9CF-40AE-B4C6-C98DA3205C09}" type="datetimeFigureOut">
               <a:rPr lang="en-US" smtClean="0"/>
               <a:pPr/>
-              <a:t>10/27/2017</a:t>
+              <a:t>11/23/2017</a:t>
             </a:fld>
             <a:endParaRPr lang="en-US"/>
           </a:p>
@@ -3049,7 +3049,7 @@
             <a:fld id="{1D8BD707-D9CF-40AE-B4C6-C98DA3205C09}" type="datetimeFigureOut">
               <a:rPr lang="en-US" smtClean="0"/>
               <a:pPr/>
-              <a:t>10/27/2017</a:t>
+              <a:t>11/23/2017</a:t>
             </a:fld>
             <a:endParaRPr lang="en-US"/>
           </a:p>
@@ -3448,10 +3448,6 @@
               <a:rPr lang="en-US" dirty="0" smtClean="0"/>
               <a:t>“Crowd Training”</a:t>
             </a:r>
-            <a:r>
-              <a:rPr lang="en-US" dirty="0" smtClean="0"/>
-              <a:t/>
-            </a:r>
             <a:br>
               <a:rPr lang="en-US" dirty="0" smtClean="0"/>
             </a:br>
@@ -6096,8 +6092,21 @@
             </a:r>
             <a:r>
               <a:rPr lang="en-US" sz="1600" dirty="0" smtClean="0"/>
-              <a:t>common libraries.</a:t>
-            </a:r>
+              <a:t>common </a:t>
+            </a:r>
+            <a:r>
+              <a:rPr lang="en-US" sz="1600" dirty="0" smtClean="0"/>
+              <a:t>libraries (Ernest </a:t>
+            </a:r>
+            <a:r>
+              <a:rPr lang="en-US" sz="1600" dirty="0" err="1" smtClean="0"/>
+              <a:t>Bonat</a:t>
+            </a:r>
+            <a:r>
+              <a:rPr lang="en-US" sz="1600" dirty="0" smtClean="0"/>
+              <a:t>, PhD).</a:t>
+            </a:r>
+            <a:endParaRPr lang="en-US" sz="1600" dirty="0" smtClean="0"/>
           </a:p>
           <a:p>
             <a:endParaRPr lang="en-US" sz="1600" b="1" dirty="0" smtClean="0">
@@ -6167,8 +6176,13 @@
             </a:r>
             <a:r>
               <a:rPr lang="en-US" sz="1600" dirty="0" smtClean="0"/>
-              <a:t>syntax, and common approaches and design techniques.</a:t>
-            </a:r>
+              <a:t>syntax, and common approaches and design techniques</a:t>
+            </a:r>
+            <a:r>
+              <a:rPr lang="en-US" sz="1600" dirty="0" smtClean="0"/>
+              <a:t>. (Julio Barros, MS)</a:t>
+            </a:r>
+            <a:endParaRPr lang="en-US" sz="1600" dirty="0" smtClean="0"/>
           </a:p>
         </p:txBody>
       </p:sp>
@@ -6292,7 +6306,7 @@
         <p:spPr>
           <a:xfrm>
             <a:off x="152400" y="1164134"/>
-            <a:ext cx="8416086" cy="2923877"/>
+            <a:ext cx="8500084" cy="4524315"/>
           </a:xfrm>
           <a:prstGeom prst="rect">
             <a:avLst/>
@@ -6310,7 +6324,7 @@
               <a:buChar char="•"/>
             </a:pPr>
             <a:r>
-              <a:rPr lang="en-US" sz="2800" b="1" dirty="0" smtClean="0">
+              <a:rPr lang="en-US" sz="2800" b="1" dirty="0">
                 <a:solidFill>
                   <a:schemeClr val="accent5">
                     <a:lumMod val="75000"/>
@@ -6318,6 +6332,96 @@
                 </a:solidFill>
               </a:rPr>
               <a:t>Session 11: </a:t>
+            </a:r>
+            <a:r>
+              <a:rPr lang="en-US" sz="2800" b="1" dirty="0">
+                <a:solidFill>
+                  <a:srgbClr val="00B050"/>
+                </a:solidFill>
+              </a:rPr>
+              <a:t>Workshop – </a:t>
+            </a:r>
+            <a:r>
+              <a:rPr lang="en-US" sz="2800" b="1" dirty="0" smtClean="0">
+                <a:solidFill>
+                  <a:srgbClr val="00B050"/>
+                </a:solidFill>
+              </a:rPr>
+              <a:t>Exploratory Data Analysis</a:t>
+            </a:r>
+            <a:r>
+              <a:rPr lang="en-US" sz="1600" b="1" dirty="0" smtClean="0">
+                <a:solidFill>
+                  <a:srgbClr val="00B050"/>
+                </a:solidFill>
+              </a:rPr>
+              <a:t/>
+            </a:r>
+            <a:br>
+              <a:rPr lang="en-US" sz="1600" b="1" dirty="0" smtClean="0">
+                <a:solidFill>
+                  <a:srgbClr val="00B050"/>
+                </a:solidFill>
+              </a:rPr>
+            </a:br>
+            <a:r>
+              <a:rPr lang="en-US" sz="1600" dirty="0"/>
+              <a:t/>
+            </a:r>
+            <a:br>
+              <a:rPr lang="en-US" sz="1600" dirty="0"/>
+            </a:br>
+            <a:r>
+              <a:rPr lang="en-US" sz="1600" dirty="0"/>
+              <a:t>	This workshop will cover </a:t>
+            </a:r>
+            <a:r>
+              <a:rPr lang="en-US" sz="1600" dirty="0" smtClean="0"/>
+              <a:t>analyzing and preparing datasets for machine learning, covering</a:t>
+            </a:r>
+          </a:p>
+          <a:p>
+            <a:r>
+              <a:rPr lang="en-US" sz="1600" b="1" dirty="0">
+                <a:solidFill>
+                  <a:srgbClr val="00B050"/>
+                </a:solidFill>
+              </a:rPr>
+              <a:t>	</a:t>
+            </a:r>
+            <a:r>
+              <a:rPr lang="en-US" sz="1600" dirty="0" smtClean="0"/>
+              <a:t>PCA</a:t>
+            </a:r>
+            <a:r>
+              <a:rPr lang="en-US" sz="1600" smtClean="0"/>
+              <a:t>, TBA …</a:t>
+            </a:r>
+            <a:endParaRPr lang="en-US" sz="1600" dirty="0"/>
+          </a:p>
+          <a:p>
+            <a:endParaRPr lang="en-US" sz="2800" b="1" dirty="0" smtClean="0">
+              <a:solidFill>
+                <a:schemeClr val="accent5">
+                  <a:lumMod val="75000"/>
+                </a:schemeClr>
+              </a:solidFill>
+            </a:endParaRPr>
+          </a:p>
+          <a:p>
+            <a:pPr marL="285750" indent="-285750">
+              <a:buFont typeface="Arial" panose="020B0604020202020204" pitchFamily="34" charset="0"/>
+              <a:buChar char="•"/>
+            </a:pPr>
+            <a:r>
+              <a:rPr lang="en-US" sz="2800" b="1" dirty="0" smtClean="0">
+                <a:solidFill>
+                  <a:schemeClr val="accent5">
+                    <a:lumMod val="75000"/>
+                  </a:schemeClr>
+                </a:solidFill>
+              </a:rPr>
+              <a:t>Session 12: </a:t>
             </a:r>
             <a:r>
               <a:rPr lang="en-US" sz="2800" b="1" dirty="0" smtClean="0">
@@ -6393,7 +6497,17 @@
                   </a:schemeClr>
                 </a:solidFill>
               </a:rPr>
-              <a:t>Session 12: </a:t>
+              <a:t>Session </a:t>
+            </a:r>
+            <a:r>
+              <a:rPr lang="en-US" sz="2800" b="1" dirty="0" smtClean="0">
+                <a:solidFill>
+                  <a:schemeClr val="accent5">
+                    <a:lumMod val="75000"/>
+                  </a:schemeClr>
+                </a:solidFill>
+              </a:rPr>
+              <a:t>13: </a:t>
             </a:r>
             <a:r>
               <a:rPr lang="en-US" sz="2800" b="1" dirty="0" smtClean="0">
@@ -6442,11 +6556,7 @@
             </a:r>
             <a:r>
               <a:rPr lang="en-US" sz="1600" dirty="0" smtClean="0"/>
-              <a:t>, covering the Azure </a:t>
-            </a:r>
-            <a:r>
-              <a:rPr lang="en-US" sz="1600" smtClean="0"/>
-              <a:t>Machine Learning Studio.</a:t>
+              <a:t>, covering the Azure Machine Learning Studio.</a:t>
             </a:r>
             <a:endParaRPr lang="en-US" sz="1600" b="1" dirty="0">
               <a:solidFill>

--- a/Presentations/AI Training Syllabus.pptx
+++ b/Presentations/AI Training Syllabus.pptx
@@ -5,7 +5,7 @@
     <p:sldMasterId id="2147483648" r:id="rId1"/>
   </p:sldMasterIdLst>
   <p:notesMasterIdLst>
-    <p:notesMasterId r:id="rId11"/>
+    <p:notesMasterId r:id="rId12"/>
   </p:notesMasterIdLst>
   <p:sldIdLst>
     <p:sldId id="256" r:id="rId2"/>
@@ -13,10 +13,11 @@
     <p:sldId id="282" r:id="rId4"/>
     <p:sldId id="288" r:id="rId5"/>
     <p:sldId id="283" r:id="rId6"/>
-    <p:sldId id="284" r:id="rId7"/>
-    <p:sldId id="285" r:id="rId8"/>
-    <p:sldId id="286" r:id="rId9"/>
-    <p:sldId id="287" r:id="rId10"/>
+    <p:sldId id="289" r:id="rId7"/>
+    <p:sldId id="284" r:id="rId8"/>
+    <p:sldId id="285" r:id="rId9"/>
+    <p:sldId id="286" r:id="rId10"/>
+    <p:sldId id="287" r:id="rId11"/>
   </p:sldIdLst>
   <p:sldSz cx="9144000" cy="6858000" type="screen4x3"/>
   <p:notesSz cx="6858000" cy="9144000"/>
@@ -200,7 +201,7 @@
           <a:p>
             <a:fld id="{FAF957FC-5175-49AC-8D2B-2F056FFFC1DD}" type="datetimeFigureOut">
               <a:rPr lang="en-US" smtClean="0"/>
-              <a:t>11/23/2017</a:t>
+              <a:t>12/3/2017</a:t>
             </a:fld>
             <a:endParaRPr lang="en-US"/>
           </a:p>
@@ -650,7 +651,7 @@
             <a:fld id="{1D8BD707-D9CF-40AE-B4C6-C98DA3205C09}" type="datetimeFigureOut">
               <a:rPr lang="en-US" smtClean="0"/>
               <a:pPr/>
-              <a:t>11/23/2017</a:t>
+              <a:t>12/3/2017</a:t>
             </a:fld>
             <a:endParaRPr lang="en-US"/>
           </a:p>
@@ -817,7 +818,7 @@
             <a:fld id="{1D8BD707-D9CF-40AE-B4C6-C98DA3205C09}" type="datetimeFigureOut">
               <a:rPr lang="en-US" smtClean="0"/>
               <a:pPr/>
-              <a:t>11/23/2017</a:t>
+              <a:t>12/3/2017</a:t>
             </a:fld>
             <a:endParaRPr lang="en-US"/>
           </a:p>
@@ -994,7 +995,7 @@
             <a:fld id="{1D8BD707-D9CF-40AE-B4C6-C98DA3205C09}" type="datetimeFigureOut">
               <a:rPr lang="en-US" smtClean="0"/>
               <a:pPr/>
-              <a:t>11/23/2017</a:t>
+              <a:t>12/3/2017</a:t>
             </a:fld>
             <a:endParaRPr lang="en-US"/>
           </a:p>
@@ -1161,7 +1162,7 @@
             <a:fld id="{1D8BD707-D9CF-40AE-B4C6-C98DA3205C09}" type="datetimeFigureOut">
               <a:rPr lang="en-US" smtClean="0"/>
               <a:pPr/>
-              <a:t>11/23/2017</a:t>
+              <a:t>12/3/2017</a:t>
             </a:fld>
             <a:endParaRPr lang="en-US"/>
           </a:p>
@@ -1404,7 +1405,7 @@
             <a:fld id="{1D8BD707-D9CF-40AE-B4C6-C98DA3205C09}" type="datetimeFigureOut">
               <a:rPr lang="en-US" smtClean="0"/>
               <a:pPr/>
-              <a:t>11/23/2017</a:t>
+              <a:t>12/3/2017</a:t>
             </a:fld>
             <a:endParaRPr lang="en-US"/>
           </a:p>
@@ -1689,7 +1690,7 @@
             <a:fld id="{1D8BD707-D9CF-40AE-B4C6-C98DA3205C09}" type="datetimeFigureOut">
               <a:rPr lang="en-US" smtClean="0"/>
               <a:pPr/>
-              <a:t>11/23/2017</a:t>
+              <a:t>12/3/2017</a:t>
             </a:fld>
             <a:endParaRPr lang="en-US"/>
           </a:p>
@@ -2108,7 +2109,7 @@
             <a:fld id="{1D8BD707-D9CF-40AE-B4C6-C98DA3205C09}" type="datetimeFigureOut">
               <a:rPr lang="en-US" smtClean="0"/>
               <a:pPr/>
-              <a:t>11/23/2017</a:t>
+              <a:t>12/3/2017</a:t>
             </a:fld>
             <a:endParaRPr lang="en-US"/>
           </a:p>
@@ -2223,7 +2224,7 @@
             <a:fld id="{1D8BD707-D9CF-40AE-B4C6-C98DA3205C09}" type="datetimeFigureOut">
               <a:rPr lang="en-US" smtClean="0"/>
               <a:pPr/>
-              <a:t>11/23/2017</a:t>
+              <a:t>12/3/2017</a:t>
             </a:fld>
             <a:endParaRPr lang="en-US"/>
           </a:p>
@@ -2315,7 +2316,7 @@
             <a:fld id="{1D8BD707-D9CF-40AE-B4C6-C98DA3205C09}" type="datetimeFigureOut">
               <a:rPr lang="en-US" smtClean="0"/>
               <a:pPr/>
-              <a:t>11/23/2017</a:t>
+              <a:t>12/3/2017</a:t>
             </a:fld>
             <a:endParaRPr lang="en-US"/>
           </a:p>
@@ -2589,7 +2590,7 @@
             <a:fld id="{1D8BD707-D9CF-40AE-B4C6-C98DA3205C09}" type="datetimeFigureOut">
               <a:rPr lang="en-US" smtClean="0"/>
               <a:pPr/>
-              <a:t>11/23/2017</a:t>
+              <a:t>12/3/2017</a:t>
             </a:fld>
             <a:endParaRPr lang="en-US"/>
           </a:p>
@@ -2839,7 +2840,7 @@
             <a:fld id="{1D8BD707-D9CF-40AE-B4C6-C98DA3205C09}" type="datetimeFigureOut">
               <a:rPr lang="en-US" smtClean="0"/>
               <a:pPr/>
-              <a:t>11/23/2017</a:t>
+              <a:t>12/3/2017</a:t>
             </a:fld>
             <a:endParaRPr lang="en-US"/>
           </a:p>
@@ -3049,7 +3050,7 @@
             <a:fld id="{1D8BD707-D9CF-40AE-B4C6-C98DA3205C09}" type="datetimeFigureOut">
               <a:rPr lang="en-US" smtClean="0"/>
               <a:pPr/>
-              <a:t>11/23/2017</a:t>
+              <a:t>12/3/2017</a:t>
             </a:fld>
             <a:endParaRPr lang="en-US"/>
           </a:p>
@@ -3701,6 +3702,448 @@
 </p:sld>
 </file>
 
+<file path=ppt/slides/slide10.xml><?xml version="1.0" encoding="utf-8"?>
+<p:sld xmlns:a="http://schemas.openxmlformats.org/drawingml/2006/main" xmlns:r="http://schemas.openxmlformats.org/officeDocument/2006/relationships" xmlns:p="http://schemas.openxmlformats.org/presentationml/2006/main">
+  <p:cSld>
+    <p:spTree>
+      <p:nvGrpSpPr>
+        <p:cNvPr id="1" name=""/>
+        <p:cNvGrpSpPr/>
+        <p:nvPr/>
+      </p:nvGrpSpPr>
+      <p:grpSpPr>
+        <a:xfrm>
+          <a:off x="0" y="0"/>
+          <a:ext cx="0" cy="0"/>
+          <a:chOff x="0" y="0"/>
+          <a:chExt cx="0" cy="0"/>
+        </a:xfrm>
+      </p:grpSpPr>
+      <p:sp>
+        <p:nvSpPr>
+          <p:cNvPr id="2" name="Title 1"/>
+          <p:cNvSpPr>
+            <a:spLocks noGrp="1"/>
+          </p:cNvSpPr>
+          <p:nvPr>
+            <p:ph type="title"/>
+          </p:nvPr>
+        </p:nvSpPr>
+        <p:spPr>
+          <a:xfrm>
+            <a:off x="457200" y="274638"/>
+            <a:ext cx="8305800" cy="792162"/>
+          </a:xfrm>
+        </p:spPr>
+        <p:txBody>
+          <a:bodyPr>
+            <a:normAutofit/>
+          </a:bodyPr>
+          <a:lstStyle/>
+          <a:p>
+            <a:pPr algn="l"/>
+            <a:r>
+              <a:rPr lang="en-US" dirty="0" smtClean="0">
+                <a:solidFill>
+                  <a:schemeClr val="accent1">
+                    <a:lumMod val="75000"/>
+                  </a:schemeClr>
+                </a:solidFill>
+              </a:rPr>
+              <a:t>Syllabus</a:t>
+            </a:r>
+            <a:endParaRPr lang="en-US" dirty="0">
+              <a:solidFill>
+                <a:schemeClr val="accent1">
+                  <a:lumMod val="75000"/>
+                </a:schemeClr>
+              </a:solidFill>
+            </a:endParaRPr>
+          </a:p>
+        </p:txBody>
+      </p:sp>
+      <p:cxnSp>
+        <p:nvCxnSpPr>
+          <p:cNvPr id="5" name="Straight Connector 4"/>
+          <p:cNvCxnSpPr/>
+          <p:nvPr/>
+        </p:nvCxnSpPr>
+        <p:spPr>
+          <a:xfrm>
+            <a:off x="0" y="990600"/>
+            <a:ext cx="9144000" cy="0"/>
+          </a:xfrm>
+          <a:prstGeom prst="line">
+            <a:avLst/>
+          </a:prstGeom>
+          <a:ln w="19050"/>
+        </p:spPr>
+        <p:style>
+          <a:lnRef idx="1">
+            <a:schemeClr val="accent1"/>
+          </a:lnRef>
+          <a:fillRef idx="0">
+            <a:schemeClr val="accent1"/>
+          </a:fillRef>
+          <a:effectRef idx="0">
+            <a:schemeClr val="accent1"/>
+          </a:effectRef>
+          <a:fontRef idx="minor">
+            <a:schemeClr val="tx1"/>
+          </a:fontRef>
+        </p:style>
+      </p:cxnSp>
+      <p:sp>
+        <p:nvSpPr>
+          <p:cNvPr id="36" name="TextBox 35"/>
+          <p:cNvSpPr txBox="1"/>
+          <p:nvPr/>
+        </p:nvSpPr>
+        <p:spPr>
+          <a:xfrm>
+            <a:off x="152400" y="1164134"/>
+            <a:ext cx="8825173" cy="5509200"/>
+          </a:xfrm>
+          <a:prstGeom prst="rect">
+            <a:avLst/>
+          </a:prstGeom>
+          <a:noFill/>
+        </p:spPr>
+        <p:txBody>
+          <a:bodyPr wrap="none" rtlCol="0">
+            <a:spAutoFit/>
+          </a:bodyPr>
+          <a:lstStyle/>
+          <a:p>
+            <a:pPr marL="285750" indent="-285750">
+              <a:buFont typeface="Arial" panose="020B0604020202020204" pitchFamily="34" charset="0"/>
+              <a:buChar char="•"/>
+            </a:pPr>
+            <a:r>
+              <a:rPr lang="en-US" sz="2800" b="1" dirty="0">
+                <a:solidFill>
+                  <a:schemeClr val="accent5">
+                    <a:lumMod val="75000"/>
+                  </a:schemeClr>
+                </a:solidFill>
+              </a:rPr>
+              <a:t>Session 11: </a:t>
+            </a:r>
+            <a:r>
+              <a:rPr lang="en-US" sz="2800" b="1" dirty="0">
+                <a:solidFill>
+                  <a:srgbClr val="00B050"/>
+                </a:solidFill>
+              </a:rPr>
+              <a:t>Workshop – </a:t>
+            </a:r>
+            <a:r>
+              <a:rPr lang="en-US" sz="2800" b="1" dirty="0" smtClean="0">
+                <a:solidFill>
+                  <a:srgbClr val="00B050"/>
+                </a:solidFill>
+              </a:rPr>
+              <a:t>Exploratory Data Analysis</a:t>
+            </a:r>
+            <a:r>
+              <a:rPr lang="en-US" sz="1600" b="1" dirty="0" smtClean="0">
+                <a:solidFill>
+                  <a:srgbClr val="00B050"/>
+                </a:solidFill>
+              </a:rPr>
+              <a:t/>
+            </a:r>
+            <a:br>
+              <a:rPr lang="en-US" sz="1600" b="1" dirty="0" smtClean="0">
+                <a:solidFill>
+                  <a:srgbClr val="00B050"/>
+                </a:solidFill>
+              </a:rPr>
+            </a:br>
+            <a:r>
+              <a:rPr lang="en-US" sz="1600" dirty="0"/>
+              <a:t/>
+            </a:r>
+            <a:br>
+              <a:rPr lang="en-US" sz="1600" dirty="0"/>
+            </a:br>
+            <a:r>
+              <a:rPr lang="en-US" sz="1600" dirty="0"/>
+              <a:t>	This workshop will cover </a:t>
+            </a:r>
+            <a:r>
+              <a:rPr lang="en-US" sz="1600" dirty="0" smtClean="0"/>
+              <a:t>analyzing and preparing datasets for machine </a:t>
+            </a:r>
+            <a:r>
+              <a:rPr lang="en-US" sz="1600" dirty="0" smtClean="0"/>
+              <a:t>learning. </a:t>
+            </a:r>
+            <a:r>
+              <a:rPr lang="en-US" sz="1600" dirty="0"/>
+              <a:t>Before </a:t>
+            </a:r>
+            <a:r>
+              <a:rPr lang="en-US" sz="1600" dirty="0" smtClean="0"/>
+              <a:t/>
+            </a:r>
+            <a:br>
+              <a:rPr lang="en-US" sz="1600" dirty="0" smtClean="0"/>
+            </a:br>
+            <a:r>
+              <a:rPr lang="en-US" sz="1600" dirty="0" smtClean="0"/>
+              <a:t>	throwing data </a:t>
+            </a:r>
+            <a:r>
+              <a:rPr lang="en-US" sz="1600" dirty="0"/>
+              <a:t>into any complicated analytical algorithm, there are some quick visualizations </a:t>
+            </a:r>
+            <a:r>
+              <a:rPr lang="en-US" sz="1600" dirty="0" smtClean="0"/>
+              <a:t/>
+            </a:r>
+            <a:br>
+              <a:rPr lang="en-US" sz="1600" dirty="0" smtClean="0"/>
+            </a:br>
+            <a:r>
+              <a:rPr lang="en-US" sz="1600" dirty="0" smtClean="0"/>
+              <a:t>	and </a:t>
+            </a:r>
+            <a:r>
+              <a:rPr lang="en-US" sz="1600" dirty="0"/>
+              <a:t>simple statistical calculations that provide a gut-level understanding of (or, "feel for") </a:t>
+            </a:r>
+            <a:r>
+              <a:rPr lang="en-US" sz="1600" dirty="0" smtClean="0"/>
+              <a:t>the</a:t>
+            </a:r>
+            <a:br>
+              <a:rPr lang="en-US" sz="1600" dirty="0" smtClean="0"/>
+            </a:br>
+            <a:r>
+              <a:rPr lang="en-US" sz="1600" dirty="0" smtClean="0"/>
+              <a:t>	 </a:t>
+            </a:r>
+            <a:r>
+              <a:rPr lang="en-US" sz="1600" dirty="0"/>
+              <a:t>data. These techniques fall under a category called, "Exploratory Data Analysis</a:t>
+            </a:r>
+            <a:r>
+              <a:rPr lang="en-US" sz="1600" dirty="0" smtClean="0"/>
+              <a:t>". </a:t>
+            </a:r>
+          </a:p>
+          <a:p>
+            <a:pPr marL="285750" indent="-285750">
+              <a:buFont typeface="Arial" panose="020B0604020202020204" pitchFamily="34" charset="0"/>
+              <a:buChar char="•"/>
+            </a:pPr>
+            <a:endParaRPr lang="en-US" sz="1600" dirty="0"/>
+          </a:p>
+          <a:p>
+            <a:r>
+              <a:rPr lang="en-US" sz="1600" dirty="0"/>
+              <a:t>	We'll cover some specific tools available </a:t>
+            </a:r>
+            <a:r>
+              <a:rPr lang="en-US" sz="1600"/>
+              <a:t>in </a:t>
+            </a:r>
+            <a:r>
+              <a:rPr lang="en-US" sz="1600" smtClean="0"/>
+              <a:t>Python. </a:t>
+            </a:r>
+            <a:r>
+              <a:rPr lang="en-US" sz="1600" dirty="0" smtClean="0"/>
+              <a:t>(Matt </a:t>
+            </a:r>
+            <a:r>
+              <a:rPr lang="en-US" sz="1600" dirty="0" err="1" smtClean="0"/>
+              <a:t>Borthwick</a:t>
+            </a:r>
+            <a:r>
+              <a:rPr lang="en-US" sz="1600" dirty="0" smtClean="0"/>
+              <a:t>. PhD)</a:t>
+            </a:r>
+            <a:endParaRPr lang="en-US" sz="1600" dirty="0" smtClean="0"/>
+          </a:p>
+          <a:p>
+            <a:endParaRPr lang="en-US" sz="2800" b="1" dirty="0" smtClean="0">
+              <a:solidFill>
+                <a:schemeClr val="accent5">
+                  <a:lumMod val="75000"/>
+                </a:schemeClr>
+              </a:solidFill>
+            </a:endParaRPr>
+          </a:p>
+          <a:p>
+            <a:pPr marL="285750" indent="-285750">
+              <a:buFont typeface="Arial" panose="020B0604020202020204" pitchFamily="34" charset="0"/>
+              <a:buChar char="•"/>
+            </a:pPr>
+            <a:r>
+              <a:rPr lang="en-US" sz="2800" b="1" dirty="0" smtClean="0">
+                <a:solidFill>
+                  <a:schemeClr val="accent5">
+                    <a:lumMod val="75000"/>
+                  </a:schemeClr>
+                </a:solidFill>
+              </a:rPr>
+              <a:t>Session 12: </a:t>
+            </a:r>
+            <a:r>
+              <a:rPr lang="en-US" sz="2800" b="1" dirty="0" smtClean="0">
+                <a:solidFill>
+                  <a:srgbClr val="00B050"/>
+                </a:solidFill>
+              </a:rPr>
+              <a:t>Workshop – AWS Machine Learning</a:t>
+            </a:r>
+          </a:p>
+          <a:p>
+            <a:r>
+              <a:rPr lang="en-US" sz="1600" dirty="0" smtClean="0"/>
+              <a:t/>
+            </a:r>
+            <a:br>
+              <a:rPr lang="en-US" sz="1600" dirty="0" smtClean="0"/>
+            </a:br>
+            <a:r>
+              <a:rPr lang="en-US" sz="1600" dirty="0" smtClean="0"/>
+              <a:t>	This </a:t>
+            </a:r>
+            <a:r>
+              <a:rPr lang="en-US" sz="1600" dirty="0"/>
+              <a:t>workshop will cover </a:t>
+            </a:r>
+            <a:r>
+              <a:rPr lang="en-US" sz="1600" dirty="0" smtClean="0"/>
+              <a:t>machine learning programming with the AWS machine</a:t>
+            </a:r>
+            <a:br>
+              <a:rPr lang="en-US" sz="1600" dirty="0" smtClean="0"/>
+            </a:br>
+            <a:r>
+              <a:rPr lang="en-US" sz="1600" dirty="0" smtClean="0"/>
+              <a:t>	learning framework, covering Lex (Natural Language Processing), Polly (text-to-Speech), </a:t>
+            </a:r>
+          </a:p>
+          <a:p>
+            <a:r>
+              <a:rPr lang="en-US" sz="1600" dirty="0" smtClean="0"/>
+              <a:t>	and </a:t>
+            </a:r>
+            <a:r>
+              <a:rPr lang="en-US" sz="1600" dirty="0" err="1" smtClean="0"/>
+              <a:t>Rekognition</a:t>
+            </a:r>
+            <a:r>
+              <a:rPr lang="en-US" sz="1600" dirty="0" smtClean="0"/>
+              <a:t> (Image Recognition).</a:t>
+            </a:r>
+            <a:br>
+              <a:rPr lang="en-US" sz="1600" dirty="0" smtClean="0"/>
+            </a:br>
+            <a:endParaRPr lang="en-US" sz="1600" b="1" dirty="0" smtClean="0">
+              <a:solidFill>
+                <a:schemeClr val="accent5">
+                  <a:lumMod val="75000"/>
+                </a:schemeClr>
+              </a:solidFill>
+            </a:endParaRPr>
+          </a:p>
+          <a:p>
+            <a:pPr marL="285750" indent="-285750">
+              <a:buFont typeface="Arial" panose="020B0604020202020204" pitchFamily="34" charset="0"/>
+              <a:buChar char="•"/>
+            </a:pPr>
+            <a:r>
+              <a:rPr lang="en-US" sz="2800" b="1" dirty="0" smtClean="0">
+                <a:solidFill>
+                  <a:schemeClr val="accent5">
+                    <a:lumMod val="75000"/>
+                  </a:schemeClr>
+                </a:solidFill>
+              </a:rPr>
+              <a:t>Session 13: </a:t>
+            </a:r>
+            <a:r>
+              <a:rPr lang="en-US" sz="2800" b="1" dirty="0" smtClean="0">
+                <a:solidFill>
+                  <a:srgbClr val="00B050"/>
+                </a:solidFill>
+              </a:rPr>
+              <a:t>Workshop – Azure Machine Learning</a:t>
+            </a:r>
+            <a:endParaRPr lang="en-US" sz="2800" b="1" dirty="0">
+              <a:solidFill>
+                <a:srgbClr val="00B050"/>
+              </a:solidFill>
+            </a:endParaRPr>
+          </a:p>
+          <a:p>
+            <a:r>
+              <a:rPr lang="en-US" sz="1600" dirty="0" smtClean="0"/>
+              <a:t/>
+            </a:r>
+            <a:br>
+              <a:rPr lang="en-US" sz="1600" dirty="0" smtClean="0"/>
+            </a:br>
+            <a:r>
+              <a:rPr lang="en-US" sz="1600" dirty="0" smtClean="0"/>
+              <a:t>	This </a:t>
+            </a:r>
+            <a:r>
+              <a:rPr lang="en-US" sz="1600" dirty="0"/>
+              <a:t>workshop will cover machine learning programming with the </a:t>
+            </a:r>
+            <a:r>
+              <a:rPr lang="en-US" sz="1600" dirty="0" smtClean="0"/>
+              <a:t>Azure </a:t>
+            </a:r>
+            <a:r>
+              <a:rPr lang="en-US" sz="1600" dirty="0"/>
+              <a:t>machine</a:t>
+            </a:r>
+            <a:br>
+              <a:rPr lang="en-US" sz="1600" dirty="0"/>
+            </a:br>
+            <a:r>
+              <a:rPr lang="en-US" sz="1600" dirty="0"/>
+              <a:t>	learning framework</a:t>
+            </a:r>
+            <a:r>
+              <a:rPr lang="en-US" sz="1600" dirty="0" smtClean="0"/>
+              <a:t>, covering the Azure Machine Learning Studio.</a:t>
+            </a:r>
+            <a:endParaRPr lang="en-US" sz="1600" b="1" dirty="0">
+              <a:solidFill>
+                <a:srgbClr val="00B050"/>
+              </a:solidFill>
+            </a:endParaRPr>
+          </a:p>
+        </p:txBody>
+      </p:sp>
+    </p:spTree>
+    <p:extLst>
+      <p:ext uri="{BB962C8B-B14F-4D97-AF65-F5344CB8AC3E}">
+        <p14:creationId xmlns:p14="http://schemas.microsoft.com/office/powerpoint/2010/main" val="1451393278"/>
+      </p:ext>
+    </p:extLst>
+  </p:cSld>
+  <p:clrMapOvr>
+    <a:masterClrMapping/>
+  </p:clrMapOvr>
+  <p:timing>
+    <p:tnLst>
+      <p:par>
+        <p:cTn id="1" dur="indefinite" restart="never" nodeType="tmRoot"/>
+      </p:par>
+    </p:tnLst>
+  </p:timing>
+</p:sld>
+</file>
+
 <file path=ppt/slides/slide2.xml><?xml version="1.0" encoding="utf-8"?>
 <p:sld xmlns:a="http://schemas.openxmlformats.org/drawingml/2006/main" xmlns:r="http://schemas.openxmlformats.org/officeDocument/2006/relationships" xmlns:p="http://schemas.openxmlformats.org/presentationml/2006/main">
   <p:cSld>
@@ -4837,7 +5280,7 @@
         <p:spPr>
           <a:xfrm>
             <a:off x="152400" y="1164134"/>
-            <a:ext cx="9140259" cy="5632311"/>
+            <a:ext cx="9140259" cy="5570756"/>
           </a:xfrm>
           <a:prstGeom prst="rect">
             <a:avLst/>
@@ -4850,7 +5293,145 @@
           </a:bodyPr>
           <a:lstStyle/>
           <a:p>
-            <a:endParaRPr lang="en-US" sz="2800" b="1" dirty="0">
+            <a:pPr marL="457200" indent="-457200">
+              <a:buFont typeface="Arial" pitchFamily="34" charset="0"/>
+              <a:buChar char="•"/>
+            </a:pPr>
+            <a:r>
+              <a:rPr lang="en-US" sz="2800" b="1" dirty="0" smtClean="0">
+                <a:solidFill>
+                  <a:schemeClr val="accent5">
+                    <a:lumMod val="75000"/>
+                  </a:schemeClr>
+                </a:solidFill>
+              </a:rPr>
+              <a:t>Session </a:t>
+            </a:r>
+            <a:r>
+              <a:rPr lang="en-US" sz="2800" b="1" dirty="0" smtClean="0">
+                <a:solidFill>
+                  <a:schemeClr val="accent5">
+                    <a:lumMod val="75000"/>
+                  </a:schemeClr>
+                </a:solidFill>
+              </a:rPr>
+              <a:t>1: </a:t>
+            </a:r>
+            <a:r>
+              <a:rPr lang="en-US" sz="2800" b="1" dirty="0" smtClean="0">
+                <a:solidFill>
+                  <a:srgbClr val="00B050"/>
+                </a:solidFill>
+              </a:rPr>
+              <a:t>Graph Search Theory</a:t>
+            </a:r>
+          </a:p>
+          <a:p>
+            <a:endParaRPr lang="en-US" sz="1600" dirty="0" smtClean="0"/>
+          </a:p>
+          <a:p>
+            <a:r>
+              <a:rPr lang="en-US" sz="1600" dirty="0"/>
+              <a:t>	</a:t>
+            </a:r>
+            <a:r>
+              <a:rPr lang="en-US" sz="1600" dirty="0" smtClean="0"/>
+              <a:t>This session covers the basic foundations of graph theory algorithms, covering Breadth First </a:t>
+            </a:r>
+            <a:br>
+              <a:rPr lang="en-US" sz="1600" dirty="0" smtClean="0"/>
+            </a:br>
+            <a:r>
+              <a:rPr lang="en-US" sz="1600" dirty="0" smtClean="0"/>
+              <a:t>	Search (BFS), Depth First Search ( DFS), Depth Limited Search (DLS), Iterative Depth Search (IDS), </a:t>
+            </a:r>
+            <a:br>
+              <a:rPr lang="en-US" sz="1600" dirty="0" smtClean="0"/>
+            </a:br>
+            <a:r>
+              <a:rPr lang="en-US" sz="1600" dirty="0" smtClean="0"/>
+              <a:t>	Greedy Algorithm, and A-STAR Algorithm</a:t>
+            </a:r>
+            <a:r>
+              <a:rPr lang="en-US" sz="1600" dirty="0" smtClean="0"/>
+              <a:t>.</a:t>
+            </a:r>
+          </a:p>
+          <a:p>
+            <a:endParaRPr lang="en-US" sz="1600" b="1" dirty="0">
+              <a:solidFill>
+                <a:srgbClr val="00B050"/>
+              </a:solidFill>
+            </a:endParaRPr>
+          </a:p>
+          <a:p>
+            <a:r>
+              <a:rPr lang="en-US" sz="1600" b="1" dirty="0" smtClean="0">
+                <a:solidFill>
+                  <a:srgbClr val="00B050"/>
+                </a:solidFill>
+              </a:rPr>
+              <a:t>		</a:t>
+            </a:r>
+            <a:r>
+              <a:rPr lang="en-US" sz="1600" b="1" dirty="0">
+                <a:hlinkClick r:id="rId2"/>
+              </a:rPr>
+              <a:t>Graph </a:t>
+            </a:r>
+            <a:r>
+              <a:rPr lang="en-US" sz="1600" b="1" dirty="0" smtClean="0">
+                <a:hlinkClick r:id="rId2"/>
+              </a:rPr>
+              <a:t>Theory</a:t>
+            </a:r>
+            <a:endParaRPr lang="en-US" sz="1600" b="1" dirty="0" smtClean="0"/>
+          </a:p>
+          <a:p>
+            <a:r>
+              <a:rPr lang="en-US" sz="1600" b="1" dirty="0"/>
+              <a:t>	</a:t>
+            </a:r>
+            <a:r>
+              <a:rPr lang="en-US" sz="1600" b="1" dirty="0" smtClean="0"/>
+              <a:t>	</a:t>
+            </a:r>
+            <a:r>
+              <a:rPr lang="en-US" sz="1600" b="1" dirty="0">
+                <a:hlinkClick r:id="rId3"/>
+              </a:rPr>
+              <a:t>Greedy and A-STAR Search</a:t>
+            </a:r>
+            <a:endParaRPr lang="en-US" sz="1600" b="1" dirty="0"/>
+          </a:p>
+          <a:p>
+            <a:r>
+              <a:rPr lang="en-US" sz="1600" b="1" dirty="0" smtClean="0"/>
+              <a:t>		</a:t>
+            </a:r>
+            <a:r>
+              <a:rPr lang="en-US" sz="1600" b="1" dirty="0">
+                <a:hlinkClick r:id="rId4"/>
+              </a:rPr>
+              <a:t>Local Search - Hill Climbing</a:t>
+            </a:r>
+            <a:endParaRPr lang="en-US" sz="1600" b="1" dirty="0"/>
+          </a:p>
+          <a:p>
+            <a:r>
+              <a:rPr lang="en-US" sz="1600" b="1" dirty="0" smtClean="0"/>
+              <a:t>		</a:t>
+            </a:r>
+            <a:r>
+              <a:rPr lang="en-US" sz="1600" b="1" dirty="0">
+                <a:hlinkClick r:id="rId5"/>
+              </a:rPr>
+              <a:t>Monty Hall Paradox</a:t>
+            </a:r>
+            <a:endParaRPr lang="en-US" sz="1200" b="1" dirty="0"/>
+          </a:p>
+          <a:p>
+            <a:endParaRPr lang="en-US" sz="1200" b="1" dirty="0">
               <a:solidFill>
                 <a:schemeClr val="accent5">
                   <a:lumMod val="75000"/>
@@ -4871,7 +5452,7 @@
                   </a:schemeClr>
                 </a:solidFill>
               </a:rPr>
-              <a:t>Session 1: </a:t>
+              <a:t>Session 2: </a:t>
             </a:r>
             <a:r>
               <a:rPr lang="en-US" sz="2800" b="1" dirty="0" smtClean="0">
@@ -4879,34 +5460,7 @@
                   <a:srgbClr val="00B050"/>
                 </a:solidFill>
               </a:rPr>
-              <a:t>Graph Search Theory</a:t>
-            </a:r>
-          </a:p>
-          <a:p>
-            <a:endParaRPr lang="en-US" sz="1600" dirty="0" smtClean="0"/>
-          </a:p>
-          <a:p>
-            <a:r>
-              <a:rPr lang="en-US" sz="1600" dirty="0"/>
-              <a:t>	</a:t>
-            </a:r>
-            <a:r>
-              <a:rPr lang="en-US" sz="1600" dirty="0" smtClean="0"/>
-              <a:t>This session covers the basic foundations of graph theory algorithms, covering Breadth First </a:t>
-            </a:r>
-            <a:br>
-              <a:rPr lang="en-US" sz="1600" dirty="0" smtClean="0"/>
-            </a:br>
-            <a:r>
-              <a:rPr lang="en-US" sz="1600" dirty="0" smtClean="0"/>
-              <a:t>	Search (BFS), Depth First Search ( DFS), Depth Limited Search (DLS), Iterative Depth Search (IDS), </a:t>
-            </a:r>
-            <a:br>
-              <a:rPr lang="en-US" sz="1600" dirty="0" smtClean="0"/>
-            </a:br>
-            <a:r>
-              <a:rPr lang="en-US" sz="1600" dirty="0" smtClean="0"/>
-              <a:t>	Greedy Algorithm, and A-STAR Algorithm.</a:t>
+              <a:t>Basic Principles of Robotics</a:t>
             </a:r>
             <a:endParaRPr lang="en-US" sz="1600" b="1" dirty="0" smtClean="0">
               <a:solidFill>
@@ -4915,44 +5469,6 @@
             </a:endParaRPr>
           </a:p>
           <a:p>
-            <a:endParaRPr lang="en-US" sz="2800" b="1" dirty="0">
-              <a:solidFill>
-                <a:schemeClr val="accent5">
-                  <a:lumMod val="75000"/>
-                </a:schemeClr>
-              </a:solidFill>
-            </a:endParaRPr>
-          </a:p>
-          <a:p>
-            <a:pPr marL="285750" indent="-285750">
-              <a:buFont typeface="Arial" panose="020B0604020202020204" pitchFamily="34" charset="0"/>
-              <a:buChar char="•"/>
-            </a:pPr>
-            <a:r>
-              <a:rPr lang="en-US" sz="2800" b="1" dirty="0" smtClean="0">
-                <a:solidFill>
-                  <a:schemeClr val="accent5">
-                    <a:lumMod val="75000"/>
-                  </a:schemeClr>
-                </a:solidFill>
-              </a:rPr>
-              <a:t>Session 2: </a:t>
-            </a:r>
-            <a:r>
-              <a:rPr lang="en-US" sz="2800" b="1" dirty="0" smtClean="0">
-                <a:solidFill>
-                  <a:srgbClr val="00B050"/>
-                </a:solidFill>
-              </a:rPr>
-              <a:t>Basic Principles of Robotics</a:t>
-            </a:r>
-            <a:endParaRPr lang="en-US" sz="1600" b="1" dirty="0" smtClean="0">
-              <a:solidFill>
-                <a:srgbClr val="00B050"/>
-              </a:solidFill>
-            </a:endParaRPr>
-          </a:p>
-          <a:p>
             <a:endParaRPr lang="en-US" sz="1600" b="1" dirty="0">
               <a:solidFill>
                 <a:srgbClr val="00B050"/>
@@ -5007,152 +5523,113 @@
               <a:rPr lang="en-US" sz="1600" dirty="0"/>
               <a:t>. </a:t>
             </a:r>
-            <a:endParaRPr lang="en-US" sz="1600" b="1" dirty="0" smtClean="0">
+            <a:endParaRPr lang="en-US" sz="1600" dirty="0" smtClean="0"/>
+          </a:p>
+          <a:p>
+            <a:endParaRPr lang="en-US" sz="1600" b="1" dirty="0">
               <a:solidFill>
                 <a:srgbClr val="00B050"/>
               </a:solidFill>
             </a:endParaRPr>
           </a:p>
           <a:p>
-            <a:endParaRPr lang="en-US" sz="2800" b="1" dirty="0" smtClean="0">
-              <a:solidFill>
-                <a:schemeClr val="accent5">
-                  <a:lumMod val="75000"/>
-                </a:schemeClr>
-              </a:solidFill>
-            </a:endParaRPr>
-          </a:p>
-          <a:p>
-            <a:pPr marL="285750" indent="-285750">
-              <a:buFont typeface="Arial" panose="020B0604020202020204" pitchFamily="34" charset="0"/>
-              <a:buChar char="•"/>
-            </a:pPr>
-            <a:r>
-              <a:rPr lang="en-US" sz="2800" b="1" dirty="0" smtClean="0">
-                <a:solidFill>
-                  <a:schemeClr val="accent5">
-                    <a:lumMod val="75000"/>
-                  </a:schemeClr>
-                </a:solidFill>
-              </a:rPr>
-              <a:t>Session 3: </a:t>
-            </a:r>
-            <a:r>
-              <a:rPr lang="en-US" sz="2800" b="1" dirty="0" smtClean="0">
+            <a:r>
+              <a:rPr lang="en-US" sz="1600" b="1" dirty="0" smtClean="0">
                 <a:solidFill>
                   <a:srgbClr val="00B050"/>
                 </a:solidFill>
               </a:rPr>
-              <a:t>Titanic Data – Data Preprocessing</a:t>
-            </a:r>
-            <a:endParaRPr lang="en-US" sz="1600" b="1" dirty="0" smtClean="0">
-              <a:solidFill>
-                <a:srgbClr val="00B050"/>
-              </a:solidFill>
-            </a:endParaRPr>
-          </a:p>
-          <a:p>
-            <a:r>
-              <a:rPr lang="en-US" sz="1600" dirty="0" smtClean="0"/>
-              <a:t/>
-            </a:r>
-            <a:br>
-              <a:rPr lang="en-US" sz="1600" dirty="0" smtClean="0"/>
-            </a:br>
-            <a:r>
-              <a:rPr lang="en-US" sz="1600" dirty="0" smtClean="0"/>
-              <a:t>	This session covers </a:t>
-            </a:r>
-            <a:r>
-              <a:rPr lang="en-US" sz="1600" dirty="0"/>
-              <a:t>data preparation, feature engineering and machine learning with the </a:t>
-            </a:r>
-            <a:r>
-              <a:rPr lang="en-US" sz="1600" dirty="0" smtClean="0"/>
-              <a:t/>
-            </a:r>
-            <a:br>
-              <a:rPr lang="en-US" sz="1600" dirty="0" smtClean="0"/>
-            </a:br>
-            <a:r>
-              <a:rPr lang="en-US" sz="1600" dirty="0" smtClean="0"/>
-              <a:t>	Titanic </a:t>
-            </a:r>
-            <a:r>
-              <a:rPr lang="en-US" sz="1600" dirty="0"/>
-              <a:t>data from </a:t>
-            </a:r>
-            <a:r>
-              <a:rPr lang="en-US" sz="1600" dirty="0" err="1" smtClean="0"/>
-              <a:t>Kaggle</a:t>
-            </a:r>
-            <a:r>
-              <a:rPr lang="en-US" sz="1600" dirty="0" smtClean="0"/>
-              <a:t>. We </a:t>
-            </a:r>
-            <a:r>
-              <a:rPr lang="en-US" sz="1600" dirty="0"/>
-              <a:t>will cover each step in the data preparation and training  model </a:t>
-            </a:r>
-            <a:r>
-              <a:rPr lang="en-US" sz="1600" dirty="0" smtClean="0"/>
-              <a:t/>
-            </a:r>
-            <a:br>
-              <a:rPr lang="en-US" sz="1600" dirty="0" smtClean="0"/>
-            </a:br>
-            <a:r>
-              <a:rPr lang="en-US" sz="1600" dirty="0" smtClean="0"/>
-              <a:t>	using </a:t>
-            </a:r>
-            <a:r>
-              <a:rPr lang="en-US" sz="1600" dirty="0"/>
-              <a:t>Random Forest technique. This is a hands on as well as a presentation. We will be using </a:t>
-            </a:r>
-            <a:r>
-              <a:rPr lang="en-US" sz="1600" dirty="0" smtClean="0"/>
-              <a:t/>
-            </a:r>
-            <a:br>
-              <a:rPr lang="en-US" sz="1600" dirty="0" smtClean="0"/>
-            </a:br>
-            <a:r>
-              <a:rPr lang="en-US" sz="1600" dirty="0" smtClean="0"/>
+              <a:t>		</a:t>
+            </a:r>
+            <a:r>
+              <a:rPr lang="en-US" sz="1600" b="1" dirty="0">
+                <a:hlinkClick r:id="rId6"/>
+              </a:rPr>
+              <a:t>AI Agents</a:t>
+            </a:r>
+            <a:endParaRPr lang="en-US" sz="1600" b="1" dirty="0"/>
+          </a:p>
+          <a:p>
+            <a:r>
+              <a:rPr lang="en-US" sz="1600" b="1" dirty="0" smtClean="0">
+                <a:solidFill>
+                  <a:srgbClr val="00B050"/>
+                </a:solidFill>
+              </a:rPr>
+              <a:t>		</a:t>
+            </a:r>
+            <a:r>
+              <a:rPr lang="en-US" sz="1600" b="1" dirty="0">
+                <a:hlinkClick r:id="rId7"/>
+              </a:rPr>
+              <a:t>Introduction to Reinforcement Learning</a:t>
+            </a:r>
+            <a:endParaRPr lang="en-US" sz="1600" b="1" dirty="0"/>
+          </a:p>
+          <a:p>
+            <a:r>
+              <a:rPr lang="en-US" sz="1600" b="1" dirty="0" smtClean="0">
+                <a:solidFill>
+                  <a:srgbClr val="00B050"/>
+                </a:solidFill>
+              </a:rPr>
+              <a:t>		</a:t>
+            </a:r>
+            <a:r>
+              <a:rPr lang="en-US" sz="1600" b="1" dirty="0">
+                <a:hlinkClick r:id="rId8"/>
+              </a:rPr>
+              <a:t>Dynamic Programming</a:t>
+            </a:r>
+            <a:endParaRPr lang="en-US" sz="1600" b="1" dirty="0"/>
+          </a:p>
+          <a:p>
+            <a:r>
+              <a:rPr lang="en-US" sz="1600" b="1" dirty="0" smtClean="0">
+                <a:solidFill>
+                  <a:srgbClr val="00B050"/>
+                </a:solidFill>
+              </a:rPr>
+              <a:t>		</a:t>
+            </a:r>
+            <a:r>
+              <a:rPr lang="en-US" sz="1600" b="1" dirty="0">
+                <a:hlinkClick r:id="rId9"/>
+              </a:rPr>
+              <a:t>Introduction to Markov Principles</a:t>
+            </a:r>
+            <a:endParaRPr lang="en-US" sz="1600" b="1" dirty="0"/>
+          </a:p>
+          <a:p>
+            <a:r>
+              <a:rPr lang="en-US" sz="1600" b="1" dirty="0">
+                <a:solidFill>
+                  <a:srgbClr val="00B050"/>
+                </a:solidFill>
+              </a:rPr>
               <a:t>	</a:t>
             </a:r>
             <a:r>
-              <a:rPr lang="en-US" sz="1600" dirty="0" err="1" smtClean="0"/>
-              <a:t>Jupyter</a:t>
-            </a:r>
-            <a:r>
-              <a:rPr lang="en-US" sz="1600" dirty="0" smtClean="0"/>
-              <a:t> notebook</a:t>
-            </a:r>
-            <a:r>
-              <a:rPr lang="en-US" sz="1600" dirty="0"/>
-              <a:t>, python 3, </a:t>
-            </a:r>
-            <a:r>
-              <a:rPr lang="en-US" sz="1600" dirty="0" err="1"/>
-              <a:t>numpy</a:t>
-            </a:r>
-            <a:r>
-              <a:rPr lang="en-US" sz="1600" dirty="0"/>
-              <a:t>, pandas and </a:t>
-            </a:r>
-            <a:r>
-              <a:rPr lang="en-US" sz="1600" dirty="0" err="1"/>
-              <a:t>scilearn</a:t>
-            </a:r>
-            <a:r>
-              <a:rPr lang="en-US" sz="1600" dirty="0"/>
-              <a:t> ML libraries</a:t>
-            </a:r>
-            <a:r>
-              <a:rPr lang="en-US" sz="1600" dirty="0" smtClean="0"/>
-              <a:t>.</a:t>
-            </a:r>
-            <a:endParaRPr lang="en-US" sz="1600" dirty="0"/>
+              <a:rPr lang="en-US" sz="1600" b="1" dirty="0" smtClean="0">
+                <a:solidFill>
+                  <a:srgbClr val="00B050"/>
+                </a:solidFill>
+              </a:rPr>
+              <a:t>	</a:t>
+            </a:r>
+            <a:r>
+              <a:rPr lang="en-US" sz="1600" b="1" dirty="0">
+                <a:hlinkClick r:id="rId10"/>
+              </a:rPr>
+              <a:t>Introduction to Bellman </a:t>
+            </a:r>
+            <a:r>
+              <a:rPr lang="en-US" sz="1600" b="1" dirty="0" smtClean="0">
+                <a:hlinkClick r:id="rId10"/>
+              </a:rPr>
+              <a:t>Equations</a:t>
+            </a:r>
+            <a:endParaRPr lang="en-US" sz="1600" b="1" dirty="0"/>
           </a:p>
         </p:txBody>
       </p:sp>
@@ -5276,7 +5753,7 @@
         <p:spPr>
           <a:xfrm>
             <a:off x="152400" y="1164134"/>
-            <a:ext cx="9156674" cy="4339650"/>
+            <a:ext cx="9156674" cy="5878532"/>
           </a:xfrm>
           <a:prstGeom prst="rect">
             <a:avLst/>
@@ -5289,8 +5766,8 @@
           </a:bodyPr>
           <a:lstStyle/>
           <a:p>
-            <a:pPr marL="285750" indent="-285750">
-              <a:buFont typeface="Arial" panose="020B0604020202020204" pitchFamily="34" charset="0"/>
+            <a:pPr marL="457200" indent="-457200">
+              <a:buFont typeface="Arial" pitchFamily="34" charset="0"/>
               <a:buChar char="•"/>
             </a:pPr>
             <a:r>
@@ -5301,15 +5778,25 @@
                   </a:schemeClr>
                 </a:solidFill>
               </a:rPr>
-              <a:t>Session 4: </a:t>
+              <a:t>Session </a:t>
             </a:r>
             <a:r>
               <a:rPr lang="en-US" sz="2800" b="1" dirty="0" smtClean="0">
                 <a:solidFill>
+                  <a:schemeClr val="accent5">
+                    <a:lumMod val="75000"/>
+                  </a:schemeClr>
+                </a:solidFill>
+              </a:rPr>
+              <a:t>3: </a:t>
+            </a:r>
+            <a:r>
+              <a:rPr lang="en-US" sz="2800" b="1" dirty="0" smtClean="0">
+                <a:solidFill>
                   <a:srgbClr val="00B050"/>
                 </a:solidFill>
               </a:rPr>
-              <a:t>Fundamentals of Neural Networks</a:t>
+              <a:t>Titanic Data – Data Preprocessing</a:t>
             </a:r>
             <a:endParaRPr lang="en-US" sz="1600" b="1" dirty="0" smtClean="0">
               <a:solidFill>
@@ -5318,6 +5805,202 @@
             </a:endParaRPr>
           </a:p>
           <a:p>
+            <a:r>
+              <a:rPr lang="en-US" sz="1600" dirty="0" smtClean="0"/>
+              <a:t/>
+            </a:r>
+            <a:br>
+              <a:rPr lang="en-US" sz="1600" dirty="0" smtClean="0"/>
+            </a:br>
+            <a:r>
+              <a:rPr lang="en-US" sz="1600" dirty="0" smtClean="0"/>
+              <a:t>	This session covers </a:t>
+            </a:r>
+            <a:r>
+              <a:rPr lang="en-US" sz="1600" dirty="0"/>
+              <a:t>data preparation, feature engineering and machine learning with the </a:t>
+            </a:r>
+            <a:r>
+              <a:rPr lang="en-US" sz="1600" dirty="0" smtClean="0"/>
+              <a:t/>
+            </a:r>
+            <a:br>
+              <a:rPr lang="en-US" sz="1600" dirty="0" smtClean="0"/>
+            </a:br>
+            <a:r>
+              <a:rPr lang="en-US" sz="1600" dirty="0" smtClean="0"/>
+              <a:t>	Titanic </a:t>
+            </a:r>
+            <a:r>
+              <a:rPr lang="en-US" sz="1600" dirty="0"/>
+              <a:t>data from </a:t>
+            </a:r>
+            <a:r>
+              <a:rPr lang="en-US" sz="1600" dirty="0" err="1" smtClean="0"/>
+              <a:t>Kaggle</a:t>
+            </a:r>
+            <a:r>
+              <a:rPr lang="en-US" sz="1600" dirty="0" smtClean="0"/>
+              <a:t>. We </a:t>
+            </a:r>
+            <a:r>
+              <a:rPr lang="en-US" sz="1600" dirty="0"/>
+              <a:t>will cover each step in the data preparation and training  model </a:t>
+            </a:r>
+            <a:r>
+              <a:rPr lang="en-US" sz="1600" dirty="0" smtClean="0"/>
+              <a:t/>
+            </a:r>
+            <a:br>
+              <a:rPr lang="en-US" sz="1600" dirty="0" smtClean="0"/>
+            </a:br>
+            <a:r>
+              <a:rPr lang="en-US" sz="1600" dirty="0" smtClean="0"/>
+              <a:t>	using </a:t>
+            </a:r>
+            <a:r>
+              <a:rPr lang="en-US" sz="1600" dirty="0"/>
+              <a:t>Random Forest technique. This is a hands on as well as a presentation. We will be using </a:t>
+            </a:r>
+            <a:r>
+              <a:rPr lang="en-US" sz="1600" dirty="0" smtClean="0"/>
+              <a:t/>
+            </a:r>
+            <a:br>
+              <a:rPr lang="en-US" sz="1600" dirty="0" smtClean="0"/>
+            </a:br>
+            <a:r>
+              <a:rPr lang="en-US" sz="1600" dirty="0" smtClean="0"/>
+              <a:t>	</a:t>
+            </a:r>
+            <a:r>
+              <a:rPr lang="en-US" sz="1600" dirty="0" err="1" smtClean="0"/>
+              <a:t>Jupyter</a:t>
+            </a:r>
+            <a:r>
+              <a:rPr lang="en-US" sz="1600" dirty="0" smtClean="0"/>
+              <a:t> notebook</a:t>
+            </a:r>
+            <a:r>
+              <a:rPr lang="en-US" sz="1600" dirty="0"/>
+              <a:t>, python 3, </a:t>
+            </a:r>
+            <a:r>
+              <a:rPr lang="en-US" sz="1600" dirty="0" err="1"/>
+              <a:t>numpy</a:t>
+            </a:r>
+            <a:r>
+              <a:rPr lang="en-US" sz="1600" dirty="0"/>
+              <a:t>, pandas and </a:t>
+            </a:r>
+            <a:r>
+              <a:rPr lang="en-US" sz="1600" dirty="0" err="1"/>
+              <a:t>scilearn</a:t>
+            </a:r>
+            <a:r>
+              <a:rPr lang="en-US" sz="1600" dirty="0"/>
+              <a:t> ML libraries</a:t>
+            </a:r>
+            <a:r>
+              <a:rPr lang="en-US" sz="1600" dirty="0" smtClean="0"/>
+              <a:t>.</a:t>
+            </a:r>
+            <a:endParaRPr lang="en-US" sz="1200" dirty="0" smtClean="0"/>
+          </a:p>
+          <a:p>
+            <a:endParaRPr lang="en-US" sz="1200" dirty="0"/>
+          </a:p>
+          <a:p>
+            <a:r>
+              <a:rPr lang="en-US" sz="1200" dirty="0" smtClean="0"/>
+              <a:t>		</a:t>
+            </a:r>
+            <a:r>
+              <a:rPr lang="en-US" sz="1600" b="1" dirty="0">
+                <a:hlinkClick r:id="rId2"/>
+              </a:rPr>
+              <a:t>Dataset Preparation</a:t>
+            </a:r>
+            <a:endParaRPr lang="en-US" sz="1600" b="1" dirty="0"/>
+          </a:p>
+          <a:p>
+            <a:r>
+              <a:rPr lang="en-US" sz="1600" dirty="0" smtClean="0"/>
+              <a:t>		</a:t>
+            </a:r>
+            <a:r>
+              <a:rPr lang="en-US" sz="1600" b="1" dirty="0" smtClean="0">
+                <a:hlinkClick r:id="rId3"/>
+              </a:rPr>
+              <a:t>Splitting </a:t>
+            </a:r>
+            <a:r>
+              <a:rPr lang="en-US" sz="1600" b="1" dirty="0">
+                <a:hlinkClick r:id="rId3"/>
+              </a:rPr>
+              <a:t>a Dataset for </a:t>
+            </a:r>
+            <a:r>
+              <a:rPr lang="en-US" sz="1600" b="1" dirty="0" smtClean="0">
+                <a:hlinkClick r:id="rId3"/>
+              </a:rPr>
+              <a:t>Training</a:t>
+            </a:r>
+            <a:r>
+              <a:rPr lang="en-US" sz="1600" b="1" dirty="0" smtClean="0"/>
+              <a:t/>
+            </a:r>
+            <a:br>
+              <a:rPr lang="en-US" sz="1600" b="1" dirty="0" smtClean="0"/>
+            </a:br>
+            <a:r>
+              <a:rPr lang="en-US" sz="1600" b="1" dirty="0" smtClean="0"/>
+              <a:t>		</a:t>
+            </a:r>
+            <a:r>
+              <a:rPr lang="en-US" sz="1600" b="1" dirty="0">
+                <a:hlinkClick r:id="rId4"/>
+              </a:rPr>
+              <a:t>Dummy Variable </a:t>
+            </a:r>
+            <a:r>
+              <a:rPr lang="en-US" sz="1600" b="1" dirty="0" smtClean="0">
+                <a:hlinkClick r:id="rId4"/>
+              </a:rPr>
+              <a:t>Conversion</a:t>
+            </a:r>
+            <a:r>
+              <a:rPr lang="en-US" sz="1200" b="1" dirty="0" smtClean="0"/>
+              <a:t/>
+            </a:r>
+            <a:br>
+              <a:rPr lang="en-US" sz="1200" b="1" dirty="0" smtClean="0"/>
+            </a:br>
+            <a:endParaRPr lang="en-US" sz="1200" b="1" dirty="0" smtClean="0"/>
+          </a:p>
+          <a:p>
+            <a:pPr marL="285750" indent="-285750">
+              <a:buFont typeface="Arial" panose="020B0604020202020204" pitchFamily="34" charset="0"/>
+              <a:buChar char="•"/>
+            </a:pPr>
+            <a:r>
+              <a:rPr lang="en-US" sz="2800" b="1" dirty="0">
+                <a:solidFill>
+                  <a:schemeClr val="accent5">
+                    <a:lumMod val="75000"/>
+                  </a:schemeClr>
+                </a:solidFill>
+              </a:rPr>
+              <a:t>Session 4: </a:t>
+            </a:r>
+            <a:r>
+              <a:rPr lang="en-US" sz="2800" b="1" dirty="0">
+                <a:solidFill>
+                  <a:srgbClr val="00B050"/>
+                </a:solidFill>
+              </a:rPr>
+              <a:t>Fundamentals of Neural Networks</a:t>
+            </a:r>
             <a:endParaRPr lang="en-US" sz="1600" b="1" dirty="0">
               <a:solidFill>
                 <a:srgbClr val="00B050"/>
@@ -5325,76 +6008,6 @@
             </a:endParaRPr>
           </a:p>
           <a:p>
-            <a:r>
-              <a:rPr lang="en-US" sz="1600" dirty="0" smtClean="0"/>
-              <a:t>	This session </a:t>
-            </a:r>
-            <a:r>
-              <a:rPr lang="en-US" sz="1600" dirty="0"/>
-              <a:t>we will cover the basic foundations of neural networks, covering introduction to the </a:t>
-            </a:r>
-            <a:r>
-              <a:rPr lang="en-US" sz="1600" dirty="0" smtClean="0"/>
-              <a:t/>
-            </a:r>
-            <a:br>
-              <a:rPr lang="en-US" sz="1600" dirty="0" smtClean="0"/>
-            </a:br>
-            <a:r>
-              <a:rPr lang="en-US" sz="1600" dirty="0" smtClean="0"/>
-              <a:t>	Perceptron</a:t>
-            </a:r>
-            <a:r>
-              <a:rPr lang="en-US" sz="1600" dirty="0"/>
-              <a:t>, </a:t>
-            </a:r>
-            <a:r>
-              <a:rPr lang="en-US" sz="1600" dirty="0" smtClean="0"/>
-              <a:t>Artificial Neural Networks </a:t>
-            </a:r>
-            <a:r>
-              <a:rPr lang="en-US" sz="1600" dirty="0"/>
-              <a:t>(ANN), </a:t>
-            </a:r>
-            <a:r>
-              <a:rPr lang="en-US" sz="1600" dirty="0" smtClean="0"/>
-              <a:t>Convolutional Neural Networks </a:t>
-            </a:r>
-            <a:r>
-              <a:rPr lang="en-US" sz="1600" dirty="0"/>
-              <a:t>(CNN), </a:t>
-            </a:r>
-            <a:r>
-              <a:rPr lang="en-US" sz="1600" dirty="0" smtClean="0"/>
-              <a:t>Recurrent </a:t>
-            </a:r>
-            <a:br>
-              <a:rPr lang="en-US" sz="1600" dirty="0" smtClean="0"/>
-            </a:br>
-            <a:r>
-              <a:rPr lang="en-US" sz="1600" dirty="0" smtClean="0"/>
-              <a:t>	Neural Networks </a:t>
-            </a:r>
-            <a:r>
-              <a:rPr lang="en-US" sz="1600" dirty="0"/>
-              <a:t>(RNN), and wrap up with </a:t>
-            </a:r>
-            <a:r>
-              <a:rPr lang="en-US" sz="1600" dirty="0" smtClean="0"/>
-              <a:t>Adversarial Attacks </a:t>
-            </a:r>
-            <a:r>
-              <a:rPr lang="en-US" sz="1600" dirty="0"/>
-              <a:t>on </a:t>
-            </a:r>
-            <a:r>
-              <a:rPr lang="en-US" sz="1600" dirty="0" smtClean="0"/>
-              <a:t>Neural Networks</a:t>
-            </a:r>
-            <a:r>
-              <a:rPr lang="en-US" sz="1600" dirty="0"/>
-              <a:t>.</a:t>
-            </a:r>
             <a:endParaRPr lang="en-US" sz="1600" b="1" dirty="0">
               <a:solidFill>
                 <a:srgbClr val="00B050"/>
@@ -5402,104 +6015,134 @@
             </a:endParaRPr>
           </a:p>
           <a:p>
-            <a:endParaRPr lang="en-US" sz="2800" b="1" dirty="0">
+            <a:r>
+              <a:rPr lang="en-US" sz="1600" dirty="0"/>
+              <a:t>	This session we will cover the basic foundations of neural networks, covering introduction to the </a:t>
+            </a:r>
+            <a:br>
+              <a:rPr lang="en-US" sz="1600" dirty="0"/>
+            </a:br>
+            <a:r>
+              <a:rPr lang="en-US" sz="1600" dirty="0"/>
+              <a:t>	Perceptron, Artificial Neural Networks (ANN), Convolutional Neural Networks (CNN), Recurrent </a:t>
+            </a:r>
+            <a:br>
+              <a:rPr lang="en-US" sz="1600" dirty="0"/>
+            </a:br>
+            <a:r>
+              <a:rPr lang="en-US" sz="1600" dirty="0"/>
+              <a:t>	Neural Networks (RNN), and wrap up with Adversarial Attacks on Neural Networks</a:t>
+            </a:r>
+            <a:r>
+              <a:rPr lang="en-US" sz="1600" dirty="0" smtClean="0"/>
+              <a:t>.</a:t>
+            </a:r>
+            <a:endParaRPr lang="en-US" sz="1200" dirty="0" smtClean="0"/>
+          </a:p>
+          <a:p>
+            <a:endParaRPr lang="en-US" sz="1200" b="1" dirty="0">
               <a:solidFill>
                 <a:srgbClr val="00B050"/>
               </a:solidFill>
             </a:endParaRPr>
           </a:p>
           <a:p>
-            <a:pPr marL="285750" indent="-285750">
-              <a:buFont typeface="Arial" panose="020B0604020202020204" pitchFamily="34" charset="0"/>
-              <a:buChar char="•"/>
-            </a:pPr>
-            <a:r>
-              <a:rPr lang="en-US" sz="2800" b="1" dirty="0">
-                <a:solidFill>
-                  <a:schemeClr val="accent5">
-                    <a:lumMod val="75000"/>
-                  </a:schemeClr>
-                </a:solidFill>
-              </a:rPr>
-              <a:t>Session </a:t>
-            </a:r>
-            <a:r>
-              <a:rPr lang="en-US" sz="2800" b="1" dirty="0" smtClean="0">
-                <a:solidFill>
-                  <a:schemeClr val="accent5">
-                    <a:lumMod val="75000"/>
-                  </a:schemeClr>
-                </a:solidFill>
-              </a:rPr>
-              <a:t>5: </a:t>
-            </a:r>
-            <a:r>
-              <a:rPr lang="en-US" sz="2800" b="1" dirty="0" smtClean="0">
+            <a:r>
+              <a:rPr lang="en-US" sz="1200" b="1" dirty="0" smtClean="0">
                 <a:solidFill>
                   <a:srgbClr val="00B050"/>
                 </a:solidFill>
               </a:rPr>
-              <a:t>Basic Statistics and Regression Analysis</a:t>
-            </a:r>
-          </a:p>
-          <a:p>
-            <a:r>
-              <a:rPr lang="en-US" sz="1600" dirty="0" smtClean="0"/>
-              <a:t>	</a:t>
-            </a:r>
-            <a:br>
-              <a:rPr lang="en-US" sz="1600" dirty="0" smtClean="0"/>
-            </a:br>
-            <a:r>
-              <a:rPr lang="en-US" sz="1600" dirty="0" smtClean="0"/>
-              <a:t>	The first part of this session will cover the basic foundations of statistics: standard deviation, </a:t>
-            </a:r>
-            <a:br>
-              <a:rPr lang="en-US" sz="1600" dirty="0" smtClean="0"/>
-            </a:br>
-            <a:r>
-              <a:rPr lang="en-US" sz="1600" dirty="0" smtClean="0"/>
-              <a:t>	normal distribution, sampling distribution, Z-scores, box plots and simple linear regression </a:t>
-            </a:r>
-            <a:br>
-              <a:rPr lang="en-US" sz="1600" dirty="0" smtClean="0"/>
-            </a:br>
-            <a:r>
-              <a:rPr lang="en-US" sz="1600" dirty="0" smtClean="0"/>
-              <a:t>	(also known as the slope of a line). </a:t>
-            </a:r>
-            <a:br>
-              <a:rPr lang="en-US" sz="1600" dirty="0" smtClean="0"/>
-            </a:br>
-            <a:r>
-              <a:rPr lang="en-US" sz="1600" dirty="0" smtClean="0"/>
-              <a:t/>
-            </a:r>
-            <a:br>
-              <a:rPr lang="en-US" sz="1600" dirty="0" smtClean="0"/>
-            </a:br>
-            <a:r>
-              <a:rPr lang="en-US" sz="1600" dirty="0" smtClean="0"/>
-              <a:t>	The second part of this session will cover the basic foundations of preparing datasets, simple </a:t>
-            </a:r>
-            <a:br>
-              <a:rPr lang="en-US" sz="1600" dirty="0" smtClean="0"/>
-            </a:br>
-            <a:r>
-              <a:rPr lang="en-US" sz="1600" dirty="0" smtClean="0"/>
-              <a:t>	and multiple linear regression, decision trees, ensemble methods and confusion matrices.</a:t>
-            </a:r>
-            <a:br>
-              <a:rPr lang="en-US" sz="1600" dirty="0" smtClean="0"/>
-            </a:br>
-            <a:endParaRPr lang="en-US" sz="1600" dirty="0" smtClean="0"/>
+              <a:t>		</a:t>
+            </a:r>
+            <a:r>
+              <a:rPr lang="en-US" sz="1600" b="1" dirty="0">
+                <a:hlinkClick r:id="rId5"/>
+              </a:rPr>
+              <a:t>Neural Networks - Perceptron</a:t>
+            </a:r>
+            <a:endParaRPr lang="en-US" sz="1600" b="1" dirty="0"/>
+          </a:p>
+          <a:p>
+            <a:r>
+              <a:rPr lang="en-US" sz="1600" b="1" dirty="0" smtClean="0">
+                <a:solidFill>
+                  <a:srgbClr val="00B050"/>
+                </a:solidFill>
+              </a:rPr>
+              <a:t>		</a:t>
+            </a:r>
+            <a:r>
+              <a:rPr lang="en-US" sz="1600" b="1" dirty="0">
+                <a:hlinkClick r:id="rId6"/>
+              </a:rPr>
+              <a:t>Introduction to Neural Networks</a:t>
+            </a:r>
+            <a:endParaRPr lang="en-US" sz="1600" b="1" dirty="0"/>
+          </a:p>
+          <a:p>
+            <a:r>
+              <a:rPr lang="en-US" sz="1600" b="1" dirty="0" smtClean="0">
+                <a:solidFill>
+                  <a:srgbClr val="00B050"/>
+                </a:solidFill>
+              </a:rPr>
+              <a:t>		</a:t>
+            </a:r>
+            <a:r>
+              <a:rPr lang="en-US" sz="1600" b="1" dirty="0">
+                <a:hlinkClick r:id="rId7"/>
+              </a:rPr>
+              <a:t>Introduction to Convolutional Neural Networks</a:t>
+            </a:r>
+            <a:endParaRPr lang="en-US" sz="1600" b="1" dirty="0"/>
+          </a:p>
+          <a:p>
+            <a:r>
+              <a:rPr lang="en-US" sz="1600" b="1" dirty="0" smtClean="0">
+                <a:solidFill>
+                  <a:srgbClr val="00B050"/>
+                </a:solidFill>
+              </a:rPr>
+              <a:t>		</a:t>
+            </a:r>
+            <a:r>
+              <a:rPr lang="en-US" sz="1600" b="1" dirty="0">
+                <a:hlinkClick r:id="rId8"/>
+              </a:rPr>
+              <a:t>Introduction to Recurrent Neural Networks</a:t>
+            </a:r>
+            <a:endParaRPr lang="en-US" sz="1600" b="1" dirty="0"/>
+          </a:p>
+          <a:p>
+            <a:r>
+              <a:rPr lang="en-US" sz="1600" b="1" dirty="0" smtClean="0">
+                <a:solidFill>
+                  <a:srgbClr val="00B050"/>
+                </a:solidFill>
+              </a:rPr>
+              <a:t>		</a:t>
+            </a:r>
+            <a:r>
+              <a:rPr lang="en-US" sz="1600" b="1" dirty="0">
+                <a:hlinkClick r:id="rId9"/>
+              </a:rPr>
+              <a:t>Adversarial Attacks on Machine </a:t>
+            </a:r>
+            <a:r>
+              <a:rPr lang="en-US" sz="1600" b="1" dirty="0" smtClean="0">
+                <a:hlinkClick r:id="rId9"/>
+              </a:rPr>
+              <a:t>Learning</a:t>
+            </a:r>
+            <a:endParaRPr lang="en-US" sz="1600" b="1" dirty="0"/>
           </a:p>
         </p:txBody>
       </p:sp>
     </p:spTree>
     <p:extLst>
       <p:ext uri="{BB962C8B-B14F-4D97-AF65-F5344CB8AC3E}">
-        <p14:creationId xmlns:p14="http://schemas.microsoft.com/office/powerpoint/2010/main" val="1524590495"/>
+        <p14:creationId xmlns:p14="http://schemas.microsoft.com/office/powerpoint/2010/main" val="3636280745"/>
       </p:ext>
     </p:extLst>
   </p:cSld>
@@ -5616,7 +6259,7 @@
         <p:spPr>
           <a:xfrm>
             <a:off x="152400" y="1164134"/>
-            <a:ext cx="9000734" cy="4439677"/>
+            <a:ext cx="8847358" cy="3970318"/>
           </a:xfrm>
           <a:prstGeom prst="rect">
             <a:avLst/>
@@ -5629,19 +6272,12 @@
           </a:bodyPr>
           <a:lstStyle/>
           <a:p>
-            <a:endParaRPr lang="en-US" sz="1600" b="1" dirty="0" smtClean="0">
-              <a:solidFill>
-                <a:srgbClr val="00B050"/>
-              </a:solidFill>
-            </a:endParaRPr>
-          </a:p>
-          <a:p>
-            <a:pPr marL="285750" indent="-285750">
-              <a:buFont typeface="Arial" panose="020B0604020202020204" pitchFamily="34" charset="0"/>
+            <a:pPr marL="457200" indent="-457200">
+              <a:buFont typeface="Arial" pitchFamily="34" charset="0"/>
               <a:buChar char="•"/>
             </a:pPr>
             <a:r>
-              <a:rPr lang="en-US" sz="2800" b="1" dirty="0">
+              <a:rPr lang="en-US" sz="2800" b="1" dirty="0" smtClean="0">
                 <a:solidFill>
                   <a:schemeClr val="accent5">
                     <a:lumMod val="75000"/>
@@ -5658,158 +6294,188 @@
                   </a:schemeClr>
                 </a:solidFill>
               </a:rPr>
-              <a:t>6: </a:t>
-            </a:r>
-            <a:r>
-              <a:rPr lang="en-US" sz="2800" b="1" dirty="0">
+              <a:t>5: </a:t>
+            </a:r>
+            <a:r>
+              <a:rPr lang="en-US" sz="2800" b="1" dirty="0" smtClean="0">
                 <a:solidFill>
                   <a:srgbClr val="00B050"/>
                 </a:solidFill>
               </a:rPr>
-              <a:t>Machine Learning in </a:t>
-            </a:r>
-            <a:r>
-              <a:rPr lang="en-US" sz="2800" b="1" dirty="0" smtClean="0">
-                <a:solidFill>
-                  <a:srgbClr val="00B050"/>
-                </a:solidFill>
-              </a:rPr>
-              <a:t>Python</a:t>
-            </a:r>
-          </a:p>
-          <a:p>
-            <a:endParaRPr lang="en-US" sz="2800" b="1" dirty="0">
-              <a:solidFill>
-                <a:srgbClr val="00B050"/>
-              </a:solidFill>
-            </a:endParaRPr>
-          </a:p>
-          <a:p>
-            <a:r>
-              <a:rPr lang="en-US" sz="1600" dirty="0" smtClean="0"/>
-              <a:t>	The first part of this session will </a:t>
-            </a:r>
+              <a:t>Basic Statistics and Regression Analysis</a:t>
+            </a:r>
+          </a:p>
+          <a:p>
+            <a:r>
+              <a:rPr lang="en-US" sz="1600" dirty="0" smtClean="0"/>
+              <a:t>	</a:t>
+            </a:r>
+            <a:br>
+              <a:rPr lang="en-US" sz="1600" dirty="0" smtClean="0"/>
+            </a:br>
+            <a:r>
+              <a:rPr lang="en-US" sz="1600" dirty="0" smtClean="0"/>
+              <a:t>	The first part of this session will cover the basic foundations of statistics: standard deviation, </a:t>
+            </a:r>
+            <a:br>
+              <a:rPr lang="en-US" sz="1600" dirty="0" smtClean="0"/>
+            </a:br>
+            <a:r>
+              <a:rPr lang="en-US" sz="1600" dirty="0" smtClean="0"/>
+              <a:t>	normal distribution, sampling distribution, Z-scores, box plots and simple linear regression </a:t>
+            </a:r>
+            <a:br>
+              <a:rPr lang="en-US" sz="1600" dirty="0" smtClean="0"/>
+            </a:br>
+            <a:r>
+              <a:rPr lang="en-US" sz="1600" dirty="0" smtClean="0"/>
+              <a:t>	(also known as the slope of a line). </a:t>
+            </a:r>
+            <a:br>
+              <a:rPr lang="en-US" sz="1600" dirty="0" smtClean="0"/>
+            </a:br>
+            <a:r>
+              <a:rPr lang="en-US" sz="1600" dirty="0" smtClean="0"/>
+              <a:t/>
+            </a:r>
+            <a:br>
+              <a:rPr lang="en-US" sz="1600" dirty="0" smtClean="0"/>
+            </a:br>
+            <a:r>
+              <a:rPr lang="en-US" sz="1600" dirty="0" smtClean="0"/>
+              <a:t>	The second part of this session will cover the basic foundations of preparing datasets, simple </a:t>
+            </a:r>
+            <a:br>
+              <a:rPr lang="en-US" sz="1600" dirty="0" smtClean="0"/>
+            </a:br>
+            <a:r>
+              <a:rPr lang="en-US" sz="1600" dirty="0" smtClean="0"/>
+              <a:t>	and multiple linear regression, decision trees, ensemble methods and confusion matrices</a:t>
+            </a:r>
+            <a:r>
+              <a:rPr lang="en-US" sz="1600" dirty="0" smtClean="0"/>
+              <a:t>.</a:t>
+            </a:r>
+          </a:p>
+          <a:p>
+            <a:endParaRPr lang="en-US" sz="1600" dirty="0"/>
+          </a:p>
+          <a:p>
+            <a:r>
+              <a:rPr lang="en-US" sz="1600" dirty="0" smtClean="0"/>
+              <a:t>		</a:t>
+            </a:r>
+            <a:r>
+              <a:rPr lang="en-US" sz="1600" b="1" dirty="0">
+                <a:hlinkClick r:id="rId2"/>
+              </a:rPr>
+              <a:t>Statistics Basics</a:t>
+            </a:r>
+            <a:endParaRPr lang="en-US" sz="1600" b="1" dirty="0"/>
+          </a:p>
+          <a:p>
+            <a:r>
+              <a:rPr lang="en-US" sz="1600" dirty="0" smtClean="0"/>
+              <a:t>		</a:t>
+            </a:r>
+            <a:r>
+              <a:rPr lang="en-US" sz="1600" b="1" dirty="0" err="1">
+                <a:hlinkClick r:id="rId3"/>
+              </a:rPr>
+              <a:t>Softmax</a:t>
+            </a:r>
+            <a:r>
+              <a:rPr lang="en-US" sz="1600" b="1" dirty="0">
+                <a:hlinkClick r:id="rId3"/>
+              </a:rPr>
+              <a:t> Equation</a:t>
+            </a:r>
+            <a:endParaRPr lang="en-US" sz="1600" b="1" dirty="0"/>
+          </a:p>
+          <a:p>
+            <a:r>
+              <a:rPr lang="en-US" sz="1600" dirty="0" smtClean="0"/>
+              <a:t>		</a:t>
+            </a:r>
+            <a:r>
+              <a:rPr lang="en-US" sz="1600" b="1" dirty="0">
+                <a:hlinkClick r:id="rId4"/>
+              </a:rPr>
+              <a:t>Simple Linear </a:t>
+            </a:r>
+            <a:r>
+              <a:rPr lang="en-US" sz="1600" b="1" dirty="0" smtClean="0">
+                <a:hlinkClick r:id="rId4"/>
+              </a:rPr>
+              <a:t>Regression</a:t>
+            </a:r>
+            <a:endParaRPr lang="en-US" sz="1600" b="1" dirty="0" smtClean="0"/>
+          </a:p>
+          <a:p>
+            <a:r>
+              <a:rPr lang="en-US" sz="1600" b="1" dirty="0"/>
+              <a:t>	</a:t>
+            </a:r>
+            <a:r>
+              <a:rPr lang="en-US" sz="1600" b="1" dirty="0" smtClean="0"/>
+              <a:t>		</a:t>
+            </a:r>
+            <a:r>
+              <a:rPr lang="en-US" sz="1600" dirty="0">
+                <a:hlinkClick r:id="rId5"/>
+              </a:rPr>
+              <a:t>Simple Linear Regression in </a:t>
+            </a:r>
+            <a:r>
+              <a:rPr lang="en-US" sz="1600" dirty="0" smtClean="0">
+                <a:hlinkClick r:id="rId5"/>
+              </a:rPr>
+              <a:t>Excel</a:t>
+            </a:r>
+            <a:endParaRPr lang="en-US" sz="1600" dirty="0" smtClean="0"/>
+          </a:p>
+          <a:p>
             <a:r>
               <a:rPr lang="en-US" sz="1600" dirty="0"/>
-              <a:t>cover the basic foundations of OOP programming </a:t>
-            </a:r>
-            <a:r>
-              <a:rPr lang="en-US" sz="1600" dirty="0" smtClean="0"/>
-              <a:t>in Python.</a:t>
-            </a:r>
-          </a:p>
-          <a:p>
-            <a:endParaRPr lang="en-US" sz="1600" dirty="0"/>
-          </a:p>
-          <a:p>
-            <a:r>
-              <a:rPr lang="en-US" sz="1600" dirty="0" smtClean="0"/>
-              <a:t>	The second part of this session will cover Python machine </a:t>
-            </a:r>
-            <a:r>
-              <a:rPr lang="en-US" sz="1600" dirty="0"/>
-              <a:t>learning libraries </a:t>
-            </a:r>
-            <a:r>
-              <a:rPr lang="en-US" sz="1600" dirty="0" smtClean="0"/>
-              <a:t>from </a:t>
-            </a:r>
-            <a:r>
-              <a:rPr lang="en-US" sz="1600" dirty="0" err="1" smtClean="0"/>
-              <a:t>Sci</a:t>
-            </a:r>
-            <a:r>
-              <a:rPr lang="en-US" sz="1600" dirty="0" smtClean="0"/>
-              <a:t>-Learn and </a:t>
+              <a:t>	</a:t>
+            </a:r>
+            <a:r>
+              <a:rPr lang="en-US" sz="1600" dirty="0" smtClean="0"/>
+              <a:t>		</a:t>
+            </a:r>
+            <a:r>
+              <a:rPr lang="en-US" sz="1600" dirty="0">
+                <a:hlinkClick r:id="rId6"/>
+              </a:rPr>
+              <a:t>Simple Linear Regression in </a:t>
+            </a:r>
+            <a:r>
+              <a:rPr lang="en-US" sz="1600" dirty="0" err="1">
+                <a:hlinkClick r:id="rId6"/>
+              </a:rPr>
+              <a:t>Scikit</a:t>
+            </a:r>
+            <a:r>
+              <a:rPr lang="en-US" sz="1600" dirty="0">
+                <a:hlinkClick r:id="rId6"/>
+              </a:rPr>
+              <a:t> Learn (python)</a:t>
+            </a:r>
+            <a:r>
+              <a:rPr lang="en-US" sz="1600" dirty="0" smtClean="0"/>
+              <a:t/>
             </a:r>
             <a:br>
               <a:rPr lang="en-US" sz="1600" dirty="0" smtClean="0"/>
             </a:br>
-            <a:r>
-              <a:rPr lang="en-US" sz="1600" dirty="0" smtClean="0"/>
-              <a:t>	Torch.</a:t>
-            </a:r>
-            <a:endParaRPr lang="en-US" sz="1600" dirty="0"/>
-          </a:p>
-          <a:p>
-            <a:endParaRPr lang="en-US" sz="1600" b="1" dirty="0" smtClean="0">
-              <a:solidFill>
-                <a:srgbClr val="00B050"/>
-              </a:solidFill>
-            </a:endParaRPr>
-          </a:p>
-          <a:p>
-            <a:pPr marL="285750" indent="-285750">
-              <a:buFont typeface="Arial" panose="020B0604020202020204" pitchFamily="34" charset="0"/>
-              <a:buChar char="•"/>
-            </a:pPr>
-            <a:r>
-              <a:rPr lang="en-US" sz="2800" b="1" dirty="0" smtClean="0">
-                <a:solidFill>
-                  <a:schemeClr val="accent5">
-                    <a:lumMod val="75000"/>
-                  </a:schemeClr>
-                </a:solidFill>
-              </a:rPr>
-              <a:t>Session 7: </a:t>
-            </a:r>
-            <a:r>
-              <a:rPr lang="en-US" sz="2800" b="1" dirty="0" smtClean="0">
-                <a:solidFill>
-                  <a:srgbClr val="00B050"/>
-                </a:solidFill>
-              </a:rPr>
-              <a:t>Natural Language Processing</a:t>
-            </a:r>
-          </a:p>
-          <a:p>
-            <a:endParaRPr lang="en-US" sz="2800" b="1" dirty="0">
-              <a:solidFill>
-                <a:srgbClr val="00B050"/>
-              </a:solidFill>
-            </a:endParaRPr>
-          </a:p>
-          <a:p>
-            <a:r>
-              <a:rPr lang="en-US" sz="1600" dirty="0" smtClean="0"/>
-              <a:t>	This session will cover the basic foundations of Natural Language Processing covering bags of </a:t>
-            </a:r>
-            <a:br>
-              <a:rPr lang="en-US" sz="1600" dirty="0" smtClean="0"/>
-            </a:br>
-            <a:r>
-              <a:rPr lang="en-US" sz="1600" dirty="0" smtClean="0"/>
-              <a:t>	words, cleaning, stemming, lemmatization, tern frequencies (TF), </a:t>
-            </a:r>
-            <a:r>
-              <a:rPr lang="en-US" sz="1600" dirty="0" err="1" smtClean="0"/>
-              <a:t>interdocument</a:t>
-            </a:r>
-            <a:r>
-              <a:rPr lang="en-US" sz="1600" dirty="0" smtClean="0"/>
-              <a:t> frequencies </a:t>
-            </a:r>
-            <a:br>
-              <a:rPr lang="en-US" sz="1600" dirty="0" smtClean="0"/>
-            </a:br>
-            <a:r>
-              <a:rPr lang="en-US" sz="1600" dirty="0" smtClean="0"/>
-              <a:t>	(IDF), handling narrative (text) fields in datasets, and word vectors.</a:t>
-            </a:r>
-          </a:p>
-          <a:p>
-            <a:endParaRPr lang="en-US" sz="1600" b="1" dirty="0">
-              <a:solidFill>
-                <a:srgbClr val="00B050"/>
-              </a:solidFill>
-            </a:endParaRPr>
+            <a:endParaRPr lang="en-US" sz="1600" dirty="0" smtClean="0"/>
           </a:p>
         </p:txBody>
       </p:sp>
     </p:spTree>
     <p:extLst>
       <p:ext uri="{BB962C8B-B14F-4D97-AF65-F5344CB8AC3E}">
-        <p14:creationId xmlns:p14="http://schemas.microsoft.com/office/powerpoint/2010/main" val="3528188456"/>
+        <p14:creationId xmlns:p14="http://schemas.microsoft.com/office/powerpoint/2010/main" val="1524590495"/>
       </p:ext>
     </p:extLst>
   </p:cSld>
@@ -5926,7 +6592,7 @@
         <p:spPr>
           <a:xfrm>
             <a:off x="152400" y="1164134"/>
-            <a:ext cx="9029395" cy="5093702"/>
+            <a:ext cx="9000734" cy="5632311"/>
           </a:xfrm>
           <a:prstGeom prst="rect">
             <a:avLst/>
@@ -5939,19 +6605,12 @@
           </a:bodyPr>
           <a:lstStyle/>
           <a:p>
-            <a:endParaRPr lang="en-US" sz="1050" b="1" dirty="0">
-              <a:solidFill>
-                <a:srgbClr val="00B050"/>
-              </a:solidFill>
-            </a:endParaRPr>
-          </a:p>
-          <a:p>
-            <a:pPr marL="285750" indent="-285750">
-              <a:buFont typeface="Arial" panose="020B0604020202020204" pitchFamily="34" charset="0"/>
+            <a:pPr marL="457200" indent="-457200">
+              <a:buFont typeface="Arial" pitchFamily="34" charset="0"/>
               <a:buChar char="•"/>
             </a:pPr>
             <a:r>
-              <a:rPr lang="en-US" sz="2800" b="1" dirty="0">
+              <a:rPr lang="en-US" sz="2800" b="1" dirty="0" smtClean="0">
                 <a:solidFill>
                   <a:schemeClr val="accent5">
                     <a:lumMod val="75000"/>
@@ -5968,7 +6627,15 @@
                   </a:schemeClr>
                 </a:solidFill>
               </a:rPr>
-              <a:t>8: </a:t>
+              <a:t>6: </a:t>
+            </a:r>
+            <a:r>
+              <a:rPr lang="en-US" sz="2800" b="1" dirty="0">
+                <a:solidFill>
+                  <a:srgbClr val="00B050"/>
+                </a:solidFill>
+              </a:rPr>
+              <a:t>Machine Learning in </a:t>
             </a:r>
             <a:r>
               <a:rPr lang="en-US" sz="2800" b="1" dirty="0" smtClean="0">
@@ -5976,8 +6643,10 @@
                   <a:srgbClr val="00B050"/>
                 </a:solidFill>
               </a:rPr>
-              <a:t>Sensor Fusion</a:t>
-            </a:r>
+              <a:t>Python</a:t>
+            </a:r>
+          </a:p>
+          <a:p>
             <a:endParaRPr lang="en-US" sz="2800" b="1" dirty="0">
               <a:solidFill>
                 <a:srgbClr val="00B050"/>
@@ -5985,54 +6654,174 @@
             </a:endParaRPr>
           </a:p>
           <a:p>
-            <a:endParaRPr lang="en-US" sz="1600" dirty="0" smtClean="0"/>
-          </a:p>
-          <a:p>
+            <a:r>
+              <a:rPr lang="en-US" sz="1600" dirty="0" smtClean="0"/>
+              <a:t>	The first part of this session will </a:t>
+            </a:r>
             <a:r>
               <a:rPr lang="en-US" sz="1600" dirty="0"/>
+              <a:t>cover the basic foundations of OOP programming </a:t>
+            </a:r>
+            <a:r>
+              <a:rPr lang="en-US" sz="1600" dirty="0" smtClean="0"/>
+              <a:t>in Python.</a:t>
+            </a:r>
+          </a:p>
+          <a:p>
+            <a:endParaRPr lang="en-US" sz="1600" dirty="0"/>
+          </a:p>
+          <a:p>
+            <a:r>
+              <a:rPr lang="en-US" sz="1600" dirty="0" smtClean="0"/>
+              <a:t>	The second part of this session will cover Python machine </a:t>
+            </a:r>
+            <a:r>
+              <a:rPr lang="en-US" sz="1600" dirty="0"/>
+              <a:t>learning libraries </a:t>
+            </a:r>
+            <a:r>
+              <a:rPr lang="en-US" sz="1600" dirty="0" smtClean="0"/>
+              <a:t>from </a:t>
+            </a:r>
+            <a:r>
+              <a:rPr lang="en-US" sz="1600" dirty="0" err="1" smtClean="0"/>
+              <a:t>Sci</a:t>
+            </a:r>
+            <a:r>
+              <a:rPr lang="en-US" sz="1600" dirty="0" smtClean="0"/>
+              <a:t>-Learn and </a:t>
+            </a:r>
+            <a:br>
+              <a:rPr lang="en-US" sz="1600" dirty="0" smtClean="0"/>
+            </a:br>
+            <a:r>
+              <a:rPr lang="en-US" sz="1600" dirty="0" smtClean="0"/>
+              <a:t>	Torch</a:t>
+            </a:r>
+            <a:r>
+              <a:rPr lang="en-US" sz="1600" dirty="0" smtClean="0"/>
+              <a:t>.</a:t>
+            </a:r>
+          </a:p>
+          <a:p>
+            <a:endParaRPr lang="en-US" sz="1600" dirty="0"/>
+          </a:p>
+          <a:p>
+            <a:r>
+              <a:rPr lang="en-US" sz="1600" dirty="0" smtClean="0"/>
+              <a:t>		</a:t>
+            </a:r>
+            <a:r>
+              <a:rPr lang="en-US" sz="1600" b="1" dirty="0">
+                <a:hlinkClick r:id="rId2"/>
+              </a:rPr>
+              <a:t>Installing and Using Python and </a:t>
+            </a:r>
+            <a:r>
+              <a:rPr lang="en-US" sz="1600" b="1" dirty="0" err="1">
+                <a:hlinkClick r:id="rId2"/>
+              </a:rPr>
+              <a:t>Jupypter</a:t>
+            </a:r>
+            <a:r>
+              <a:rPr lang="en-US" sz="1600" b="1" dirty="0">
+                <a:hlinkClick r:id="rId2"/>
+              </a:rPr>
+              <a:t> </a:t>
+            </a:r>
+            <a:r>
+              <a:rPr lang="en-US" sz="1600" b="1" dirty="0" smtClean="0">
+                <a:hlinkClick r:id="rId2"/>
+              </a:rPr>
+              <a:t>Notebook</a:t>
+            </a:r>
+            <a:endParaRPr lang="en-US" sz="1600" b="1" dirty="0" smtClean="0"/>
+          </a:p>
+          <a:p>
+            <a:r>
+              <a:rPr lang="en-US" sz="1600" b="1" dirty="0"/>
               <a:t>	</a:t>
             </a:r>
             <a:r>
-              <a:rPr lang="en-US" sz="1600" dirty="0" smtClean="0"/>
-              <a:t>The first part of this </a:t>
-            </a:r>
-            <a:r>
-              <a:rPr lang="en-US" sz="1600" dirty="0"/>
-              <a:t>session will cover the basic </a:t>
-            </a:r>
-            <a:r>
-              <a:rPr lang="en-US" sz="1600" dirty="0" smtClean="0"/>
-              <a:t>foundations of sensor technology in the </a:t>
+              <a:rPr lang="en-US" sz="1600" b="1" dirty="0" smtClean="0"/>
+              <a:t>	</a:t>
+            </a:r>
+            <a:r>
+              <a:rPr lang="en-US" sz="1600" b="1" dirty="0">
+                <a:hlinkClick r:id="rId3"/>
+              </a:rPr>
+              <a:t>Python Machine Learning </a:t>
+            </a:r>
+            <a:r>
+              <a:rPr lang="en-US" sz="1600" b="1" dirty="0" smtClean="0">
+                <a:hlinkClick r:id="rId3"/>
+              </a:rPr>
+              <a:t>Libraries</a:t>
+            </a:r>
+            <a:endParaRPr lang="en-US" sz="1600" b="1" dirty="0" smtClean="0"/>
+          </a:p>
+          <a:p>
+            <a:r>
+              <a:rPr lang="en-US" sz="1600" b="1" dirty="0"/>
+              <a:t>	</a:t>
+            </a:r>
+            <a:r>
+              <a:rPr lang="en-US" sz="1600" b="1" dirty="0" smtClean="0"/>
+              <a:t>		&lt;wine dataset&gt;</a:t>
+            </a:r>
+            <a:endParaRPr lang="en-US" sz="1600" b="1" dirty="0"/>
+          </a:p>
+          <a:p>
+            <a:r>
+              <a:rPr lang="en-US" sz="1600" dirty="0" smtClean="0"/>
+              <a:t>		</a:t>
+            </a:r>
+            <a:r>
+              <a:rPr lang="en-US" sz="1600" b="1" dirty="0">
+                <a:hlinkClick r:id="rId4"/>
+              </a:rPr>
+              <a:t>OOP Principles</a:t>
+            </a:r>
+            <a:endParaRPr lang="en-US" sz="1600" b="1" dirty="0"/>
+          </a:p>
+          <a:p>
+            <a:r>
+              <a:rPr lang="en-US" sz="1600" dirty="0" smtClean="0"/>
+              <a:t>		</a:t>
+            </a:r>
+            <a:r>
+              <a:rPr lang="en-US" sz="1600" b="1" dirty="0">
+                <a:hlinkClick r:id="rId5"/>
+              </a:rPr>
+              <a:t>Python OOP </a:t>
+            </a:r>
+            <a:r>
+              <a:rPr lang="en-US" sz="1600" b="1" dirty="0" smtClean="0">
+                <a:hlinkClick r:id="rId5"/>
+              </a:rPr>
+              <a:t>Programming</a:t>
+            </a:r>
+            <a:r>
+              <a:rPr lang="en-US" sz="1600" b="1" dirty="0" smtClean="0"/>
+              <a:t/>
             </a:r>
             <a:br>
-              <a:rPr lang="en-US" sz="1600" dirty="0" smtClean="0"/>
+              <a:rPr lang="en-US" sz="1600" b="1" dirty="0" smtClean="0"/>
             </a:br>
             <a:r>
-              <a:rPr lang="en-US" sz="1600" dirty="0" smtClean="0"/>
-              <a:t>	autonomous world, covering GPS, cameras, IDAR, and sonic sensors.</a:t>
-            </a:r>
-          </a:p>
-          <a:p>
-            <a:endParaRPr lang="en-US" sz="1600" dirty="0"/>
-          </a:p>
-          <a:p>
-            <a:r>
-              <a:rPr lang="en-US" sz="1600" dirty="0" smtClean="0"/>
-              <a:t>	The second part of this session will cover the algorithms, covering sensor fusion, SLAM and</a:t>
-            </a:r>
-          </a:p>
-          <a:p>
-            <a:r>
-              <a:rPr lang="en-US" sz="1600" dirty="0"/>
-              <a:t>	</a:t>
-            </a:r>
-            <a:r>
-              <a:rPr lang="en-US" sz="1600" dirty="0" smtClean="0"/>
-              <a:t>computer vision.</a:t>
-            </a:r>
-          </a:p>
-          <a:p>
-            <a:endParaRPr lang="en-US" sz="1050" b="1" dirty="0">
+              <a:rPr lang="en-US" sz="1600" b="1" dirty="0" smtClean="0"/>
+              <a:t>			</a:t>
+            </a:r>
+            <a:r>
+              <a:rPr lang="en-US" sz="1600" dirty="0">
+                <a:hlinkClick r:id="rId6"/>
+              </a:rPr>
+              <a:t>OOP for Machine Language Programming</a:t>
+            </a:r>
+            <a:endParaRPr lang="en-US" sz="1200" dirty="0"/>
+          </a:p>
+          <a:p>
+            <a:endParaRPr lang="en-US" sz="1200" b="1" dirty="0" smtClean="0">
               <a:solidFill>
                 <a:srgbClr val="00B050"/>
               </a:solidFill>
@@ -6044,143 +6833,61 @@
               <a:buChar char="•"/>
             </a:pPr>
             <a:r>
-              <a:rPr lang="en-US" sz="2800" b="1" dirty="0">
+              <a:rPr lang="en-US" sz="2800" b="1" dirty="0" smtClean="0">
                 <a:solidFill>
                   <a:schemeClr val="accent5">
                     <a:lumMod val="75000"/>
                   </a:schemeClr>
                 </a:solidFill>
               </a:rPr>
-              <a:t>Session </a:t>
+              <a:t>Session 7: </a:t>
             </a:r>
             <a:r>
               <a:rPr lang="en-US" sz="2800" b="1" dirty="0" smtClean="0">
                 <a:solidFill>
-                  <a:schemeClr val="accent5">
-                    <a:lumMod val="75000"/>
-                  </a:schemeClr>
-                </a:solidFill>
-              </a:rPr>
-              <a:t>9: </a:t>
-            </a:r>
-            <a:r>
-              <a:rPr lang="en-US" sz="2800" b="1" dirty="0" smtClean="0">
-                <a:solidFill>
                   <a:srgbClr val="00B050"/>
                 </a:solidFill>
               </a:rPr>
-              <a:t>Workshop – Python</a:t>
-            </a:r>
-          </a:p>
-          <a:p>
-            <a:endParaRPr lang="en-US" sz="1600" dirty="0"/>
-          </a:p>
-          <a:p>
-            <a:r>
-              <a:rPr lang="en-US" sz="1600" dirty="0"/>
-              <a:t>	</a:t>
-            </a:r>
-            <a:r>
-              <a:rPr lang="en-US" sz="1600" dirty="0" smtClean="0"/>
-              <a:t>This workshop will cover programming in Python, covering language basics and constructs, and</a:t>
-            </a:r>
-          </a:p>
-          <a:p>
-            <a:r>
-              <a:rPr lang="en-US" sz="1600" dirty="0"/>
-              <a:t>	</a:t>
-            </a:r>
-            <a:r>
-              <a:rPr lang="en-US" sz="1600" dirty="0" smtClean="0"/>
-              <a:t>common </a:t>
-            </a:r>
-            <a:r>
-              <a:rPr lang="en-US" sz="1600" dirty="0" smtClean="0"/>
-              <a:t>libraries (Ernest </a:t>
-            </a:r>
-            <a:r>
-              <a:rPr lang="en-US" sz="1600" dirty="0" err="1" smtClean="0"/>
-              <a:t>Bonat</a:t>
-            </a:r>
-            <a:r>
-              <a:rPr lang="en-US" sz="1600" dirty="0" smtClean="0"/>
-              <a:t>, PhD).</a:t>
-            </a:r>
-            <a:endParaRPr lang="en-US" sz="1600" dirty="0" smtClean="0"/>
-          </a:p>
-          <a:p>
-            <a:endParaRPr lang="en-US" sz="1600" b="1" dirty="0" smtClean="0">
+              <a:t>Natural Language Processing</a:t>
+            </a:r>
+          </a:p>
+          <a:p>
+            <a:endParaRPr lang="en-US" sz="2800" b="1" dirty="0">
               <a:solidFill>
                 <a:srgbClr val="00B050"/>
               </a:solidFill>
             </a:endParaRPr>
           </a:p>
           <a:p>
-            <a:pPr marL="285750" indent="-285750">
-              <a:buFont typeface="Arial" panose="020B0604020202020204" pitchFamily="34" charset="0"/>
-              <a:buChar char="•"/>
-            </a:pPr>
-            <a:r>
-              <a:rPr lang="en-US" sz="2800" b="1" dirty="0" smtClean="0">
-                <a:solidFill>
-                  <a:schemeClr val="accent5">
-                    <a:lumMod val="75000"/>
-                  </a:schemeClr>
-                </a:solidFill>
-              </a:rPr>
-              <a:t>Session 10: </a:t>
-            </a:r>
-            <a:r>
-              <a:rPr lang="en-US" sz="2800" b="1" dirty="0" smtClean="0">
-                <a:solidFill>
-                  <a:srgbClr val="00B050"/>
-                </a:solidFill>
-              </a:rPr>
-              <a:t>Workshop – </a:t>
-            </a:r>
-            <a:r>
-              <a:rPr lang="en-US" sz="2800" b="1" dirty="0" err="1" smtClean="0">
-                <a:solidFill>
-                  <a:srgbClr val="00B050"/>
-                </a:solidFill>
-              </a:rPr>
-              <a:t>TensorFlow</a:t>
-            </a:r>
-            <a:endParaRPr lang="en-US" sz="2800" b="1" dirty="0" smtClean="0">
-              <a:solidFill>
-                <a:srgbClr val="00B050"/>
-              </a:solidFill>
-            </a:endParaRPr>
-          </a:p>
-          <a:p>
-            <a:endParaRPr lang="en-US" sz="2800" dirty="0"/>
-          </a:p>
-          <a:p>
-            <a:r>
-              <a:rPr lang="en-US" sz="1600" dirty="0"/>
-              <a:t>	This workshop will cover programming in </a:t>
+            <a:r>
+              <a:rPr lang="en-US" sz="1600" dirty="0" smtClean="0"/>
+              <a:t>	This session will cover the basic foundations of Natural Language Processing covering bags of </a:t>
+            </a:r>
+            <a:br>
+              <a:rPr lang="en-US" sz="1600" dirty="0" smtClean="0"/>
+            </a:br>
+            <a:r>
+              <a:rPr lang="en-US" sz="1600" dirty="0" smtClean="0"/>
+              <a:t>	words, cleaning, stemming, lemmatization, tern frequencies (TF), </a:t>
             </a:r>
             <a:r>
               <a:rPr lang="en-US" sz="1600" dirty="0" err="1" smtClean="0"/>
-              <a:t>TensorFlow</a:t>
-            </a:r>
-            <a:r>
-              <a:rPr lang="en-US" sz="1600" dirty="0" smtClean="0"/>
-              <a:t>, covering the concepts of Design and Run,</a:t>
-            </a:r>
-          </a:p>
-          <a:p>
-            <a:r>
-              <a:rPr lang="en-US" sz="1600" dirty="0"/>
-              <a:t>	</a:t>
-            </a:r>
-            <a:r>
-              <a:rPr lang="en-US" sz="1600" dirty="0" smtClean="0"/>
-              <a:t>syntax, and common approaches and design techniques</a:t>
-            </a:r>
-            <a:r>
-              <a:rPr lang="en-US" sz="1600" dirty="0" smtClean="0"/>
-              <a:t>. (Julio Barros, MS)</a:t>
+              <a:t>interdocument</a:t>
+            </a:r>
+            <a:r>
+              <a:rPr lang="en-US" sz="1600" dirty="0" smtClean="0"/>
+              <a:t> frequencies </a:t>
+            </a:r>
+            <a:br>
+              <a:rPr lang="en-US" sz="1600" dirty="0" smtClean="0"/>
+            </a:br>
+            <a:r>
+              <a:rPr lang="en-US" sz="1600" dirty="0" smtClean="0"/>
+              <a:t>	(IDF), handling narrative (text) fields in datasets, and word vectors</a:t>
+            </a:r>
+            <a:r>
+              <a:rPr lang="en-US" sz="1600" dirty="0" smtClean="0"/>
+              <a:t>.</a:t>
             </a:r>
             <a:endParaRPr lang="en-US" sz="1600" dirty="0" smtClean="0"/>
           </a:p>
@@ -6189,7 +6896,7 @@
     </p:spTree>
     <p:extLst>
       <p:ext uri="{BB962C8B-B14F-4D97-AF65-F5344CB8AC3E}">
-        <p14:creationId xmlns:p14="http://schemas.microsoft.com/office/powerpoint/2010/main" val="2047582178"/>
+        <p14:creationId xmlns:p14="http://schemas.microsoft.com/office/powerpoint/2010/main" val="3528188456"/>
       </p:ext>
     </p:extLst>
   </p:cSld>
@@ -6306,7 +7013,7 @@
         <p:spPr>
           <a:xfrm>
             <a:off x="152400" y="1164134"/>
-            <a:ext cx="8500084" cy="4524315"/>
+            <a:ext cx="9029395" cy="5093702"/>
           </a:xfrm>
           <a:prstGeom prst="rect">
             <a:avLst/>
@@ -6319,6 +7026,13 @@
           </a:bodyPr>
           <a:lstStyle/>
           <a:p>
+            <a:endParaRPr lang="en-US" sz="1050" b="1" dirty="0">
+              <a:solidFill>
+                <a:srgbClr val="00B050"/>
+              </a:solidFill>
+            </a:endParaRPr>
+          </a:p>
+          <a:p>
             <a:pPr marL="285750" indent="-285750">
               <a:buFont typeface="Arial" panose="020B0604020202020204" pitchFamily="34" charset="0"/>
               <a:buChar char="•"/>
@@ -6331,88 +7045,8 @@
                   </a:schemeClr>
                 </a:solidFill>
               </a:rPr>
-              <a:t>Session 11: </a:t>
-            </a:r>
-            <a:r>
-              <a:rPr lang="en-US" sz="2800" b="1" dirty="0">
-                <a:solidFill>
-                  <a:srgbClr val="00B050"/>
-                </a:solidFill>
-              </a:rPr>
-              <a:t>Workshop – </a:t>
-            </a:r>
-            <a:r>
-              <a:rPr lang="en-US" sz="2800" b="1" dirty="0" smtClean="0">
-                <a:solidFill>
-                  <a:srgbClr val="00B050"/>
-                </a:solidFill>
-              </a:rPr>
-              <a:t>Exploratory Data Analysis</a:t>
-            </a:r>
-            <a:r>
-              <a:rPr lang="en-US" sz="1600" b="1" dirty="0" smtClean="0">
-                <a:solidFill>
-                  <a:srgbClr val="00B050"/>
-                </a:solidFill>
-              </a:rPr>
-              <a:t/>
-            </a:r>
-            <a:br>
-              <a:rPr lang="en-US" sz="1600" b="1" dirty="0" smtClean="0">
-                <a:solidFill>
-                  <a:srgbClr val="00B050"/>
-                </a:solidFill>
-              </a:rPr>
-            </a:br>
-            <a:r>
-              <a:rPr lang="en-US" sz="1600" dirty="0"/>
-              <a:t/>
-            </a:r>
-            <a:br>
-              <a:rPr lang="en-US" sz="1600" dirty="0"/>
-            </a:br>
-            <a:r>
-              <a:rPr lang="en-US" sz="1600" dirty="0"/>
-              <a:t>	This workshop will cover </a:t>
-            </a:r>
-            <a:r>
-              <a:rPr lang="en-US" sz="1600" dirty="0" smtClean="0"/>
-              <a:t>analyzing and preparing datasets for machine learning, covering</a:t>
-            </a:r>
-          </a:p>
-          <a:p>
-            <a:r>
-              <a:rPr lang="en-US" sz="1600" b="1" dirty="0">
-                <a:solidFill>
-                  <a:srgbClr val="00B050"/>
-                </a:solidFill>
-              </a:rPr>
-              <a:t>	</a:t>
-            </a:r>
-            <a:r>
-              <a:rPr lang="en-US" sz="1600" dirty="0" smtClean="0"/>
-              <a:t>PCA</a:t>
-            </a:r>
-            <a:r>
-              <a:rPr lang="en-US" sz="1600" smtClean="0"/>
-              <a:t>, TBA …</a:t>
-            </a:r>
-            <a:endParaRPr lang="en-US" sz="1600" dirty="0"/>
-          </a:p>
-          <a:p>
-            <a:endParaRPr lang="en-US" sz="2800" b="1" dirty="0" smtClean="0">
-              <a:solidFill>
-                <a:schemeClr val="accent5">
-                  <a:lumMod val="75000"/>
-                </a:schemeClr>
-              </a:solidFill>
-            </a:endParaRPr>
-          </a:p>
-          <a:p>
-            <a:pPr marL="285750" indent="-285750">
-              <a:buFont typeface="Arial" panose="020B0604020202020204" pitchFamily="34" charset="0"/>
-              <a:buChar char="•"/>
-            </a:pPr>
+              <a:t>Session </a:t>
+            </a:r>
             <a:r>
               <a:rPr lang="en-US" sz="2800" b="1" dirty="0" smtClean="0">
                 <a:solidFill>
@@ -6421,7 +7055,7 @@
                   </a:schemeClr>
                 </a:solidFill>
               </a:rPr>
-              <a:t>Session 12: </a:t>
+              <a:t>8: </a:t>
             </a:r>
             <a:r>
               <a:rPr lang="en-US" sz="2800" b="1" dirty="0" smtClean="0">
@@ -6429,93 +7063,7 @@
                   <a:srgbClr val="00B050"/>
                 </a:solidFill>
               </a:rPr>
-              <a:t>Workshop – AWS Machine Learning</a:t>
-            </a:r>
-          </a:p>
-          <a:p>
-            <a:r>
-              <a:rPr lang="en-US" sz="1600" dirty="0" smtClean="0"/>
-              <a:t/>
-            </a:r>
-            <a:br>
-              <a:rPr lang="en-US" sz="1600" dirty="0" smtClean="0"/>
-            </a:br>
-            <a:r>
-              <a:rPr lang="en-US" sz="1600" dirty="0" smtClean="0"/>
-              <a:t>	This </a:t>
-            </a:r>
-            <a:r>
-              <a:rPr lang="en-US" sz="1600" dirty="0"/>
-              <a:t>workshop will cover </a:t>
-            </a:r>
-            <a:r>
-              <a:rPr lang="en-US" sz="1600" dirty="0" smtClean="0"/>
-              <a:t>machine learning programming with the AWS machine</a:t>
-            </a:r>
-            <a:br>
-              <a:rPr lang="en-US" sz="1600" dirty="0" smtClean="0"/>
-            </a:br>
-            <a:r>
-              <a:rPr lang="en-US" sz="1600" dirty="0" smtClean="0"/>
-              <a:t>	learning framework, covering Lex (Natural Language Processing), Polly (text-to-Speech), </a:t>
-            </a:r>
-          </a:p>
-          <a:p>
-            <a:r>
-              <a:rPr lang="en-US" sz="1600" dirty="0" smtClean="0"/>
-              <a:t>	and </a:t>
-            </a:r>
-            <a:r>
-              <a:rPr lang="en-US" sz="1600" dirty="0" err="1" smtClean="0"/>
-              <a:t>Rekognition</a:t>
-            </a:r>
-            <a:r>
-              <a:rPr lang="en-US" sz="1600" dirty="0" smtClean="0"/>
-              <a:t> (Image Recognition).</a:t>
-            </a:r>
-            <a:br>
-              <a:rPr lang="en-US" sz="1600" dirty="0" smtClean="0"/>
-            </a:br>
-            <a:endParaRPr lang="en-US" sz="1600" b="1" dirty="0" smtClean="0">
-              <a:solidFill>
-                <a:schemeClr val="accent5">
-                  <a:lumMod val="75000"/>
-                </a:schemeClr>
-              </a:solidFill>
-            </a:endParaRPr>
-          </a:p>
-          <a:p>
-            <a:pPr marL="285750" indent="-285750">
-              <a:buFont typeface="Arial" panose="020B0604020202020204" pitchFamily="34" charset="0"/>
-              <a:buChar char="•"/>
-            </a:pPr>
-            <a:r>
-              <a:rPr lang="en-US" sz="2800" b="1" dirty="0" smtClean="0">
-                <a:solidFill>
-                  <a:schemeClr val="accent5">
-                    <a:lumMod val="75000"/>
-                  </a:schemeClr>
-                </a:solidFill>
-              </a:rPr>
-              <a:t>Session </a:t>
-            </a:r>
-            <a:r>
-              <a:rPr lang="en-US" sz="2800" b="1" dirty="0" smtClean="0">
-                <a:solidFill>
-                  <a:schemeClr val="accent5">
-                    <a:lumMod val="75000"/>
-                  </a:schemeClr>
-                </a:solidFill>
-              </a:rPr>
-              <a:t>13: </a:t>
-            </a:r>
-            <a:r>
-              <a:rPr lang="en-US" sz="2800" b="1" dirty="0" smtClean="0">
-                <a:solidFill>
-                  <a:srgbClr val="00B050"/>
-                </a:solidFill>
-              </a:rPr>
-              <a:t>Workshop – Azure Machine Learning</a:t>
+              <a:t>Sensor Fusion</a:t>
             </a:r>
             <a:endParaRPr lang="en-US" sz="2800" b="1" dirty="0">
               <a:solidFill>
@@ -6524,52 +7072,259 @@
             </a:endParaRPr>
           </a:p>
           <a:p>
-            <a:r>
-              <a:rPr lang="en-US" sz="1600" dirty="0" smtClean="0"/>
-              <a:t/>
+            <a:endParaRPr lang="en-US" sz="1600" dirty="0" smtClean="0"/>
+          </a:p>
+          <a:p>
+            <a:r>
+              <a:rPr lang="en-US" sz="1600" dirty="0"/>
+              <a:t>	</a:t>
+            </a:r>
+            <a:r>
+              <a:rPr lang="en-US" sz="1600" dirty="0" smtClean="0"/>
+              <a:t>The first part of this </a:t>
+            </a:r>
+            <a:r>
+              <a:rPr lang="en-US" sz="1600" dirty="0"/>
+              <a:t>session will cover the basic </a:t>
+            </a:r>
+            <a:r>
+              <a:rPr lang="en-US" sz="1600" dirty="0" smtClean="0"/>
+              <a:t>foundations of sensor technology in the </a:t>
             </a:r>
             <a:br>
               <a:rPr lang="en-US" sz="1600" dirty="0" smtClean="0"/>
             </a:br>
             <a:r>
               <a:rPr lang="en-US" sz="1600" dirty="0" smtClean="0"/>
-              <a:t>	This </a:t>
-            </a:r>
+              <a:t>	autonomous world, covering GPS, cameras, IDAR, and sonic sensors.</a:t>
+            </a:r>
+          </a:p>
+          <a:p>
+            <a:endParaRPr lang="en-US" sz="1600" dirty="0"/>
+          </a:p>
+          <a:p>
+            <a:r>
+              <a:rPr lang="en-US" sz="1600" dirty="0" smtClean="0"/>
+              <a:t>	The second part of this session will cover the algorithms, covering sensor fusion, SLAM and</a:t>
+            </a:r>
+          </a:p>
+          <a:p>
             <a:r>
               <a:rPr lang="en-US" sz="1600" dirty="0"/>
-              <a:t>workshop will cover machine learning programming with the </a:t>
-            </a:r>
-            <a:r>
-              <a:rPr lang="en-US" sz="1600" dirty="0" smtClean="0"/>
-              <a:t>Azure </a:t>
-            </a:r>
-            <a:r>
-              <a:rPr lang="en-US" sz="1600" dirty="0"/>
-              <a:t>machine</a:t>
-            </a:r>
-            <a:br>
-              <a:rPr lang="en-US" sz="1600" dirty="0"/>
-            </a:br>
-            <a:r>
-              <a:rPr lang="en-US" sz="1600" dirty="0"/>
-              <a:t>	learning framework</a:t>
-            </a:r>
-            <a:r>
-              <a:rPr lang="en-US" sz="1600" dirty="0" smtClean="0"/>
-              <a:t>, covering the Azure Machine Learning Studio.</a:t>
-            </a:r>
-            <a:endParaRPr lang="en-US" sz="1600" b="1" dirty="0">
+              <a:t>	</a:t>
+            </a:r>
+            <a:r>
+              <a:rPr lang="en-US" sz="1600" dirty="0" smtClean="0"/>
+              <a:t>computer vision.</a:t>
+            </a:r>
+          </a:p>
+          <a:p>
+            <a:endParaRPr lang="en-US" sz="1050" b="1" dirty="0">
               <a:solidFill>
                 <a:srgbClr val="00B050"/>
               </a:solidFill>
             </a:endParaRPr>
           </a:p>
+          <a:p>
+            <a:pPr marL="285750" indent="-285750">
+              <a:buFont typeface="Arial" panose="020B0604020202020204" pitchFamily="34" charset="0"/>
+              <a:buChar char="•"/>
+            </a:pPr>
+            <a:r>
+              <a:rPr lang="en-US" sz="2800" b="1" dirty="0">
+                <a:solidFill>
+                  <a:schemeClr val="accent5">
+                    <a:lumMod val="75000"/>
+                  </a:schemeClr>
+                </a:solidFill>
+              </a:rPr>
+              <a:t>Session </a:t>
+            </a:r>
+            <a:r>
+              <a:rPr lang="en-US" sz="2800" b="1" dirty="0" smtClean="0">
+                <a:solidFill>
+                  <a:schemeClr val="accent5">
+                    <a:lumMod val="75000"/>
+                  </a:schemeClr>
+                </a:solidFill>
+              </a:rPr>
+              <a:t>9: </a:t>
+            </a:r>
+            <a:r>
+              <a:rPr lang="en-US" sz="2800" b="1" dirty="0" smtClean="0">
+                <a:solidFill>
+                  <a:srgbClr val="00B050"/>
+                </a:solidFill>
+              </a:rPr>
+              <a:t>Workshop – </a:t>
+            </a:r>
+            <a:r>
+              <a:rPr lang="en-US" sz="2800" b="1" dirty="0" err="1" smtClean="0">
+                <a:solidFill>
+                  <a:srgbClr val="00B050"/>
+                </a:solidFill>
+              </a:rPr>
+              <a:t>PyCharm</a:t>
+            </a:r>
+            <a:r>
+              <a:rPr lang="en-US" sz="2800" b="1" dirty="0" smtClean="0">
+                <a:solidFill>
+                  <a:srgbClr val="00B050"/>
+                </a:solidFill>
+              </a:rPr>
+              <a:t>/</a:t>
+            </a:r>
+            <a:r>
+              <a:rPr lang="en-US" sz="2800" b="1" dirty="0" err="1" smtClean="0">
+                <a:solidFill>
+                  <a:srgbClr val="00B050"/>
+                </a:solidFill>
+              </a:rPr>
+              <a:t>PyTorch</a:t>
+            </a:r>
+            <a:endParaRPr lang="en-US" sz="2800" b="1" dirty="0" smtClean="0">
+              <a:solidFill>
+                <a:srgbClr val="00B050"/>
+              </a:solidFill>
+            </a:endParaRPr>
+          </a:p>
+          <a:p>
+            <a:endParaRPr lang="en-US" sz="1600" dirty="0"/>
+          </a:p>
+          <a:p>
+            <a:r>
+              <a:rPr lang="en-US" sz="1600" dirty="0"/>
+              <a:t>	</a:t>
+            </a:r>
+            <a:r>
+              <a:rPr lang="en-US" sz="1600" dirty="0" smtClean="0"/>
+              <a:t>This workshop will cover </a:t>
+            </a:r>
+            <a:r>
+              <a:rPr lang="en-US" sz="1600" dirty="0" smtClean="0"/>
+              <a:t>machine learning programming in the </a:t>
+            </a:r>
+            <a:r>
+              <a:rPr lang="en-US" sz="1600" dirty="0" err="1" smtClean="0"/>
+              <a:t>PyCharm</a:t>
+            </a:r>
+            <a:r>
+              <a:rPr lang="en-US" sz="1600" dirty="0" smtClean="0"/>
+              <a:t> IDE with the </a:t>
+            </a:r>
+            <a:r>
+              <a:rPr lang="en-US" sz="1600" dirty="0" err="1" smtClean="0"/>
+              <a:t>PyTorch</a:t>
+            </a:r>
+            <a:endParaRPr lang="en-US" sz="1600" dirty="0" smtClean="0"/>
+          </a:p>
+          <a:p>
+            <a:r>
+              <a:rPr lang="en-US" sz="1600" dirty="0"/>
+              <a:t>	</a:t>
+            </a:r>
+            <a:r>
+              <a:rPr lang="en-US" sz="1600" dirty="0" smtClean="0"/>
+              <a:t>machine learning framework.</a:t>
+            </a:r>
+            <a:r>
+              <a:rPr lang="en-US" sz="1600" dirty="0"/>
+              <a:t> </a:t>
+            </a:r>
+            <a:r>
+              <a:rPr lang="en-US" sz="1600" dirty="0" smtClean="0"/>
+              <a:t>(</a:t>
+            </a:r>
+            <a:r>
+              <a:rPr lang="en-US" sz="1600" dirty="0" smtClean="0"/>
+              <a:t>Ernest </a:t>
+            </a:r>
+            <a:r>
+              <a:rPr lang="en-US" sz="1600" dirty="0" err="1" smtClean="0"/>
+              <a:t>Bonat</a:t>
+            </a:r>
+            <a:r>
+              <a:rPr lang="en-US" sz="1600" dirty="0" smtClean="0"/>
+              <a:t>, PhD).</a:t>
+            </a:r>
+          </a:p>
+          <a:p>
+            <a:endParaRPr lang="en-US" sz="1600" b="1" dirty="0" smtClean="0">
+              <a:solidFill>
+                <a:srgbClr val="00B050"/>
+              </a:solidFill>
+            </a:endParaRPr>
+          </a:p>
+          <a:p>
+            <a:pPr marL="285750" indent="-285750">
+              <a:buFont typeface="Arial" panose="020B0604020202020204" pitchFamily="34" charset="0"/>
+              <a:buChar char="•"/>
+            </a:pPr>
+            <a:r>
+              <a:rPr lang="en-US" sz="2800" b="1" dirty="0" smtClean="0">
+                <a:solidFill>
+                  <a:schemeClr val="accent5">
+                    <a:lumMod val="75000"/>
+                  </a:schemeClr>
+                </a:solidFill>
+              </a:rPr>
+              <a:t>Session 10: </a:t>
+            </a:r>
+            <a:r>
+              <a:rPr lang="en-US" sz="2800" b="1" dirty="0" smtClean="0">
+                <a:solidFill>
+                  <a:srgbClr val="00B050"/>
+                </a:solidFill>
+              </a:rPr>
+              <a:t>Workshop – </a:t>
+            </a:r>
+            <a:r>
+              <a:rPr lang="en-US" sz="2800" b="1" dirty="0" err="1" smtClean="0">
+                <a:solidFill>
+                  <a:srgbClr val="00B050"/>
+                </a:solidFill>
+              </a:rPr>
+              <a:t>TensorFlow</a:t>
+            </a:r>
+            <a:endParaRPr lang="en-US" sz="2800" b="1" dirty="0" smtClean="0">
+              <a:solidFill>
+                <a:srgbClr val="00B050"/>
+              </a:solidFill>
+            </a:endParaRPr>
+          </a:p>
+          <a:p>
+            <a:endParaRPr lang="en-US" sz="2800" dirty="0"/>
+          </a:p>
+          <a:p>
+            <a:r>
+              <a:rPr lang="en-US" sz="1600" dirty="0"/>
+              <a:t>	This workshop will cover programming in </a:t>
+            </a:r>
+            <a:r>
+              <a:rPr lang="en-US" sz="1600" dirty="0" err="1" smtClean="0"/>
+              <a:t>TensorFlow</a:t>
+            </a:r>
+            <a:r>
+              <a:rPr lang="en-US" sz="1600" dirty="0" smtClean="0"/>
+              <a:t>, covering the concepts of Design and Run,</a:t>
+            </a:r>
+          </a:p>
+          <a:p>
+            <a:r>
+              <a:rPr lang="en-US" sz="1600" dirty="0"/>
+              <a:t>	</a:t>
+            </a:r>
+            <a:r>
+              <a:rPr lang="en-US" sz="1600" dirty="0" smtClean="0"/>
+              <a:t>syntax, and common approaches and design techniques. (Julio Barros, MS)</a:t>
+            </a:r>
+          </a:p>
         </p:txBody>
       </p:sp>
     </p:spTree>
     <p:extLst>
       <p:ext uri="{BB962C8B-B14F-4D97-AF65-F5344CB8AC3E}">
-        <p14:creationId xmlns:p14="http://schemas.microsoft.com/office/powerpoint/2010/main" val="1451393278"/>
+        <p14:creationId xmlns:p14="http://schemas.microsoft.com/office/powerpoint/2010/main" val="2047582178"/>
       </p:ext>
     </p:extLst>
   </p:cSld>

--- a/Presentations/AI Training Syllabus.pptx
+++ b/Presentations/AI Training Syllabus.pptx
@@ -201,7 +201,7 @@
           <a:p>
             <a:fld id="{FAF957FC-5175-49AC-8D2B-2F056FFFC1DD}" type="datetimeFigureOut">
               <a:rPr lang="en-US" smtClean="0"/>
-              <a:t>12/3/2017</a:t>
+              <a:t>12/11/2017</a:t>
             </a:fld>
             <a:endParaRPr lang="en-US"/>
           </a:p>
@@ -651,7 +651,7 @@
             <a:fld id="{1D8BD707-D9CF-40AE-B4C6-C98DA3205C09}" type="datetimeFigureOut">
               <a:rPr lang="en-US" smtClean="0"/>
               <a:pPr/>
-              <a:t>12/3/2017</a:t>
+              <a:t>12/11/2017</a:t>
             </a:fld>
             <a:endParaRPr lang="en-US"/>
           </a:p>
@@ -818,7 +818,7 @@
             <a:fld id="{1D8BD707-D9CF-40AE-B4C6-C98DA3205C09}" type="datetimeFigureOut">
               <a:rPr lang="en-US" smtClean="0"/>
               <a:pPr/>
-              <a:t>12/3/2017</a:t>
+              <a:t>12/11/2017</a:t>
             </a:fld>
             <a:endParaRPr lang="en-US"/>
           </a:p>
@@ -995,7 +995,7 @@
             <a:fld id="{1D8BD707-D9CF-40AE-B4C6-C98DA3205C09}" type="datetimeFigureOut">
               <a:rPr lang="en-US" smtClean="0"/>
               <a:pPr/>
-              <a:t>12/3/2017</a:t>
+              <a:t>12/11/2017</a:t>
             </a:fld>
             <a:endParaRPr lang="en-US"/>
           </a:p>
@@ -1162,7 +1162,7 @@
             <a:fld id="{1D8BD707-D9CF-40AE-B4C6-C98DA3205C09}" type="datetimeFigureOut">
               <a:rPr lang="en-US" smtClean="0"/>
               <a:pPr/>
-              <a:t>12/3/2017</a:t>
+              <a:t>12/11/2017</a:t>
             </a:fld>
             <a:endParaRPr lang="en-US"/>
           </a:p>
@@ -1405,7 +1405,7 @@
             <a:fld id="{1D8BD707-D9CF-40AE-B4C6-C98DA3205C09}" type="datetimeFigureOut">
               <a:rPr lang="en-US" smtClean="0"/>
               <a:pPr/>
-              <a:t>12/3/2017</a:t>
+              <a:t>12/11/2017</a:t>
             </a:fld>
             <a:endParaRPr lang="en-US"/>
           </a:p>
@@ -1690,7 +1690,7 @@
             <a:fld id="{1D8BD707-D9CF-40AE-B4C6-C98DA3205C09}" type="datetimeFigureOut">
               <a:rPr lang="en-US" smtClean="0"/>
               <a:pPr/>
-              <a:t>12/3/2017</a:t>
+              <a:t>12/11/2017</a:t>
             </a:fld>
             <a:endParaRPr lang="en-US"/>
           </a:p>
@@ -2109,7 +2109,7 @@
             <a:fld id="{1D8BD707-D9CF-40AE-B4C6-C98DA3205C09}" type="datetimeFigureOut">
               <a:rPr lang="en-US" smtClean="0"/>
               <a:pPr/>
-              <a:t>12/3/2017</a:t>
+              <a:t>12/11/2017</a:t>
             </a:fld>
             <a:endParaRPr lang="en-US"/>
           </a:p>
@@ -2224,7 +2224,7 @@
             <a:fld id="{1D8BD707-D9CF-40AE-B4C6-C98DA3205C09}" type="datetimeFigureOut">
               <a:rPr lang="en-US" smtClean="0"/>
               <a:pPr/>
-              <a:t>12/3/2017</a:t>
+              <a:t>12/11/2017</a:t>
             </a:fld>
             <a:endParaRPr lang="en-US"/>
           </a:p>
@@ -2316,7 +2316,7 @@
             <a:fld id="{1D8BD707-D9CF-40AE-B4C6-C98DA3205C09}" type="datetimeFigureOut">
               <a:rPr lang="en-US" smtClean="0"/>
               <a:pPr/>
-              <a:t>12/3/2017</a:t>
+              <a:t>12/11/2017</a:t>
             </a:fld>
             <a:endParaRPr lang="en-US"/>
           </a:p>
@@ -2590,7 +2590,7 @@
             <a:fld id="{1D8BD707-D9CF-40AE-B4C6-C98DA3205C09}" type="datetimeFigureOut">
               <a:rPr lang="en-US" smtClean="0"/>
               <a:pPr/>
-              <a:t>12/3/2017</a:t>
+              <a:t>12/11/2017</a:t>
             </a:fld>
             <a:endParaRPr lang="en-US"/>
           </a:p>
@@ -2840,7 +2840,7 @@
             <a:fld id="{1D8BD707-D9CF-40AE-B4C6-C98DA3205C09}" type="datetimeFigureOut">
               <a:rPr lang="en-US" smtClean="0"/>
               <a:pPr/>
-              <a:t>12/3/2017</a:t>
+              <a:t>12/11/2017</a:t>
             </a:fld>
             <a:endParaRPr lang="en-US"/>
           </a:p>
@@ -3050,7 +3050,7 @@
             <a:fld id="{1D8BD707-D9CF-40AE-B4C6-C98DA3205C09}" type="datetimeFigureOut">
               <a:rPr lang="en-US" smtClean="0"/>
               <a:pPr/>
-              <a:t>12/3/2017</a:t>
+              <a:t>12/11/2017</a:t>
             </a:fld>
             <a:endParaRPr lang="en-US"/>
           </a:p>
@@ -3873,11 +3873,7 @@
             </a:r>
             <a:r>
               <a:rPr lang="en-US" sz="1600" dirty="0" smtClean="0"/>
-              <a:t>analyzing and preparing datasets for machine </a:t>
-            </a:r>
-            <a:r>
-              <a:rPr lang="en-US" sz="1600" dirty="0" smtClean="0"/>
-              <a:t>learning. </a:t>
+              <a:t>analyzing and preparing datasets for machine learning. </a:t>
             </a:r>
             <a:r>
               <a:rPr lang="en-US" sz="1600" dirty="0"/>
@@ -3965,7 +3961,6 @@
               <a:rPr lang="en-US" sz="1600" dirty="0" smtClean="0"/>
               <a:t>. PhD)</a:t>
             </a:r>
-            <a:endParaRPr lang="en-US" sz="1600" dirty="0" smtClean="0"/>
           </a:p>
           <a:p>
             <a:endParaRPr lang="en-US" sz="2800" b="1" dirty="0" smtClean="0">
@@ -5305,17 +5300,7 @@
                   </a:schemeClr>
                 </a:solidFill>
               </a:rPr>
-              <a:t>Session </a:t>
-            </a:r>
-            <a:r>
-              <a:rPr lang="en-US" sz="2800" b="1" dirty="0" smtClean="0">
-                <a:solidFill>
-                  <a:schemeClr val="accent5">
-                    <a:lumMod val="75000"/>
-                  </a:schemeClr>
-                </a:solidFill>
-              </a:rPr>
-              <a:t>1: </a:t>
+              <a:t>Session 1: </a:t>
             </a:r>
             <a:r>
               <a:rPr lang="en-US" sz="2800" b="1" dirty="0" smtClean="0">
@@ -5350,11 +5335,7 @@
             </a:br>
             <a:r>
               <a:rPr lang="en-US" sz="1600" dirty="0" smtClean="0"/>
-              <a:t>	Greedy Algorithm, and A-STAR Algorithm</a:t>
-            </a:r>
-            <a:r>
-              <a:rPr lang="en-US" sz="1600" dirty="0" smtClean="0"/>
-              <a:t>.</a:t>
+              <a:t>	Greedy Algorithm, and A-STAR Algorithm.</a:t>
             </a:r>
           </a:p>
           <a:p>
@@ -5778,17 +5759,7 @@
                   </a:schemeClr>
                 </a:solidFill>
               </a:rPr>
-              <a:t>Session </a:t>
-            </a:r>
-            <a:r>
-              <a:rPr lang="en-US" sz="2800" b="1" dirty="0" smtClean="0">
-                <a:solidFill>
-                  <a:schemeClr val="accent5">
-                    <a:lumMod val="75000"/>
-                  </a:schemeClr>
-                </a:solidFill>
-              </a:rPr>
-              <a:t>3: </a:t>
+              <a:t>Session 3: </a:t>
             </a:r>
             <a:r>
               <a:rPr lang="en-US" sz="2800" b="1" dirty="0" smtClean="0">
@@ -6284,21 +6255,11 @@
                   </a:schemeClr>
                 </a:solidFill>
               </a:rPr>
-              <a:t>Session </a:t>
+              <a:t>Session 5: </a:t>
             </a:r>
             <a:r>
               <a:rPr lang="en-US" sz="2800" b="1" dirty="0" smtClean="0">
                 <a:solidFill>
-                  <a:schemeClr val="accent5">
-                    <a:lumMod val="75000"/>
-                  </a:schemeClr>
-                </a:solidFill>
-              </a:rPr>
-              <a:t>5: </a:t>
-            </a:r>
-            <a:r>
-              <a:rPr lang="en-US" sz="2800" b="1" dirty="0" smtClean="0">
-                <a:solidFill>
                   <a:srgbClr val="00B050"/>
                 </a:solidFill>
               </a:rPr>
@@ -6350,11 +6311,7 @@
             </a:br>
             <a:r>
               <a:rPr lang="en-US" sz="1600" dirty="0" smtClean="0"/>
-              <a:t>	and multiple linear regression, decision trees, ensemble methods and confusion matrices</a:t>
-            </a:r>
-            <a:r>
-              <a:rPr lang="en-US" sz="1600" dirty="0" smtClean="0"/>
-              <a:t>.</a:t>
+              <a:t>	and multiple linear regression, decision trees, ensemble methods and confusion matrices.</a:t>
             </a:r>
           </a:p>
           <a:p>
@@ -6592,7 +6549,7 @@
         <p:spPr>
           <a:xfrm>
             <a:off x="152400" y="1164134"/>
-            <a:ext cx="9000734" cy="5632311"/>
+            <a:ext cx="9000734" cy="5940088"/>
           </a:xfrm>
           <a:prstGeom prst="rect">
             <a:avLst/>
@@ -6617,17 +6574,7 @@
                   </a:schemeClr>
                 </a:solidFill>
               </a:rPr>
-              <a:t>Session </a:t>
-            </a:r>
-            <a:r>
-              <a:rPr lang="en-US" sz="2800" b="1" dirty="0" smtClean="0">
-                <a:solidFill>
-                  <a:schemeClr val="accent5">
-                    <a:lumMod val="75000"/>
-                  </a:schemeClr>
-                </a:solidFill>
-              </a:rPr>
-              <a:t>6: </a:t>
+              <a:t>Session 6: </a:t>
             </a:r>
             <a:r>
               <a:rPr lang="en-US" sz="2800" b="1" dirty="0">
@@ -6696,11 +6643,7 @@
             </a:br>
             <a:r>
               <a:rPr lang="en-US" sz="1600" dirty="0" smtClean="0"/>
-              <a:t>	Torch</a:t>
-            </a:r>
-            <a:r>
-              <a:rPr lang="en-US" sz="1600" dirty="0" smtClean="0"/>
-              <a:t>.</a:t>
+              <a:t>	Torch.</a:t>
             </a:r>
           </a:p>
           <a:p>
@@ -6767,37 +6710,59 @@
             </a:r>
             <a:r>
               <a:rPr lang="en-US" sz="1600" b="1" dirty="0" smtClean="0"/>
-              <a:t>		&lt;wine dataset&gt;</a:t>
-            </a:r>
-            <a:endParaRPr lang="en-US" sz="1600" b="1" dirty="0"/>
+              <a:t>	</a:t>
+            </a:r>
+            <a:r>
+              <a:rPr lang="en-US" sz="1600" b="1" smtClean="0"/>
+              <a:t>	</a:t>
+            </a:r>
+            <a:r>
+              <a:rPr lang="en-US" sz="1600">
+                <a:hlinkClick r:id="rId4"/>
+              </a:rPr>
+              <a:t>Wine Dataset: Random </a:t>
+            </a:r>
+            <a:r>
+              <a:rPr lang="en-US" sz="1600">
+                <a:hlinkClick r:id="rId4"/>
+              </a:rPr>
+              <a:t>Forest </a:t>
+            </a:r>
+            <a:r>
+              <a:rPr lang="en-US" sz="1600" smtClean="0">
+                <a:hlinkClick r:id="rId4"/>
+              </a:rPr>
+              <a:t>Classification</a:t>
+            </a:r>
+            <a:endParaRPr lang="en-US" sz="1600" smtClean="0"/>
           </a:p>
           <a:p>
             <a:r>
               <a:rPr lang="en-US" sz="1600" dirty="0" smtClean="0"/>
               <a:t>		</a:t>
-            </a:r>
-            <a:r>
-              <a:rPr lang="en-US" sz="1600" b="1" dirty="0">
-                <a:hlinkClick r:id="rId4"/>
-              </a:rPr>
-              <a:t>OOP Principles</a:t>
-            </a:r>
-            <a:endParaRPr lang="en-US" sz="1600" b="1" dirty="0"/>
-          </a:p>
-          <a:p>
-            <a:r>
-              <a:rPr lang="en-US" sz="1600" dirty="0" smtClean="0"/>
-              <a:t>		</a:t>
-            </a:r>
-            <a:r>
-              <a:rPr lang="en-US" sz="1600" b="1" dirty="0">
-                <a:hlinkClick r:id="rId5"/>
-              </a:rPr>
-              <a:t>Python OOP </a:t>
             </a:r>
             <a:r>
               <a:rPr lang="en-US" sz="1600" b="1" dirty="0" smtClean="0">
                 <a:hlinkClick r:id="rId5"/>
+              </a:rPr>
+              <a:t>OOP Principles</a:t>
+            </a:r>
+            <a:endParaRPr lang="en-US" sz="1600" b="1" dirty="0" smtClean="0"/>
+          </a:p>
+          <a:p>
+            <a:r>
+              <a:rPr lang="en-US" sz="1600" dirty="0" smtClean="0"/>
+              <a:t>		</a:t>
+            </a:r>
+            <a:r>
+              <a:rPr lang="en-US" sz="1600" b="1" dirty="0">
+                <a:hlinkClick r:id="rId6"/>
+              </a:rPr>
+              <a:t>Python OOP </a:t>
+            </a:r>
+            <a:r>
+              <a:rPr lang="en-US" sz="1600" b="1" dirty="0" smtClean="0">
+                <a:hlinkClick r:id="rId6"/>
               </a:rPr>
               <a:t>Programming</a:t>
             </a:r>
@@ -6814,7 +6779,7 @@
             </a:r>
             <a:r>
               <a:rPr lang="en-US" sz="1600" dirty="0">
-                <a:hlinkClick r:id="rId6"/>
+                <a:hlinkClick r:id="rId7"/>
               </a:rPr>
               <a:t>OOP for Machine Language Programming</a:t>
             </a:r>
@@ -6889,6 +6854,11 @@
               <a:rPr lang="en-US" sz="1600" dirty="0" smtClean="0"/>
               <a:t>.</a:t>
             </a:r>
+          </a:p>
+          <a:p>
+            <a:endParaRPr lang="en-US" sz="1600" dirty="0"/>
+          </a:p>
+          <a:p>
             <a:endParaRPr lang="en-US" sz="1600" dirty="0" smtClean="0"/>
           </a:p>
         </p:txBody>
@@ -7198,11 +7168,7 @@
             </a:r>
             <a:r>
               <a:rPr lang="en-US" sz="1600" dirty="0" smtClean="0"/>
-              <a:t>This workshop will cover </a:t>
-            </a:r>
-            <a:r>
-              <a:rPr lang="en-US" sz="1600" dirty="0" smtClean="0"/>
-              <a:t>machine learning programming in the </a:t>
+              <a:t>This workshop will cover machine learning programming in the </a:t>
             </a:r>
             <a:r>
               <a:rPr lang="en-US" sz="1600" dirty="0" err="1" smtClean="0"/>
@@ -7233,11 +7199,7 @@
             </a:r>
             <a:r>
               <a:rPr lang="en-US" sz="1600" dirty="0" smtClean="0"/>
-              <a:t>(</a:t>
-            </a:r>
-            <a:r>
-              <a:rPr lang="en-US" sz="1600" dirty="0" smtClean="0"/>
-              <a:t>Ernest </a:t>
+              <a:t>(Ernest </a:t>
             </a:r>
             <a:r>
               <a:rPr lang="en-US" sz="1600" dirty="0" err="1" smtClean="0"/>

--- a/Presentations/AI Training Syllabus.pptx
+++ b/Presentations/AI Training Syllabus.pptx
@@ -5,7 +5,7 @@
     <p:sldMasterId id="2147483648" r:id="rId1"/>
   </p:sldMasterIdLst>
   <p:notesMasterIdLst>
-    <p:notesMasterId r:id="rId12"/>
+    <p:notesMasterId r:id="rId13"/>
   </p:notesMasterIdLst>
   <p:sldIdLst>
     <p:sldId id="256" r:id="rId2"/>
@@ -16,8 +16,9 @@
     <p:sldId id="289" r:id="rId7"/>
     <p:sldId id="284" r:id="rId8"/>
     <p:sldId id="285" r:id="rId9"/>
-    <p:sldId id="286" r:id="rId10"/>
-    <p:sldId id="287" r:id="rId11"/>
+    <p:sldId id="290" r:id="rId10"/>
+    <p:sldId id="286" r:id="rId11"/>
+    <p:sldId id="287" r:id="rId12"/>
   </p:sldIdLst>
   <p:sldSz cx="9144000" cy="6858000" type="screen4x3"/>
   <p:notesSz cx="6858000" cy="9144000"/>
@@ -3802,6 +3803,333 @@
         <p:spPr>
           <a:xfrm>
             <a:off x="152400" y="1164134"/>
+            <a:ext cx="9029395" cy="3023905"/>
+          </a:xfrm>
+          <a:prstGeom prst="rect">
+            <a:avLst/>
+          </a:prstGeom>
+          <a:noFill/>
+        </p:spPr>
+        <p:txBody>
+          <a:bodyPr wrap="none" rtlCol="0">
+            <a:spAutoFit/>
+          </a:bodyPr>
+          <a:lstStyle/>
+          <a:p>
+            <a:endParaRPr lang="en-US" sz="1050" b="1" dirty="0">
+              <a:solidFill>
+                <a:srgbClr val="00B050"/>
+              </a:solidFill>
+            </a:endParaRPr>
+          </a:p>
+          <a:p>
+            <a:pPr marL="285750" indent="-285750">
+              <a:buFont typeface="Arial" panose="020B0604020202020204" pitchFamily="34" charset="0"/>
+              <a:buChar char="•"/>
+            </a:pPr>
+            <a:r>
+              <a:rPr lang="en-US" sz="2800" b="1" dirty="0">
+                <a:solidFill>
+                  <a:schemeClr val="accent5">
+                    <a:lumMod val="75000"/>
+                  </a:schemeClr>
+                </a:solidFill>
+              </a:rPr>
+              <a:t>Session </a:t>
+            </a:r>
+            <a:r>
+              <a:rPr lang="en-US" sz="2800" b="1" dirty="0" smtClean="0">
+                <a:solidFill>
+                  <a:schemeClr val="accent5">
+                    <a:lumMod val="75000"/>
+                  </a:schemeClr>
+                </a:solidFill>
+              </a:rPr>
+              <a:t>9: </a:t>
+            </a:r>
+            <a:r>
+              <a:rPr lang="en-US" sz="2800" b="1" dirty="0" smtClean="0">
+                <a:solidFill>
+                  <a:srgbClr val="00B050"/>
+                </a:solidFill>
+              </a:rPr>
+              <a:t>Workshop – </a:t>
+            </a:r>
+            <a:r>
+              <a:rPr lang="en-US" sz="2800" b="1" dirty="0" err="1" smtClean="0">
+                <a:solidFill>
+                  <a:srgbClr val="00B050"/>
+                </a:solidFill>
+              </a:rPr>
+              <a:t>PyCharm</a:t>
+            </a:r>
+            <a:r>
+              <a:rPr lang="en-US" sz="2800" b="1" dirty="0" smtClean="0">
+                <a:solidFill>
+                  <a:srgbClr val="00B050"/>
+                </a:solidFill>
+              </a:rPr>
+              <a:t>/</a:t>
+            </a:r>
+            <a:r>
+              <a:rPr lang="en-US" sz="2800" b="1" dirty="0" err="1" smtClean="0">
+                <a:solidFill>
+                  <a:srgbClr val="00B050"/>
+                </a:solidFill>
+              </a:rPr>
+              <a:t>PyTorch</a:t>
+            </a:r>
+            <a:endParaRPr lang="en-US" sz="2800" b="1" dirty="0" smtClean="0">
+              <a:solidFill>
+                <a:srgbClr val="00B050"/>
+              </a:solidFill>
+            </a:endParaRPr>
+          </a:p>
+          <a:p>
+            <a:endParaRPr lang="en-US" sz="1600" dirty="0"/>
+          </a:p>
+          <a:p>
+            <a:r>
+              <a:rPr lang="en-US" sz="1600" dirty="0"/>
+              <a:t>	</a:t>
+            </a:r>
+            <a:r>
+              <a:rPr lang="en-US" sz="1600" dirty="0" smtClean="0"/>
+              <a:t>This workshop will cover machine learning programming in the </a:t>
+            </a:r>
+            <a:r>
+              <a:rPr lang="en-US" sz="1600" dirty="0" err="1" smtClean="0"/>
+              <a:t>PyCharm</a:t>
+            </a:r>
+            <a:r>
+              <a:rPr lang="en-US" sz="1600" dirty="0" smtClean="0"/>
+              <a:t> IDE with the </a:t>
+            </a:r>
+            <a:r>
+              <a:rPr lang="en-US" sz="1600" dirty="0" err="1" smtClean="0"/>
+              <a:t>PyTorch</a:t>
+            </a:r>
+            <a:endParaRPr lang="en-US" sz="1600" dirty="0" smtClean="0"/>
+          </a:p>
+          <a:p>
+            <a:r>
+              <a:rPr lang="en-US" sz="1600" dirty="0"/>
+              <a:t>	</a:t>
+            </a:r>
+            <a:r>
+              <a:rPr lang="en-US" sz="1600" dirty="0" smtClean="0"/>
+              <a:t>machine learning framework.</a:t>
+            </a:r>
+            <a:r>
+              <a:rPr lang="en-US" sz="1600" dirty="0"/>
+              <a:t> </a:t>
+            </a:r>
+            <a:r>
+              <a:rPr lang="en-US" sz="1600" dirty="0" smtClean="0"/>
+              <a:t>(Ernest </a:t>
+            </a:r>
+            <a:r>
+              <a:rPr lang="en-US" sz="1600" dirty="0" err="1" smtClean="0"/>
+              <a:t>Bonat</a:t>
+            </a:r>
+            <a:r>
+              <a:rPr lang="en-US" sz="1600" dirty="0" smtClean="0"/>
+              <a:t>, PhD).</a:t>
+            </a:r>
+          </a:p>
+          <a:p>
+            <a:endParaRPr lang="en-US" sz="1600" b="1" dirty="0" smtClean="0">
+              <a:solidFill>
+                <a:srgbClr val="00B050"/>
+              </a:solidFill>
+            </a:endParaRPr>
+          </a:p>
+          <a:p>
+            <a:pPr marL="285750" indent="-285750">
+              <a:buFont typeface="Arial" panose="020B0604020202020204" pitchFamily="34" charset="0"/>
+              <a:buChar char="•"/>
+            </a:pPr>
+            <a:r>
+              <a:rPr lang="en-US" sz="2800" b="1" dirty="0" smtClean="0">
+                <a:solidFill>
+                  <a:schemeClr val="accent5">
+                    <a:lumMod val="75000"/>
+                  </a:schemeClr>
+                </a:solidFill>
+              </a:rPr>
+              <a:t>Session 10: </a:t>
+            </a:r>
+            <a:r>
+              <a:rPr lang="en-US" sz="2800" b="1" dirty="0" smtClean="0">
+                <a:solidFill>
+                  <a:srgbClr val="00B050"/>
+                </a:solidFill>
+              </a:rPr>
+              <a:t>Workshop – </a:t>
+            </a:r>
+            <a:r>
+              <a:rPr lang="en-US" sz="2800" b="1" dirty="0" err="1" smtClean="0">
+                <a:solidFill>
+                  <a:srgbClr val="00B050"/>
+                </a:solidFill>
+              </a:rPr>
+              <a:t>TensorFlow</a:t>
+            </a:r>
+            <a:endParaRPr lang="en-US" sz="2800" b="1" dirty="0" smtClean="0">
+              <a:solidFill>
+                <a:srgbClr val="00B050"/>
+              </a:solidFill>
+            </a:endParaRPr>
+          </a:p>
+          <a:p>
+            <a:endParaRPr lang="en-US" sz="2800" dirty="0"/>
+          </a:p>
+          <a:p>
+            <a:r>
+              <a:rPr lang="en-US" sz="1600" dirty="0"/>
+              <a:t>	This workshop will cover programming in </a:t>
+            </a:r>
+            <a:r>
+              <a:rPr lang="en-US" sz="1600" dirty="0" err="1" smtClean="0"/>
+              <a:t>TensorFlow</a:t>
+            </a:r>
+            <a:r>
+              <a:rPr lang="en-US" sz="1600" dirty="0" smtClean="0"/>
+              <a:t>, covering the concepts of Design and Run,</a:t>
+            </a:r>
+          </a:p>
+          <a:p>
+            <a:r>
+              <a:rPr lang="en-US" sz="1600" dirty="0"/>
+              <a:t>	</a:t>
+            </a:r>
+            <a:r>
+              <a:rPr lang="en-US" sz="1600" dirty="0" smtClean="0"/>
+              <a:t>syntax, and common approaches and design techniques. (Julio Barros, MS)</a:t>
+            </a:r>
+          </a:p>
+        </p:txBody>
+      </p:sp>
+    </p:spTree>
+    <p:extLst>
+      <p:ext uri="{BB962C8B-B14F-4D97-AF65-F5344CB8AC3E}">
+        <p14:creationId xmlns:p14="http://schemas.microsoft.com/office/powerpoint/2010/main" val="2047582178"/>
+      </p:ext>
+    </p:extLst>
+  </p:cSld>
+  <p:clrMapOvr>
+    <a:masterClrMapping/>
+  </p:clrMapOvr>
+  <p:timing>
+    <p:tnLst>
+      <p:par>
+        <p:cTn id="1" dur="indefinite" restart="never" nodeType="tmRoot"/>
+      </p:par>
+    </p:tnLst>
+  </p:timing>
+</p:sld>
+</file>
+
+<file path=ppt/slides/slide11.xml><?xml version="1.0" encoding="utf-8"?>
+<p:sld xmlns:a="http://schemas.openxmlformats.org/drawingml/2006/main" xmlns:r="http://schemas.openxmlformats.org/officeDocument/2006/relationships" xmlns:p="http://schemas.openxmlformats.org/presentationml/2006/main">
+  <p:cSld>
+    <p:spTree>
+      <p:nvGrpSpPr>
+        <p:cNvPr id="1" name=""/>
+        <p:cNvGrpSpPr/>
+        <p:nvPr/>
+      </p:nvGrpSpPr>
+      <p:grpSpPr>
+        <a:xfrm>
+          <a:off x="0" y="0"/>
+          <a:ext cx="0" cy="0"/>
+          <a:chOff x="0" y="0"/>
+          <a:chExt cx="0" cy="0"/>
+        </a:xfrm>
+      </p:grpSpPr>
+      <p:sp>
+        <p:nvSpPr>
+          <p:cNvPr id="2" name="Title 1"/>
+          <p:cNvSpPr>
+            <a:spLocks noGrp="1"/>
+          </p:cNvSpPr>
+          <p:nvPr>
+            <p:ph type="title"/>
+          </p:nvPr>
+        </p:nvSpPr>
+        <p:spPr>
+          <a:xfrm>
+            <a:off x="457200" y="274638"/>
+            <a:ext cx="8305800" cy="792162"/>
+          </a:xfrm>
+        </p:spPr>
+        <p:txBody>
+          <a:bodyPr>
+            <a:normAutofit/>
+          </a:bodyPr>
+          <a:lstStyle/>
+          <a:p>
+            <a:pPr algn="l"/>
+            <a:r>
+              <a:rPr lang="en-US" dirty="0" smtClean="0">
+                <a:solidFill>
+                  <a:schemeClr val="accent1">
+                    <a:lumMod val="75000"/>
+                  </a:schemeClr>
+                </a:solidFill>
+              </a:rPr>
+              <a:t>Syllabus</a:t>
+            </a:r>
+            <a:endParaRPr lang="en-US" dirty="0">
+              <a:solidFill>
+                <a:schemeClr val="accent1">
+                  <a:lumMod val="75000"/>
+                </a:schemeClr>
+              </a:solidFill>
+            </a:endParaRPr>
+          </a:p>
+        </p:txBody>
+      </p:sp>
+      <p:cxnSp>
+        <p:nvCxnSpPr>
+          <p:cNvPr id="5" name="Straight Connector 4"/>
+          <p:cNvCxnSpPr/>
+          <p:nvPr/>
+        </p:nvCxnSpPr>
+        <p:spPr>
+          <a:xfrm>
+            <a:off x="0" y="990600"/>
+            <a:ext cx="9144000" cy="0"/>
+          </a:xfrm>
+          <a:prstGeom prst="line">
+            <a:avLst/>
+          </a:prstGeom>
+          <a:ln w="19050"/>
+        </p:spPr>
+        <p:style>
+          <a:lnRef idx="1">
+            <a:schemeClr val="accent1"/>
+          </a:lnRef>
+          <a:fillRef idx="0">
+            <a:schemeClr val="accent1"/>
+          </a:fillRef>
+          <a:effectRef idx="0">
+            <a:schemeClr val="accent1"/>
+          </a:effectRef>
+          <a:fontRef idx="minor">
+            <a:schemeClr val="tx1"/>
+          </a:fontRef>
+        </p:style>
+      </p:cxnSp>
+      <p:sp>
+        <p:nvSpPr>
+          <p:cNvPr id="36" name="TextBox 35"/>
+          <p:cNvSpPr txBox="1"/>
+          <p:nvPr/>
+        </p:nvSpPr>
+        <p:spPr>
+          <a:xfrm>
+            <a:off x="152400" y="1164134"/>
             <a:ext cx="8825173" cy="5509200"/>
           </a:xfrm>
           <a:prstGeom prst="rect">
@@ -6549,7 +6877,7 @@
         <p:spPr>
           <a:xfrm>
             <a:off x="152400" y="1164134"/>
-            <a:ext cx="9000734" cy="5940088"/>
+            <a:ext cx="9000734" cy="3908762"/>
           </a:xfrm>
           <a:prstGeom prst="rect">
             <a:avLst/>
@@ -6710,31 +7038,21 @@
             </a:r>
             <a:r>
               <a:rPr lang="en-US" sz="1600" b="1" dirty="0" smtClean="0"/>
-              <a:t>	</a:t>
-            </a:r>
-            <a:r>
-              <a:rPr lang="en-US" sz="1600" b="1" smtClean="0"/>
-              <a:t>	</a:t>
-            </a:r>
-            <a:r>
-              <a:rPr lang="en-US" sz="1600">
+              <a:t>		</a:t>
+            </a:r>
+            <a:r>
+              <a:rPr lang="en-US" sz="1600" dirty="0">
                 <a:hlinkClick r:id="rId4"/>
               </a:rPr>
-              <a:t>Wine Dataset: Random </a:t>
-            </a:r>
-            <a:r>
-              <a:rPr lang="en-US" sz="1600">
+              <a:t>Wine Dataset: Random Forest </a:t>
+            </a:r>
+            <a:r>
+              <a:rPr lang="en-US" sz="1600" dirty="0" smtClean="0">
                 <a:hlinkClick r:id="rId4"/>
               </a:rPr>
-              <a:t>Forest </a:t>
-            </a:r>
-            <a:r>
-              <a:rPr lang="en-US" sz="1600" smtClean="0">
-                <a:hlinkClick r:id="rId4"/>
-              </a:rPr>
               <a:t>Classification</a:t>
             </a:r>
-            <a:endParaRPr lang="en-US" sz="1600" smtClean="0"/>
+            <a:endParaRPr lang="en-US" sz="1600" dirty="0" smtClean="0"/>
           </a:p>
           <a:p>
             <a:r>
@@ -6781,81 +7099,14 @@
               <a:rPr lang="en-US" sz="1600" dirty="0">
                 <a:hlinkClick r:id="rId7"/>
               </a:rPr>
-              <a:t>OOP for Machine Language Programming</a:t>
-            </a:r>
-            <a:endParaRPr lang="en-US" sz="1200" dirty="0"/>
-          </a:p>
-          <a:p>
-            <a:endParaRPr lang="en-US" sz="1200" b="1" dirty="0" smtClean="0">
-              <a:solidFill>
-                <a:srgbClr val="00B050"/>
-              </a:solidFill>
-            </a:endParaRPr>
-          </a:p>
-          <a:p>
-            <a:pPr marL="285750" indent="-285750">
-              <a:buFont typeface="Arial" panose="020B0604020202020204" pitchFamily="34" charset="0"/>
-              <a:buChar char="•"/>
-            </a:pPr>
-            <a:r>
-              <a:rPr lang="en-US" sz="2800" b="1" dirty="0" smtClean="0">
-                <a:solidFill>
-                  <a:schemeClr val="accent5">
-                    <a:lumMod val="75000"/>
-                  </a:schemeClr>
-                </a:solidFill>
-              </a:rPr>
-              <a:t>Session 7: </a:t>
-            </a:r>
-            <a:r>
-              <a:rPr lang="en-US" sz="2800" b="1" dirty="0" smtClean="0">
-                <a:solidFill>
-                  <a:srgbClr val="00B050"/>
-                </a:solidFill>
-              </a:rPr>
-              <a:t>Natural Language Processing</a:t>
-            </a:r>
-          </a:p>
-          <a:p>
-            <a:endParaRPr lang="en-US" sz="2800" b="1" dirty="0">
-              <a:solidFill>
-                <a:srgbClr val="00B050"/>
-              </a:solidFill>
-            </a:endParaRPr>
-          </a:p>
-          <a:p>
-            <a:r>
-              <a:rPr lang="en-US" sz="1600" dirty="0" smtClean="0"/>
-              <a:t>	This session will cover the basic foundations of Natural Language Processing covering bags of </a:t>
-            </a:r>
-            <a:br>
-              <a:rPr lang="en-US" sz="1600" dirty="0" smtClean="0"/>
-            </a:br>
-            <a:r>
-              <a:rPr lang="en-US" sz="1600" dirty="0" smtClean="0"/>
-              <a:t>	words, cleaning, stemming, lemmatization, tern frequencies (TF), </a:t>
-            </a:r>
-            <a:r>
-              <a:rPr lang="en-US" sz="1600" dirty="0" err="1" smtClean="0"/>
-              <a:t>interdocument</a:t>
-            </a:r>
-            <a:r>
-              <a:rPr lang="en-US" sz="1600" dirty="0" smtClean="0"/>
-              <a:t> frequencies </a:t>
-            </a:r>
-            <a:br>
-              <a:rPr lang="en-US" sz="1600" dirty="0" smtClean="0"/>
-            </a:br>
-            <a:r>
-              <a:rPr lang="en-US" sz="1600" dirty="0" smtClean="0"/>
-              <a:t>	(IDF), handling narrative (text) fields in datasets, and word vectors</a:t>
-            </a:r>
-            <a:r>
-              <a:rPr lang="en-US" sz="1600" dirty="0" smtClean="0"/>
-              <a:t>.</a:t>
-            </a:r>
-          </a:p>
-          <a:p>
+              <a:t>OOP for Machine Language </a:t>
+            </a:r>
+            <a:r>
+              <a:rPr lang="en-US" sz="1600" dirty="0" smtClean="0">
+                <a:hlinkClick r:id="rId7"/>
+              </a:rPr>
+              <a:t>Programming</a:t>
+            </a:r>
             <a:endParaRPr lang="en-US" sz="1600" dirty="0"/>
           </a:p>
           <a:p>
@@ -6983,7 +7234,7 @@
         <p:spPr>
           <a:xfrm>
             <a:off x="152400" y="1164134"/>
-            <a:ext cx="9029395" cy="5093702"/>
+            <a:ext cx="8923212" cy="5262979"/>
           </a:xfrm>
           <a:prstGeom prst="rect">
             <a:avLst/>
@@ -6996,7 +7247,7 @@
           </a:bodyPr>
           <a:lstStyle/>
           <a:p>
-            <a:endParaRPr lang="en-US" sz="1050" b="1" dirty="0">
+            <a:endParaRPr lang="en-US" sz="1200" b="1" dirty="0" smtClean="0">
               <a:solidFill>
                 <a:srgbClr val="00B050"/>
               </a:solidFill>
@@ -7008,33 +7259,25 @@
               <a:buChar char="•"/>
             </a:pPr>
             <a:r>
-              <a:rPr lang="en-US" sz="2800" b="1" dirty="0">
+              <a:rPr lang="en-US" sz="2800" b="1" dirty="0" smtClean="0">
                 <a:solidFill>
                   <a:schemeClr val="accent5">
                     <a:lumMod val="75000"/>
                   </a:schemeClr>
                 </a:solidFill>
               </a:rPr>
-              <a:t>Session </a:t>
+              <a:t>Session 7: </a:t>
             </a:r>
             <a:r>
               <a:rPr lang="en-US" sz="2800" b="1" dirty="0" smtClean="0">
                 <a:solidFill>
-                  <a:schemeClr val="accent5">
-                    <a:lumMod val="75000"/>
-                  </a:schemeClr>
-                </a:solidFill>
-              </a:rPr>
-              <a:t>8: </a:t>
-            </a:r>
-            <a:r>
-              <a:rPr lang="en-US" sz="2800" b="1" dirty="0" smtClean="0">
-                <a:solidFill>
                   <a:srgbClr val="00B050"/>
                 </a:solidFill>
               </a:rPr>
-              <a:t>Sensor Fusion</a:t>
-            </a:r>
+              <a:t>Natural Language Processing</a:t>
+            </a:r>
+          </a:p>
+          <a:p>
             <a:endParaRPr lang="en-US" sz="2800" b="1" dirty="0">
               <a:solidFill>
                 <a:srgbClr val="00B050"/>
@@ -7042,6 +7285,46 @@
             </a:endParaRPr>
           </a:p>
           <a:p>
+            <a:r>
+              <a:rPr lang="en-US" sz="1600" dirty="0" smtClean="0"/>
+              <a:t>	This session will cover the basic foundations of Natural Language Processing covering bags of </a:t>
+            </a:r>
+            <a:br>
+              <a:rPr lang="en-US" sz="1600" dirty="0" smtClean="0"/>
+            </a:br>
+            <a:r>
+              <a:rPr lang="en-US" sz="1600" dirty="0" smtClean="0"/>
+              <a:t>	words, cleaning, stemming, lemmatization, </a:t>
+            </a:r>
+            <a:r>
+              <a:rPr lang="en-US" sz="1600" dirty="0" smtClean="0"/>
+              <a:t>term </a:t>
+            </a:r>
+            <a:r>
+              <a:rPr lang="en-US" sz="1600" dirty="0" smtClean="0"/>
+              <a:t>frequencies (TF), </a:t>
+            </a:r>
+            <a:r>
+              <a:rPr lang="en-US" sz="1600" dirty="0" err="1" smtClean="0"/>
+              <a:t>interdocument</a:t>
+            </a:r>
+            <a:r>
+              <a:rPr lang="en-US" sz="1600" dirty="0" smtClean="0"/>
+              <a:t> frequencies </a:t>
+            </a:r>
+            <a:br>
+              <a:rPr lang="en-US" sz="1600" dirty="0" smtClean="0"/>
+            </a:br>
+            <a:r>
+              <a:rPr lang="en-US" sz="1600" dirty="0" smtClean="0"/>
+              <a:t>	(IDF), handling narrative (text) fields in datasets, and word vectors</a:t>
+            </a:r>
+            <a:r>
+              <a:rPr lang="en-US" sz="1600" dirty="0" smtClean="0"/>
+              <a:t>.</a:t>
+            </a:r>
+          </a:p>
+          <a:p>
             <a:endParaRPr lang="en-US" sz="1600" dirty="0" smtClean="0"/>
           </a:p>
           <a:p>
@@ -7051,49 +7334,64 @@
             </a:r>
             <a:r>
               <a:rPr lang="en-US" sz="1600" dirty="0" smtClean="0"/>
-              <a:t>The first part of this </a:t>
-            </a:r>
-            <a:r>
-              <a:rPr lang="en-US" sz="1600" dirty="0"/>
-              <a:t>session will cover the basic </a:t>
-            </a:r>
-            <a:r>
-              <a:rPr lang="en-US" sz="1600" dirty="0" smtClean="0"/>
-              <a:t>foundations of sensor technology in the </a:t>
-            </a:r>
-            <a:br>
-              <a:rPr lang="en-US" sz="1600" dirty="0" smtClean="0"/>
-            </a:br>
-            <a:r>
-              <a:rPr lang="en-US" sz="1600" dirty="0" smtClean="0"/>
-              <a:t>	autonomous world, covering GPS, cameras, IDAR, and sonic sensors.</a:t>
-            </a:r>
-          </a:p>
-          <a:p>
-            <a:endParaRPr lang="en-US" sz="1600" dirty="0"/>
-          </a:p>
-          <a:p>
-            <a:r>
-              <a:rPr lang="en-US" sz="1600" dirty="0" smtClean="0"/>
-              <a:t>	The second part of this session will cover the algorithms, covering sensor fusion, SLAM and</a:t>
-            </a:r>
-          </a:p>
-          <a:p>
+              <a:t>	</a:t>
+            </a:r>
+            <a:r>
+              <a:rPr lang="en-US" sz="1600" b="1" dirty="0">
+                <a:hlinkClick r:id="rId2"/>
+              </a:rPr>
+              <a:t>Introduction to Natural Language Processing</a:t>
+            </a:r>
+            <a:endParaRPr lang="en-US" sz="1600" b="1" dirty="0"/>
+          </a:p>
+          <a:p>
+            <a:r>
+              <a:rPr lang="en-US" sz="1600" dirty="0" smtClean="0"/>
+              <a:t>	</a:t>
+            </a:r>
             <a:r>
               <a:rPr lang="en-US" sz="1600" dirty="0"/>
               <a:t>	</a:t>
             </a:r>
             <a:r>
-              <a:rPr lang="en-US" sz="1600" dirty="0" smtClean="0"/>
-              <a:t>computer vision.</a:t>
-            </a:r>
-          </a:p>
-          <a:p>
-            <a:endParaRPr lang="en-US" sz="1050" b="1" dirty="0">
-              <a:solidFill>
-                <a:srgbClr val="00B050"/>
-              </a:solidFill>
-            </a:endParaRPr>
+              <a:rPr lang="en-US" sz="1600" b="1" dirty="0" smtClean="0">
+                <a:hlinkClick r:id="rId3"/>
+              </a:rPr>
+              <a:t>Handling </a:t>
+            </a:r>
+            <a:r>
+              <a:rPr lang="en-US" sz="1600" b="1" dirty="0">
+                <a:hlinkClick r:id="rId3"/>
+              </a:rPr>
+              <a:t>Narrative Fields in Datasets for </a:t>
+            </a:r>
+            <a:r>
+              <a:rPr lang="en-US" sz="1600" b="1" dirty="0" smtClean="0">
+                <a:hlinkClick r:id="rId3"/>
+              </a:rPr>
+              <a:t>Classification</a:t>
+            </a:r>
+            <a:endParaRPr lang="en-US" sz="1600" b="1" dirty="0" smtClean="0"/>
+          </a:p>
+          <a:p>
+            <a:r>
+              <a:rPr lang="en-US" sz="1600" b="1" dirty="0"/>
+              <a:t>	</a:t>
+            </a:r>
+            <a:r>
+              <a:rPr lang="en-US" sz="1600" b="1" dirty="0" smtClean="0"/>
+              <a:t>	</a:t>
+            </a:r>
+            <a:r>
+              <a:rPr lang="en-US" sz="1600" b="1" dirty="0">
+                <a:hlinkClick r:id="rId4"/>
+              </a:rPr>
+              <a:t>Groupings (Associations) Generation</a:t>
+            </a:r>
+            <a:endParaRPr lang="en-US" sz="1600" b="1" dirty="0"/>
+          </a:p>
+          <a:p>
+            <a:endParaRPr lang="en-US" sz="1600" b="1" dirty="0"/>
           </a:p>
           <a:p>
             <a:pPr marL="285750" indent="-285750">
@@ -7108,55 +7406,16 @@
                   </a:schemeClr>
                 </a:solidFill>
               </a:rPr>
-              <a:t>Session </a:t>
-            </a:r>
-            <a:r>
-              <a:rPr lang="en-US" sz="2800" b="1" dirty="0" smtClean="0">
-                <a:solidFill>
-                  <a:schemeClr val="accent5">
-                    <a:lumMod val="75000"/>
-                  </a:schemeClr>
-                </a:solidFill>
-              </a:rPr>
-              <a:t>9: </a:t>
-            </a:r>
-            <a:r>
-              <a:rPr lang="en-US" sz="2800" b="1" dirty="0" smtClean="0">
+              <a:t>Session 8: </a:t>
+            </a:r>
+            <a:r>
+              <a:rPr lang="en-US" sz="2800" b="1" dirty="0">
                 <a:solidFill>
                   <a:srgbClr val="00B050"/>
                 </a:solidFill>
               </a:rPr>
-              <a:t>Workshop – </a:t>
-            </a:r>
-            <a:r>
-              <a:rPr lang="en-US" sz="2800" b="1" dirty="0" err="1" smtClean="0">
-                <a:solidFill>
-                  <a:srgbClr val="00B050"/>
-                </a:solidFill>
-              </a:rPr>
-              <a:t>PyCharm</a:t>
-            </a:r>
-            <a:r>
-              <a:rPr lang="en-US" sz="2800" b="1" dirty="0" smtClean="0">
-                <a:solidFill>
-                  <a:srgbClr val="00B050"/>
-                </a:solidFill>
-              </a:rPr>
-              <a:t>/</a:t>
-            </a:r>
-            <a:r>
-              <a:rPr lang="en-US" sz="2800" b="1" dirty="0" err="1" smtClean="0">
-                <a:solidFill>
-                  <a:srgbClr val="00B050"/>
-                </a:solidFill>
-              </a:rPr>
-              <a:t>PyTorch</a:t>
-            </a:r>
-            <a:endParaRPr lang="en-US" sz="2800" b="1" dirty="0" smtClean="0">
-              <a:solidFill>
-                <a:srgbClr val="00B050"/>
-              </a:solidFill>
-            </a:endParaRPr>
+              <a:t>Sensor Fusion</a:t>
+            </a:r>
           </a:p>
           <a:p>
             <a:endParaRPr lang="en-US" sz="1600" dirty="0"/>
@@ -7164,129 +7423,44 @@
           <a:p>
             <a:r>
               <a:rPr lang="en-US" sz="1600" dirty="0"/>
-              <a:t>	</a:t>
-            </a:r>
-            <a:r>
-              <a:rPr lang="en-US" sz="1600" dirty="0" smtClean="0"/>
-              <a:t>This workshop will cover machine learning programming in the </a:t>
-            </a:r>
-            <a:r>
-              <a:rPr lang="en-US" sz="1600" dirty="0" err="1" smtClean="0"/>
-              <a:t>PyCharm</a:t>
-            </a:r>
-            <a:r>
-              <a:rPr lang="en-US" sz="1600" dirty="0" smtClean="0"/>
-              <a:t> IDE with the </a:t>
-            </a:r>
-            <a:r>
-              <a:rPr lang="en-US" sz="1600" dirty="0" err="1" smtClean="0"/>
-              <a:t>PyTorch</a:t>
-            </a:r>
+              <a:t>	The first part of this session will cover the basic foundations of sensor technology in the </a:t>
+            </a:r>
+            <a:br>
+              <a:rPr lang="en-US" sz="1600" dirty="0"/>
+            </a:br>
+            <a:r>
+              <a:rPr lang="en-US" sz="1600" dirty="0"/>
+              <a:t>	autonomous world, covering GPS, cameras, IDAR, and sonic sensors.</a:t>
+            </a:r>
+          </a:p>
+          <a:p>
+            <a:endParaRPr lang="en-US" sz="1600" dirty="0"/>
+          </a:p>
+          <a:p>
+            <a:r>
+              <a:rPr lang="en-US" sz="1600" dirty="0"/>
+              <a:t>	The second part of this session will cover the algorithms, covering sensor fusion, SLAM and</a:t>
+            </a:r>
+          </a:p>
+          <a:p>
+            <a:r>
+              <a:rPr lang="en-US" sz="1600" dirty="0"/>
+              <a:t>	computer vision</a:t>
+            </a:r>
+            <a:r>
+              <a:rPr lang="en-US" sz="1600" dirty="0" smtClean="0"/>
+              <a:t>.</a:t>
+            </a:r>
+          </a:p>
+          <a:p>
             <a:endParaRPr lang="en-US" sz="1600" dirty="0" smtClean="0"/>
-          </a:p>
-          <a:p>
-            <a:r>
-              <a:rPr lang="en-US" sz="1600" dirty="0"/>
-              <a:t>	</a:t>
-            </a:r>
-            <a:r>
-              <a:rPr lang="en-US" sz="1600" dirty="0" smtClean="0"/>
-              <a:t>machine learning framework.</a:t>
-            </a:r>
-            <a:r>
-              <a:rPr lang="en-US" sz="1600" dirty="0"/>
-              <a:t> </a:t>
-            </a:r>
-            <a:r>
-              <a:rPr lang="en-US" sz="1600" dirty="0" smtClean="0"/>
-              <a:t>(Ernest </a:t>
-            </a:r>
-            <a:r>
-              <a:rPr lang="en-US" sz="1600" dirty="0" err="1" smtClean="0"/>
-              <a:t>Bonat</a:t>
-            </a:r>
-            <a:r>
-              <a:rPr lang="en-US" sz="1600" dirty="0" smtClean="0"/>
-              <a:t>, PhD).</a:t>
-            </a:r>
-          </a:p>
-          <a:p>
-            <a:endParaRPr lang="en-US" sz="1600" b="1" dirty="0" smtClean="0">
-              <a:solidFill>
-                <a:srgbClr val="00B050"/>
-              </a:solidFill>
-            </a:endParaRPr>
-          </a:p>
-          <a:p>
-            <a:pPr marL="285750" indent="-285750">
-              <a:buFont typeface="Arial" panose="020B0604020202020204" pitchFamily="34" charset="0"/>
-              <a:buChar char="•"/>
-            </a:pPr>
-            <a:r>
-              <a:rPr lang="en-US" sz="2800" b="1" dirty="0" smtClean="0">
-                <a:solidFill>
-                  <a:schemeClr val="accent5">
-                    <a:lumMod val="75000"/>
-                  </a:schemeClr>
-                </a:solidFill>
-              </a:rPr>
-              <a:t>Session 10: </a:t>
-            </a:r>
-            <a:r>
-              <a:rPr lang="en-US" sz="2800" b="1" dirty="0" smtClean="0">
-                <a:solidFill>
-                  <a:srgbClr val="00B050"/>
-                </a:solidFill>
-              </a:rPr>
-              <a:t>Workshop – </a:t>
-            </a:r>
-            <a:r>
-              <a:rPr lang="en-US" sz="2800" b="1" dirty="0" err="1" smtClean="0">
-                <a:solidFill>
-                  <a:srgbClr val="00B050"/>
-                </a:solidFill>
-              </a:rPr>
-              <a:t>TensorFlow</a:t>
-            </a:r>
-            <a:endParaRPr lang="en-US" sz="2800" b="1" dirty="0" smtClean="0">
-              <a:solidFill>
-                <a:srgbClr val="00B050"/>
-              </a:solidFill>
-            </a:endParaRPr>
-          </a:p>
-          <a:p>
-            <a:endParaRPr lang="en-US" sz="2800" dirty="0"/>
-          </a:p>
-          <a:p>
-            <a:r>
-              <a:rPr lang="en-US" sz="1600" dirty="0"/>
-              <a:t>	This workshop will cover programming in </a:t>
-            </a:r>
-            <a:r>
-              <a:rPr lang="en-US" sz="1600" dirty="0" err="1" smtClean="0"/>
-              <a:t>TensorFlow</a:t>
-            </a:r>
-            <a:r>
-              <a:rPr lang="en-US" sz="1600" dirty="0" smtClean="0"/>
-              <a:t>, covering the concepts of Design and Run,</a:t>
-            </a:r>
-          </a:p>
-          <a:p>
-            <a:r>
-              <a:rPr lang="en-US" sz="1600" dirty="0"/>
-              <a:t>	</a:t>
-            </a:r>
-            <a:r>
-              <a:rPr lang="en-US" sz="1600" dirty="0" smtClean="0"/>
-              <a:t>syntax, and common approaches and design techniques. (Julio Barros, MS)</a:t>
-            </a:r>
           </a:p>
         </p:txBody>
       </p:sp>
     </p:spTree>
     <p:extLst>
       <p:ext uri="{BB962C8B-B14F-4D97-AF65-F5344CB8AC3E}">
-        <p14:creationId xmlns:p14="http://schemas.microsoft.com/office/powerpoint/2010/main" val="2047582178"/>
+        <p14:creationId xmlns:p14="http://schemas.microsoft.com/office/powerpoint/2010/main" val="1196466078"/>
       </p:ext>
     </p:extLst>
   </p:cSld>
